--- a/Intro_R.pptx
+++ b/Intro_R.pptx
@@ -5,7 +5,7 @@
     <p:sldMasterId id="2147483660" r:id="rId1"/>
   </p:sldMasterIdLst>
   <p:notesMasterIdLst>
-    <p:notesMasterId r:id="rId40"/>
+    <p:notesMasterId r:id="rId44"/>
   </p:notesMasterIdLst>
   <p:sldIdLst>
     <p:sldId id="256" r:id="rId2"/>
@@ -33,19 +33,23 @@
     <p:sldId id="278" r:id="rId24"/>
     <p:sldId id="279" r:id="rId25"/>
     <p:sldId id="300" r:id="rId26"/>
-    <p:sldId id="283" r:id="rId27"/>
-    <p:sldId id="294" r:id="rId28"/>
-    <p:sldId id="284" r:id="rId29"/>
-    <p:sldId id="285" r:id="rId30"/>
-    <p:sldId id="286" r:id="rId31"/>
-    <p:sldId id="295" r:id="rId32"/>
-    <p:sldId id="292" r:id="rId33"/>
-    <p:sldId id="287" r:id="rId34"/>
-    <p:sldId id="298" r:id="rId35"/>
-    <p:sldId id="301" r:id="rId36"/>
-    <p:sldId id="302" r:id="rId37"/>
-    <p:sldId id="303" r:id="rId38"/>
-    <p:sldId id="304" r:id="rId39"/>
+    <p:sldId id="305" r:id="rId27"/>
+    <p:sldId id="306" r:id="rId28"/>
+    <p:sldId id="307" r:id="rId29"/>
+    <p:sldId id="308" r:id="rId30"/>
+    <p:sldId id="283" r:id="rId31"/>
+    <p:sldId id="294" r:id="rId32"/>
+    <p:sldId id="284" r:id="rId33"/>
+    <p:sldId id="285" r:id="rId34"/>
+    <p:sldId id="286" r:id="rId35"/>
+    <p:sldId id="295" r:id="rId36"/>
+    <p:sldId id="292" r:id="rId37"/>
+    <p:sldId id="287" r:id="rId38"/>
+    <p:sldId id="298" r:id="rId39"/>
+    <p:sldId id="301" r:id="rId40"/>
+    <p:sldId id="302" r:id="rId41"/>
+    <p:sldId id="303" r:id="rId42"/>
+    <p:sldId id="304" r:id="rId43"/>
   </p:sldIdLst>
   <p:sldSz cx="9144000" cy="6858000" type="screen4x3"/>
   <p:notesSz cx="6858000" cy="9144000"/>
@@ -6080,7 +6084,16 @@
             </a:pPr>
             <a:r>
               <a:rPr lang="en-GB" dirty="0"/>
-              <a:t>4. Creating and importing your data into R </a:t>
+              <a:t>4. Creating and importing your data into R</a:t>
+            </a:r>
+          </a:p>
+          <a:p>
+            <a:pPr marL="0" indent="0">
+              <a:buNone/>
+            </a:pPr>
+            <a:r>
+              <a:rPr lang="en-GB" dirty="0"/>
+              <a:t> </a:t>
             </a:r>
           </a:p>
           <a:p>
@@ -7470,7 +7483,7 @@
           <p:cNvPr id="2" name="Title 1">
             <a:extLst>
               <a:ext uri="{FF2B5EF4-FFF2-40B4-BE49-F238E27FC236}">
-                <a16:creationId xmlns:a16="http://schemas.microsoft.com/office/drawing/2014/main" id="{4B16B2F3-D2C5-4DA6-A758-BBE14A0B93DA}"/>
+                <a16:creationId xmlns:a16="http://schemas.microsoft.com/office/drawing/2014/main" id="{5254BFB8-E555-4988-B7E2-80F65849CB93}"/>
               </a:ext>
             </a:extLst>
           </p:cNvPr>
@@ -7488,7 +7501,7 @@
           <a:p>
             <a:r>
               <a:rPr lang="en-GB" dirty="0"/>
-              <a:t>Contingency tables</a:t>
+              <a:t>Summarizing the data</a:t>
             </a:r>
           </a:p>
         </p:txBody>
@@ -7498,7 +7511,7 @@
           <p:cNvPr id="3" name="Content Placeholder 2">
             <a:extLst>
               <a:ext uri="{FF2B5EF4-FFF2-40B4-BE49-F238E27FC236}">
-                <a16:creationId xmlns:a16="http://schemas.microsoft.com/office/drawing/2014/main" id="{CD34A0CE-1BC1-4019-A0CC-11BDD156EBE5}"/>
+                <a16:creationId xmlns:a16="http://schemas.microsoft.com/office/drawing/2014/main" id="{E6A1943A-106A-4143-A7C8-C23A4E7124DE}"/>
               </a:ext>
             </a:extLst>
           </p:cNvPr>
@@ -7516,28 +7529,6 @@
           </a:bodyPr>
           <a:lstStyle/>
           <a:p>
-            <a:r>
-              <a:rPr lang="en-GB" sz="4000" dirty="0"/>
-              <a:t>Let’s add another factor to the </a:t>
-            </a:r>
-            <a:r>
-              <a:rPr lang="en-GB" sz="4000" dirty="0" err="1"/>
-              <a:t>dataframe</a:t>
-            </a:r>
-            <a:r>
-              <a:rPr lang="en-GB" sz="4000" dirty="0"/>
-              <a:t>, </a:t>
-            </a:r>
-            <a:r>
-              <a:rPr lang="en-GB" sz="4000" i="1" dirty="0"/>
-              <a:t>dialect</a:t>
-            </a:r>
-            <a:r>
-              <a:rPr lang="en-GB" sz="4000" dirty="0"/>
-              <a:t>:</a:t>
-            </a:r>
-          </a:p>
-          <a:p>
             <a:pPr marL="0" indent="0">
               <a:buNone/>
             </a:pPr>
@@ -7549,7 +7540,7 @@
                 <a:latin typeface="Courier New" panose="02070309020205020404" pitchFamily="49" charset="0"/>
                 <a:cs typeface="Courier New" panose="02070309020205020404" pitchFamily="49" charset="0"/>
               </a:rPr>
-              <a:t>&gt; </a:t>
+              <a:t>&gt; summary(</a:t>
             </a:r>
             <a:r>
               <a:rPr lang="en-GB" sz="3200" b="1" dirty="0" err="1">
@@ -7559,7 +7550,7 @@
                 <a:latin typeface="Courier New" panose="02070309020205020404" pitchFamily="49" charset="0"/>
                 <a:cs typeface="Courier New" panose="02070309020205020404" pitchFamily="49" charset="0"/>
               </a:rPr>
-              <a:t>mydf$dialect</a:t>
+              <a:t>mydf</a:t>
             </a:r>
             <a:r>
               <a:rPr lang="en-GB" sz="3200" b="1" dirty="0">
@@ -7569,116 +7560,13 @@
                 <a:latin typeface="Courier New" panose="02070309020205020404" pitchFamily="49" charset="0"/>
                 <a:cs typeface="Courier New" panose="02070309020205020404" pitchFamily="49" charset="0"/>
               </a:rPr>
-              <a:t> &lt;- c("</a:t>
-            </a:r>
-            <a:r>
-              <a:rPr lang="en-GB" sz="3200" b="1" dirty="0" err="1">
-                <a:solidFill>
-                  <a:srgbClr val="0000CC"/>
-                </a:solidFill>
-                <a:latin typeface="Courier New" panose="02070309020205020404" pitchFamily="49" charset="0"/>
-                <a:cs typeface="Courier New" panose="02070309020205020404" pitchFamily="49" charset="0"/>
-              </a:rPr>
-              <a:t>BrE</a:t>
-            </a:r>
-            <a:r>
-              <a:rPr lang="en-GB" sz="3200" b="1" dirty="0">
-                <a:solidFill>
-                  <a:srgbClr val="0000CC"/>
-                </a:solidFill>
-                <a:latin typeface="Courier New" panose="02070309020205020404" pitchFamily="49" charset="0"/>
-                <a:cs typeface="Courier New" panose="02070309020205020404" pitchFamily="49" charset="0"/>
-              </a:rPr>
-              <a:t>", "</a:t>
-            </a:r>
-            <a:r>
-              <a:rPr lang="en-GB" sz="3200" b="1" dirty="0" err="1">
-                <a:solidFill>
-                  <a:srgbClr val="0000CC"/>
-                </a:solidFill>
-                <a:latin typeface="Courier New" panose="02070309020205020404" pitchFamily="49" charset="0"/>
-                <a:cs typeface="Courier New" panose="02070309020205020404" pitchFamily="49" charset="0"/>
-              </a:rPr>
-              <a:t>AmE</a:t>
-            </a:r>
-            <a:r>
-              <a:rPr lang="en-GB" sz="3200" b="1" dirty="0">
-                <a:solidFill>
-                  <a:srgbClr val="0000CC"/>
-                </a:solidFill>
-                <a:latin typeface="Courier New" panose="02070309020205020404" pitchFamily="49" charset="0"/>
-                <a:cs typeface="Courier New" panose="02070309020205020404" pitchFamily="49" charset="0"/>
-              </a:rPr>
-              <a:t>", "</a:t>
-            </a:r>
-            <a:r>
-              <a:rPr lang="en-GB" sz="3200" b="1" dirty="0" err="1">
-                <a:solidFill>
-                  <a:srgbClr val="0000CC"/>
-                </a:solidFill>
-                <a:latin typeface="Courier New" panose="02070309020205020404" pitchFamily="49" charset="0"/>
-                <a:cs typeface="Courier New" panose="02070309020205020404" pitchFamily="49" charset="0"/>
-              </a:rPr>
-              <a:t>AmE</a:t>
-            </a:r>
-            <a:r>
-              <a:rPr lang="en-GB" sz="3200" b="1" dirty="0">
-                <a:solidFill>
-                  <a:srgbClr val="0000CC"/>
-                </a:solidFill>
-                <a:latin typeface="Courier New" panose="02070309020205020404" pitchFamily="49" charset="0"/>
-                <a:cs typeface="Courier New" panose="02070309020205020404" pitchFamily="49" charset="0"/>
-              </a:rPr>
-              <a:t>", "</a:t>
-            </a:r>
-            <a:r>
-              <a:rPr lang="en-GB" sz="3200" b="1" dirty="0" err="1">
-                <a:solidFill>
-                  <a:srgbClr val="0000CC"/>
-                </a:solidFill>
-                <a:latin typeface="Courier New" panose="02070309020205020404" pitchFamily="49" charset="0"/>
-                <a:cs typeface="Courier New" panose="02070309020205020404" pitchFamily="49" charset="0"/>
-              </a:rPr>
-              <a:t>BrE</a:t>
-            </a:r>
-            <a:r>
-              <a:rPr lang="en-GB" sz="3200" b="1" dirty="0">
-                <a:solidFill>
-                  <a:srgbClr val="0000CC"/>
-                </a:solidFill>
-                <a:latin typeface="Courier New" panose="02070309020205020404" pitchFamily="49" charset="0"/>
-                <a:cs typeface="Courier New" panose="02070309020205020404" pitchFamily="49" charset="0"/>
-              </a:rPr>
-              <a:t>")</a:t>
-            </a:r>
-          </a:p>
-          <a:p>
-            <a:pPr marL="0" indent="0">
-              <a:buNone/>
-            </a:pPr>
-            <a:r>
-              <a:rPr lang="en-GB" sz="3200" b="1" dirty="0">
-                <a:solidFill>
-                  <a:srgbClr val="0000CC"/>
-                </a:solidFill>
-                <a:latin typeface="Courier New" panose="02070309020205020404" pitchFamily="49" charset="0"/>
-                <a:cs typeface="Courier New" panose="02070309020205020404" pitchFamily="49" charset="0"/>
-              </a:rPr>
-              <a:t>&gt; </a:t>
-            </a:r>
-            <a:r>
-              <a:rPr lang="en-GB" sz="3200" b="1" dirty="0" err="1">
-                <a:solidFill>
-                  <a:srgbClr val="0000CC"/>
-                </a:solidFill>
-                <a:latin typeface="Courier New" panose="02070309020205020404" pitchFamily="49" charset="0"/>
-                <a:cs typeface="Courier New" panose="02070309020205020404" pitchFamily="49" charset="0"/>
-              </a:rPr>
-              <a:t>mydf</a:t>
+              <a:t>) </a:t>
             </a:r>
             <a:endParaRPr lang="en-GB" sz="3200" b="1" dirty="0">
               <a:solidFill>
-                <a:srgbClr val="0000CC"/>
+                <a:schemeClr val="accent6">
+                  <a:lumMod val="75000"/>
+                </a:schemeClr>
               </a:solidFill>
               <a:latin typeface="Courier New" panose="02070309020205020404" pitchFamily="49" charset="0"/>
               <a:cs typeface="Courier New" panose="02070309020205020404" pitchFamily="49" charset="0"/>
@@ -7693,7 +7581,7 @@
                 <a:latin typeface="Courier New" panose="02070309020205020404" pitchFamily="49" charset="0"/>
                 <a:cs typeface="Courier New" panose="02070309020205020404" pitchFamily="49" charset="0"/>
               </a:rPr>
-              <a:t>  sex  	RT 	dialect</a:t>
+              <a:t> sex         RT          dialect         </a:t>
             </a:r>
           </a:p>
           <a:p>
@@ -7705,30 +7593,240 @@
                 <a:latin typeface="Courier New" panose="02070309020205020404" pitchFamily="49" charset="0"/>
                 <a:cs typeface="Courier New" panose="02070309020205020404" pitchFamily="49" charset="0"/>
               </a:rPr>
-              <a:t>1   f 	455     	</a:t>
+              <a:t> f:2   Min.   :455.0   Length:4          </a:t>
+            </a:r>
+          </a:p>
+          <a:p>
+            <a:pPr marL="0" indent="0">
+              <a:buNone/>
+            </a:pPr>
+            <a:r>
+              <a:rPr lang="en-GB" sz="3200" b="1" dirty="0">
+                <a:latin typeface="Courier New" panose="02070309020205020404" pitchFamily="49" charset="0"/>
+                <a:cs typeface="Courier New" panose="02070309020205020404" pitchFamily="49" charset="0"/>
+              </a:rPr>
+              <a:t> m:2   1st Qu.:497.8   Class :character  </a:t>
+            </a:r>
+          </a:p>
+          <a:p>
+            <a:pPr marL="0" indent="0">
+              <a:buNone/>
+            </a:pPr>
+            <a:r>
+              <a:rPr lang="en-GB" sz="3200" b="1" dirty="0">
+                <a:latin typeface="Courier New" panose="02070309020205020404" pitchFamily="49" charset="0"/>
+                <a:cs typeface="Courier New" panose="02070309020205020404" pitchFamily="49" charset="0"/>
+              </a:rPr>
+              <a:t>       Median :589.5   Mode  :character  </a:t>
+            </a:r>
+          </a:p>
+          <a:p>
+            <a:pPr marL="0" indent="0">
+              <a:buNone/>
+            </a:pPr>
+            <a:r>
+              <a:rPr lang="en-GB" sz="3200" b="1" dirty="0">
+                <a:latin typeface="Courier New" panose="02070309020205020404" pitchFamily="49" charset="0"/>
+                <a:cs typeface="Courier New" panose="02070309020205020404" pitchFamily="49" charset="0"/>
+              </a:rPr>
+              <a:t>       Mean   :601.8                     </a:t>
+            </a:r>
+          </a:p>
+          <a:p>
+            <a:pPr marL="0" indent="0">
+              <a:buNone/>
+            </a:pPr>
+            <a:r>
+              <a:rPr lang="en-GB" sz="3200" b="1" dirty="0">
+                <a:latin typeface="Courier New" panose="02070309020205020404" pitchFamily="49" charset="0"/>
+                <a:cs typeface="Courier New" panose="02070309020205020404" pitchFamily="49" charset="0"/>
+              </a:rPr>
+              <a:t>       3rd Qu.:693.5                     </a:t>
+            </a:r>
+          </a:p>
+          <a:p>
+            <a:pPr marL="0" indent="0">
+              <a:buNone/>
+            </a:pPr>
+            <a:r>
+              <a:rPr lang="en-GB" sz="3200" b="1" dirty="0">
+                <a:latin typeface="Courier New" panose="02070309020205020404" pitchFamily="49" charset="0"/>
+                <a:cs typeface="Courier New" panose="02070309020205020404" pitchFamily="49" charset="0"/>
+              </a:rPr>
+              <a:t>       Max.   :773.0 </a:t>
+            </a:r>
+          </a:p>
+          <a:p>
+            <a:pPr marL="0" indent="0">
+              <a:buNone/>
+            </a:pPr>
+            <a:r>
+              <a:rPr lang="en-GB" sz="3200" b="1" dirty="0">
+                <a:solidFill>
+                  <a:srgbClr val="0000CC"/>
+                </a:solidFill>
+                <a:latin typeface="Courier New" panose="02070309020205020404" pitchFamily="49" charset="0"/>
+                <a:cs typeface="Courier New" panose="02070309020205020404" pitchFamily="49" charset="0"/>
+              </a:rPr>
+              <a:t>&gt; </a:t>
             </a:r>
             <a:r>
               <a:rPr lang="en-GB" sz="3200" b="1" dirty="0" err="1">
+                <a:solidFill>
+                  <a:srgbClr val="0000CC"/>
+                </a:solidFill>
+                <a:latin typeface="Courier New" panose="02070309020205020404" pitchFamily="49" charset="0"/>
+                <a:cs typeface="Courier New" panose="02070309020205020404" pitchFamily="49" charset="0"/>
+              </a:rPr>
+              <a:t>str</a:t>
+            </a:r>
+            <a:r>
+              <a:rPr lang="en-GB" sz="3200" b="1" dirty="0">
+                <a:solidFill>
+                  <a:srgbClr val="0000CC"/>
+                </a:solidFill>
+                <a:latin typeface="Courier New" panose="02070309020205020404" pitchFamily="49" charset="0"/>
+                <a:cs typeface="Courier New" panose="02070309020205020404" pitchFamily="49" charset="0"/>
+              </a:rPr>
+              <a:t>(</a:t>
+            </a:r>
+            <a:r>
+              <a:rPr lang="en-GB" sz="3200" b="1" dirty="0" err="1">
+                <a:solidFill>
+                  <a:srgbClr val="0000CC"/>
+                </a:solidFill>
+                <a:latin typeface="Courier New" panose="02070309020205020404" pitchFamily="49" charset="0"/>
+                <a:cs typeface="Courier New" panose="02070309020205020404" pitchFamily="49" charset="0"/>
+              </a:rPr>
+              <a:t>mydf</a:t>
+            </a:r>
+            <a:r>
+              <a:rPr lang="en-GB" sz="3200" b="1" dirty="0">
+                <a:solidFill>
+                  <a:srgbClr val="0000CC"/>
+                </a:solidFill>
+                <a:latin typeface="Courier New" panose="02070309020205020404" pitchFamily="49" charset="0"/>
+                <a:cs typeface="Courier New" panose="02070309020205020404" pitchFamily="49" charset="0"/>
+              </a:rPr>
+              <a:t>) </a:t>
+            </a:r>
+          </a:p>
+          <a:p>
+            <a:pPr marL="0" indent="0">
+              <a:buNone/>
+            </a:pPr>
+            <a:r>
+              <a:rPr lang="en-GB" sz="3200" b="1" dirty="0">
+                <a:latin typeface="Courier New" panose="02070309020205020404" pitchFamily="49" charset="0"/>
+                <a:cs typeface="Courier New" panose="02070309020205020404" pitchFamily="49" charset="0"/>
+              </a:rPr>
+              <a:t>'</a:t>
+            </a:r>
+            <a:r>
+              <a:rPr lang="en-GB" sz="3200" b="1" dirty="0" err="1">
+                <a:latin typeface="Courier New" panose="02070309020205020404" pitchFamily="49" charset="0"/>
+                <a:cs typeface="Courier New" panose="02070309020205020404" pitchFamily="49" charset="0"/>
+              </a:rPr>
+              <a:t>data.frame</a:t>
+            </a:r>
+            <a:r>
+              <a:rPr lang="en-GB" sz="3200" b="1" dirty="0">
+                <a:latin typeface="Courier New" panose="02070309020205020404" pitchFamily="49" charset="0"/>
+                <a:cs typeface="Courier New" panose="02070309020205020404" pitchFamily="49" charset="0"/>
+              </a:rPr>
+              <a:t>':	4 obs. of  3 variables:</a:t>
+            </a:r>
+          </a:p>
+          <a:p>
+            <a:pPr marL="0" indent="0">
+              <a:buNone/>
+            </a:pPr>
+            <a:r>
+              <a:rPr lang="en-GB" sz="3200" b="1" dirty="0">
+                <a:latin typeface="Courier New" panose="02070309020205020404" pitchFamily="49" charset="0"/>
+                <a:cs typeface="Courier New" panose="02070309020205020404" pitchFamily="49" charset="0"/>
+              </a:rPr>
+              <a:t> $ sex    : Factor w/ 2 levels "</a:t>
+            </a:r>
+            <a:r>
+              <a:rPr lang="en-GB" sz="3200" b="1" dirty="0" err="1">
+                <a:latin typeface="Courier New" panose="02070309020205020404" pitchFamily="49" charset="0"/>
+                <a:cs typeface="Courier New" panose="02070309020205020404" pitchFamily="49" charset="0"/>
+              </a:rPr>
+              <a:t>f","m</a:t>
+            </a:r>
+            <a:r>
+              <a:rPr lang="en-GB" sz="3200" b="1" dirty="0">
+                <a:latin typeface="Courier New" panose="02070309020205020404" pitchFamily="49" charset="0"/>
+                <a:cs typeface="Courier New" panose="02070309020205020404" pitchFamily="49" charset="0"/>
+              </a:rPr>
+              <a:t>": 1 2 2 1</a:t>
+            </a:r>
+          </a:p>
+          <a:p>
+            <a:pPr marL="0" indent="0">
+              <a:buNone/>
+            </a:pPr>
+            <a:r>
+              <a:rPr lang="en-GB" sz="3200" b="1" dirty="0">
+                <a:latin typeface="Courier New" panose="02070309020205020404" pitchFamily="49" charset="0"/>
+                <a:cs typeface="Courier New" panose="02070309020205020404" pitchFamily="49" charset="0"/>
+              </a:rPr>
+              <a:t> $ RT     : </a:t>
+            </a:r>
+            <a:r>
+              <a:rPr lang="en-GB" sz="3200" b="1" dirty="0" err="1">
+                <a:latin typeface="Courier New" panose="02070309020205020404" pitchFamily="49" charset="0"/>
+                <a:cs typeface="Courier New" panose="02070309020205020404" pitchFamily="49" charset="0"/>
+              </a:rPr>
+              <a:t>num</a:t>
+            </a:r>
+            <a:r>
+              <a:rPr lang="en-GB" sz="3200" b="1" dirty="0">
+                <a:latin typeface="Courier New" panose="02070309020205020404" pitchFamily="49" charset="0"/>
+                <a:cs typeface="Courier New" panose="02070309020205020404" pitchFamily="49" charset="0"/>
+              </a:rPr>
+              <a:t>  455 773 512 667</a:t>
+            </a:r>
+          </a:p>
+          <a:p>
+            <a:pPr marL="0" indent="0">
+              <a:buNone/>
+            </a:pPr>
+            <a:r>
+              <a:rPr lang="en-GB" sz="3200" b="1" dirty="0">
+                <a:latin typeface="Courier New" panose="02070309020205020404" pitchFamily="49" charset="0"/>
+                <a:cs typeface="Courier New" panose="02070309020205020404" pitchFamily="49" charset="0"/>
+              </a:rPr>
+              <a:t> $ dialect: </a:t>
+            </a:r>
+            <a:r>
+              <a:rPr lang="en-GB" sz="3200" b="1" dirty="0" err="1">
+                <a:latin typeface="Courier New" panose="02070309020205020404" pitchFamily="49" charset="0"/>
+                <a:cs typeface="Courier New" panose="02070309020205020404" pitchFamily="49" charset="0"/>
+              </a:rPr>
+              <a:t>chr</a:t>
+            </a:r>
+            <a:r>
+              <a:rPr lang="en-GB" sz="3200" b="1" dirty="0">
+                <a:latin typeface="Courier New" panose="02070309020205020404" pitchFamily="49" charset="0"/>
+                <a:cs typeface="Courier New" panose="02070309020205020404" pitchFamily="49" charset="0"/>
+              </a:rPr>
+              <a:t>  "</a:t>
+            </a:r>
+            <a:r>
+              <a:rPr lang="en-GB" sz="3200" b="1" dirty="0" err="1">
                 <a:latin typeface="Courier New" panose="02070309020205020404" pitchFamily="49" charset="0"/>
                 <a:cs typeface="Courier New" panose="02070309020205020404" pitchFamily="49" charset="0"/>
               </a:rPr>
               <a:t>BrE</a:t>
             </a:r>
-            <a:endParaRPr lang="en-GB" sz="3200" b="1" dirty="0">
-              <a:latin typeface="Courier New" panose="02070309020205020404" pitchFamily="49" charset="0"/>
-              <a:cs typeface="Courier New" panose="02070309020205020404" pitchFamily="49" charset="0"/>
-            </a:endParaRPr>
-          </a:p>
-          <a:p>
-            <a:pPr marL="0" indent="0">
-              <a:buNone/>
-            </a:pPr>
             <a:r>
               <a:rPr lang="en-GB" sz="3200" b="1" dirty="0">
                 <a:latin typeface="Courier New" panose="02070309020205020404" pitchFamily="49" charset="0"/>
                 <a:cs typeface="Courier New" panose="02070309020205020404" pitchFamily="49" charset="0"/>
               </a:rPr>
-              <a:t>2   m 	773     	</a:t>
+              <a:t>" "</a:t>
             </a:r>
             <a:r>
               <a:rPr lang="en-GB" sz="3200" b="1" dirty="0" err="1">
@@ -7737,21 +7835,12 @@
               </a:rPr>
               <a:t>AmE</a:t>
             </a:r>
-            <a:endParaRPr lang="en-GB" sz="3200" b="1" dirty="0">
-              <a:latin typeface="Courier New" panose="02070309020205020404" pitchFamily="49" charset="0"/>
-              <a:cs typeface="Courier New" panose="02070309020205020404" pitchFamily="49" charset="0"/>
-            </a:endParaRPr>
-          </a:p>
-          <a:p>
-            <a:pPr marL="0" indent="0">
-              <a:buNone/>
-            </a:pPr>
             <a:r>
               <a:rPr lang="en-GB" sz="3200" b="1" dirty="0">
                 <a:latin typeface="Courier New" panose="02070309020205020404" pitchFamily="49" charset="0"/>
                 <a:cs typeface="Courier New" panose="02070309020205020404" pitchFamily="49" charset="0"/>
               </a:rPr>
-              <a:t>3   m 	512     	</a:t>
+              <a:t>" "</a:t>
             </a:r>
             <a:r>
               <a:rPr lang="en-GB" sz="3200" b="1" dirty="0" err="1">
@@ -7760,21 +7849,12 @@
               </a:rPr>
               <a:t>AmE</a:t>
             </a:r>
-            <a:endParaRPr lang="en-GB" sz="3200" b="1" dirty="0">
-              <a:latin typeface="Courier New" panose="02070309020205020404" pitchFamily="49" charset="0"/>
-              <a:cs typeface="Courier New" panose="02070309020205020404" pitchFamily="49" charset="0"/>
-            </a:endParaRPr>
-          </a:p>
-          <a:p>
-            <a:pPr marL="0" indent="0">
-              <a:buNone/>
-            </a:pPr>
             <a:r>
               <a:rPr lang="en-GB" sz="3200" b="1" dirty="0">
                 <a:latin typeface="Courier New" panose="02070309020205020404" pitchFamily="49" charset="0"/>
                 <a:cs typeface="Courier New" panose="02070309020205020404" pitchFamily="49" charset="0"/>
               </a:rPr>
-              <a:t>4   f 	667     	</a:t>
+              <a:t>" "</a:t>
             </a:r>
             <a:r>
               <a:rPr lang="en-GB" sz="3200" b="1" dirty="0" err="1">
@@ -7783,145 +7863,21 @@
               </a:rPr>
               <a:t>BrE</a:t>
             </a:r>
-            <a:endParaRPr lang="en-GB" sz="3200" b="1" dirty="0">
-              <a:latin typeface="Courier New" panose="02070309020205020404" pitchFamily="49" charset="0"/>
-              <a:cs typeface="Courier New" panose="02070309020205020404" pitchFamily="49" charset="0"/>
-            </a:endParaRPr>
-          </a:p>
-          <a:p>
-            <a:pPr marL="0" indent="0">
-              <a:buNone/>
-            </a:pPr>
             <a:r>
               <a:rPr lang="en-GB" sz="3200" b="1" dirty="0">
-                <a:solidFill>
-                  <a:srgbClr val="0000CC"/>
-                </a:solidFill>
-                <a:latin typeface="Courier New" panose="02070309020205020404" pitchFamily="49" charset="0"/>
-                <a:cs typeface="Courier New" panose="02070309020205020404" pitchFamily="49" charset="0"/>
-              </a:rPr>
-              <a:t>&gt; table(</a:t>
-            </a:r>
-            <a:r>
-              <a:rPr lang="en-GB" sz="3200" b="1" dirty="0" err="1">
-                <a:solidFill>
-                  <a:srgbClr val="0000CC"/>
-                </a:solidFill>
-                <a:latin typeface="Courier New" panose="02070309020205020404" pitchFamily="49" charset="0"/>
-                <a:cs typeface="Courier New" panose="02070309020205020404" pitchFamily="49" charset="0"/>
-              </a:rPr>
-              <a:t>mydf$sex</a:t>
-            </a:r>
-            <a:r>
-              <a:rPr lang="en-GB" sz="3200" b="1" dirty="0">
-                <a:solidFill>
-                  <a:srgbClr val="0000CC"/>
-                </a:solidFill>
-                <a:latin typeface="Courier New" panose="02070309020205020404" pitchFamily="49" charset="0"/>
-                <a:cs typeface="Courier New" panose="02070309020205020404" pitchFamily="49" charset="0"/>
-              </a:rPr>
-              <a:t>, </a:t>
-            </a:r>
-            <a:r>
-              <a:rPr lang="en-GB" sz="3200" b="1" dirty="0" err="1">
-                <a:solidFill>
-                  <a:srgbClr val="0000CC"/>
-                </a:solidFill>
-                <a:latin typeface="Courier New" panose="02070309020205020404" pitchFamily="49" charset="0"/>
-                <a:cs typeface="Courier New" panose="02070309020205020404" pitchFamily="49" charset="0"/>
-              </a:rPr>
-              <a:t>mydf$dialect</a:t>
-            </a:r>
-            <a:r>
-              <a:rPr lang="en-GB" sz="3200" b="1" dirty="0">
-                <a:solidFill>
-                  <a:srgbClr val="0000CC"/>
-                </a:solidFill>
-                <a:latin typeface="Courier New" panose="02070309020205020404" pitchFamily="49" charset="0"/>
-                <a:cs typeface="Courier New" panose="02070309020205020404" pitchFamily="49" charset="0"/>
-              </a:rPr>
-              <a:t>)</a:t>
-            </a:r>
-          </a:p>
-          <a:p>
-            <a:pPr marL="0" indent="0">
-              <a:buNone/>
-            </a:pPr>
-            <a:r>
-              <a:rPr lang="en-GB" sz="3200" b="1" dirty="0">
-                <a:latin typeface="Courier New" panose="02070309020205020404" pitchFamily="49" charset="0"/>
-                <a:cs typeface="Courier New" panose="02070309020205020404" pitchFamily="49" charset="0"/>
-              </a:rPr>
-              <a:t>   </a:t>
-            </a:r>
-          </a:p>
-          <a:p>
-            <a:pPr marL="0" indent="0">
-              <a:buNone/>
-            </a:pPr>
-            <a:r>
-              <a:rPr lang="en-GB" sz="3200" b="1" dirty="0">
-                <a:latin typeface="Courier New" panose="02070309020205020404" pitchFamily="49" charset="0"/>
-                <a:cs typeface="Courier New" panose="02070309020205020404" pitchFamily="49" charset="0"/>
-              </a:rPr>
-              <a:t>    	</a:t>
-            </a:r>
-            <a:r>
-              <a:rPr lang="en-GB" sz="3200" b="1" dirty="0" err="1">
-                <a:latin typeface="Courier New" panose="02070309020205020404" pitchFamily="49" charset="0"/>
-                <a:cs typeface="Courier New" panose="02070309020205020404" pitchFamily="49" charset="0"/>
-              </a:rPr>
-              <a:t>AmE</a:t>
-            </a:r>
-            <a:r>
-              <a:rPr lang="en-GB" sz="3200" b="1" dirty="0">
-                <a:latin typeface="Courier New" panose="02070309020205020404" pitchFamily="49" charset="0"/>
-                <a:cs typeface="Courier New" panose="02070309020205020404" pitchFamily="49" charset="0"/>
-              </a:rPr>
-              <a:t> </a:t>
-            </a:r>
-            <a:r>
-              <a:rPr lang="en-GB" sz="3200" b="1" dirty="0" err="1">
-                <a:latin typeface="Courier New" panose="02070309020205020404" pitchFamily="49" charset="0"/>
-                <a:cs typeface="Courier New" panose="02070309020205020404" pitchFamily="49" charset="0"/>
-              </a:rPr>
-              <a:t>BrE</a:t>
-            </a:r>
-            <a:endParaRPr lang="en-GB" sz="3200" b="1" dirty="0">
-              <a:latin typeface="Courier New" panose="02070309020205020404" pitchFamily="49" charset="0"/>
-              <a:cs typeface="Courier New" panose="02070309020205020404" pitchFamily="49" charset="0"/>
-            </a:endParaRPr>
-          </a:p>
-          <a:p>
-            <a:pPr marL="0" indent="0">
-              <a:buNone/>
-            </a:pPr>
-            <a:r>
-              <a:rPr lang="en-GB" sz="3200" b="1" dirty="0">
-                <a:latin typeface="Courier New" panose="02070309020205020404" pitchFamily="49" charset="0"/>
-                <a:cs typeface="Courier New" panose="02070309020205020404" pitchFamily="49" charset="0"/>
-              </a:rPr>
-              <a:t>  f   	0   	2</a:t>
-            </a:r>
-          </a:p>
-          <a:p>
-            <a:pPr marL="0" indent="0">
-              <a:buNone/>
-            </a:pPr>
-            <a:r>
-              <a:rPr lang="en-GB" sz="3200" b="1" dirty="0">
-                <a:latin typeface="Courier New" panose="02070309020205020404" pitchFamily="49" charset="0"/>
-                <a:cs typeface="Courier New" panose="02070309020205020404" pitchFamily="49" charset="0"/>
-              </a:rPr>
-              <a:t>  m   	2   	0</a:t>
-            </a:r>
+                <a:latin typeface="Courier New" panose="02070309020205020404" pitchFamily="49" charset="0"/>
+                <a:cs typeface="Courier New" panose="02070309020205020404" pitchFamily="49" charset="0"/>
+              </a:rPr>
+              <a:t>"</a:t>
+            </a:r>
+            <a:endParaRPr lang="en-GB" dirty="0"/>
           </a:p>
         </p:txBody>
       </p:sp>
     </p:spTree>
     <p:extLst>
       <p:ext uri="{BB962C8B-B14F-4D97-AF65-F5344CB8AC3E}">
-        <p14:creationId xmlns:p14="http://schemas.microsoft.com/office/powerpoint/2010/main" val="835796446"/>
+        <p14:creationId xmlns:p14="http://schemas.microsoft.com/office/powerpoint/2010/main" val="3739081647"/>
       </p:ext>
     </p:extLst>
   </p:cSld>
@@ -7950,6 +7906,1453 @@
       </p:grpSpPr>
       <p:sp>
         <p:nvSpPr>
+          <p:cNvPr id="2" name="Title 1">
+            <a:extLst>
+              <a:ext uri="{FF2B5EF4-FFF2-40B4-BE49-F238E27FC236}">
+                <a16:creationId xmlns:a16="http://schemas.microsoft.com/office/drawing/2014/main" id="{4C2E69BF-CA39-4C92-B077-832B1AD3112B}"/>
+              </a:ext>
+            </a:extLst>
+          </p:cNvPr>
+          <p:cNvSpPr>
+            <a:spLocks noGrp="1"/>
+          </p:cNvSpPr>
+          <p:nvPr>
+            <p:ph type="title"/>
+          </p:nvPr>
+        </p:nvSpPr>
+        <p:spPr/>
+        <p:txBody>
+          <a:bodyPr/>
+          <a:lstStyle/>
+          <a:p>
+            <a:r>
+              <a:rPr lang="en-GB" dirty="0"/>
+              <a:t>Selecting observations</a:t>
+            </a:r>
+          </a:p>
+        </p:txBody>
+      </p:sp>
+      <p:sp>
+        <p:nvSpPr>
+          <p:cNvPr id="3" name="Content Placeholder 2">
+            <a:extLst>
+              <a:ext uri="{FF2B5EF4-FFF2-40B4-BE49-F238E27FC236}">
+                <a16:creationId xmlns:a16="http://schemas.microsoft.com/office/drawing/2014/main" id="{CC69431D-3570-4E9B-979B-00D8E361BEED}"/>
+              </a:ext>
+            </a:extLst>
+          </p:cNvPr>
+          <p:cNvSpPr>
+            <a:spLocks noGrp="1"/>
+          </p:cNvSpPr>
+          <p:nvPr>
+            <p:ph idx="1"/>
+          </p:nvPr>
+        </p:nvSpPr>
+        <p:spPr/>
+        <p:txBody>
+          <a:bodyPr>
+            <a:normAutofit/>
+          </a:bodyPr>
+          <a:lstStyle/>
+          <a:p>
+            <a:pPr marL="0" indent="0">
+              <a:buNone/>
+            </a:pPr>
+            <a:r>
+              <a:rPr lang="en-GB" sz="2000" b="1" dirty="0">
+                <a:solidFill>
+                  <a:srgbClr val="0000CC"/>
+                </a:solidFill>
+                <a:latin typeface="Courier New" panose="02070309020205020404" pitchFamily="49" charset="0"/>
+                <a:cs typeface="Courier New" panose="02070309020205020404" pitchFamily="49" charset="0"/>
+              </a:rPr>
+              <a:t>&gt; </a:t>
+            </a:r>
+            <a:r>
+              <a:rPr lang="en-GB" sz="2000" b="1" dirty="0" err="1">
+                <a:solidFill>
+                  <a:srgbClr val="0000CC"/>
+                </a:solidFill>
+                <a:latin typeface="Courier New" panose="02070309020205020404" pitchFamily="49" charset="0"/>
+                <a:cs typeface="Courier New" panose="02070309020205020404" pitchFamily="49" charset="0"/>
+              </a:rPr>
+              <a:t>mydf</a:t>
+            </a:r>
+            <a:r>
+              <a:rPr lang="en-GB" sz="2000" b="1" dirty="0">
+                <a:solidFill>
+                  <a:srgbClr val="0000CC"/>
+                </a:solidFill>
+                <a:latin typeface="Courier New" panose="02070309020205020404" pitchFamily="49" charset="0"/>
+                <a:cs typeface="Courier New" panose="02070309020205020404" pitchFamily="49" charset="0"/>
+              </a:rPr>
+              <a:t>[1,] </a:t>
+            </a:r>
+          </a:p>
+          <a:p>
+            <a:pPr marL="0" indent="0">
+              <a:buNone/>
+            </a:pPr>
+            <a:r>
+              <a:rPr lang="en-GB" sz="2000" b="1" dirty="0">
+                <a:latin typeface="Courier New" panose="02070309020205020404" pitchFamily="49" charset="0"/>
+                <a:cs typeface="Courier New" panose="02070309020205020404" pitchFamily="49" charset="0"/>
+              </a:rPr>
+              <a:t>  sex  </a:t>
+            </a:r>
+            <a:r>
+              <a:rPr lang="en-GB" sz="2000" b="1" dirty="0" err="1">
+                <a:latin typeface="Courier New" panose="02070309020205020404" pitchFamily="49" charset="0"/>
+                <a:cs typeface="Courier New" panose="02070309020205020404" pitchFamily="49" charset="0"/>
+              </a:rPr>
+              <a:t>rt</a:t>
+            </a:r>
+            <a:r>
+              <a:rPr lang="en-GB" sz="2000" b="1" dirty="0">
+                <a:latin typeface="Courier New" panose="02070309020205020404" pitchFamily="49" charset="0"/>
+                <a:cs typeface="Courier New" panose="02070309020205020404" pitchFamily="49" charset="0"/>
+              </a:rPr>
+              <a:t>	dialect	</a:t>
+            </a:r>
+            <a:r>
+              <a:rPr lang="en-GB" sz="2000" b="1" dirty="0">
+                <a:solidFill>
+                  <a:schemeClr val="accent6">
+                    <a:lumMod val="75000"/>
+                  </a:schemeClr>
+                </a:solidFill>
+                <a:latin typeface="Courier New" panose="02070309020205020404" pitchFamily="49" charset="0"/>
+                <a:cs typeface="Courier New" panose="02070309020205020404" pitchFamily="49" charset="0"/>
+              </a:rPr>
+              <a:t> #the fist row </a:t>
+            </a:r>
+          </a:p>
+          <a:p>
+            <a:pPr marL="0" indent="0">
+              <a:buNone/>
+            </a:pPr>
+            <a:r>
+              <a:rPr lang="en-GB" sz="2000" b="1" dirty="0">
+                <a:latin typeface="Courier New" panose="02070309020205020404" pitchFamily="49" charset="0"/>
+                <a:cs typeface="Courier New" panose="02070309020205020404" pitchFamily="49" charset="0"/>
+              </a:rPr>
+              <a:t>1   f 455	</a:t>
+            </a:r>
+            <a:r>
+              <a:rPr lang="en-GB" sz="2000" b="1" dirty="0" err="1">
+                <a:latin typeface="Courier New" panose="02070309020205020404" pitchFamily="49" charset="0"/>
+                <a:cs typeface="Courier New" panose="02070309020205020404" pitchFamily="49" charset="0"/>
+              </a:rPr>
+              <a:t>BrE</a:t>
+            </a:r>
+            <a:endParaRPr lang="en-GB" sz="2000" b="1" dirty="0">
+              <a:latin typeface="Courier New" panose="02070309020205020404" pitchFamily="49" charset="0"/>
+              <a:cs typeface="Courier New" panose="02070309020205020404" pitchFamily="49" charset="0"/>
+            </a:endParaRPr>
+          </a:p>
+          <a:p>
+            <a:pPr marL="0" indent="0">
+              <a:buNone/>
+            </a:pPr>
+            <a:endParaRPr lang="en-GB" sz="2000" b="1" dirty="0">
+              <a:latin typeface="Courier New" panose="02070309020205020404" pitchFamily="49" charset="0"/>
+              <a:cs typeface="Courier New" panose="02070309020205020404" pitchFamily="49" charset="0"/>
+            </a:endParaRPr>
+          </a:p>
+          <a:p>
+            <a:pPr marL="0" indent="0">
+              <a:buNone/>
+            </a:pPr>
+            <a:r>
+              <a:rPr lang="en-GB" sz="2000" b="1" dirty="0">
+                <a:solidFill>
+                  <a:srgbClr val="0000CC"/>
+                </a:solidFill>
+                <a:latin typeface="Courier New" panose="02070309020205020404" pitchFamily="49" charset="0"/>
+                <a:cs typeface="Courier New" panose="02070309020205020404" pitchFamily="49" charset="0"/>
+              </a:rPr>
+              <a:t>&gt; </a:t>
+            </a:r>
+            <a:r>
+              <a:rPr lang="en-GB" sz="2000" b="1" dirty="0" err="1">
+                <a:solidFill>
+                  <a:srgbClr val="0000CC"/>
+                </a:solidFill>
+                <a:latin typeface="Courier New" panose="02070309020205020404" pitchFamily="49" charset="0"/>
+                <a:cs typeface="Courier New" panose="02070309020205020404" pitchFamily="49" charset="0"/>
+              </a:rPr>
+              <a:t>mydf</a:t>
+            </a:r>
+            <a:r>
+              <a:rPr lang="en-GB" sz="2000" b="1" dirty="0">
+                <a:solidFill>
+                  <a:srgbClr val="0000CC"/>
+                </a:solidFill>
+                <a:latin typeface="Courier New" panose="02070309020205020404" pitchFamily="49" charset="0"/>
+                <a:cs typeface="Courier New" panose="02070309020205020404" pitchFamily="49" charset="0"/>
+              </a:rPr>
+              <a:t>[,2]</a:t>
+            </a:r>
+          </a:p>
+          <a:p>
+            <a:pPr marL="0" indent="0">
+              <a:buNone/>
+            </a:pPr>
+            <a:r>
+              <a:rPr lang="en-GB" sz="2000" b="1" dirty="0">
+                <a:latin typeface="Courier New" panose="02070309020205020404" pitchFamily="49" charset="0"/>
+                <a:cs typeface="Courier New" panose="02070309020205020404" pitchFamily="49" charset="0"/>
+              </a:rPr>
+              <a:t>[1] 455 773 512 667 </a:t>
+            </a:r>
+            <a:r>
+              <a:rPr lang="en-GB" sz="2000" b="1" dirty="0">
+                <a:solidFill>
+                  <a:schemeClr val="accent6">
+                    <a:lumMod val="75000"/>
+                  </a:schemeClr>
+                </a:solidFill>
+                <a:latin typeface="Courier New" panose="02070309020205020404" pitchFamily="49" charset="0"/>
+                <a:cs typeface="Courier New" panose="02070309020205020404" pitchFamily="49" charset="0"/>
+              </a:rPr>
+              <a:t>#the second column</a:t>
+            </a:r>
+          </a:p>
+          <a:p>
+            <a:pPr marL="0" indent="0">
+              <a:buNone/>
+            </a:pPr>
+            <a:endParaRPr lang="en-GB" sz="2000" b="1" dirty="0">
+              <a:latin typeface="Courier New" panose="02070309020205020404" pitchFamily="49" charset="0"/>
+              <a:cs typeface="Courier New" panose="02070309020205020404" pitchFamily="49" charset="0"/>
+            </a:endParaRPr>
+          </a:p>
+          <a:p>
+            <a:pPr marL="0" indent="0">
+              <a:buNone/>
+            </a:pPr>
+            <a:r>
+              <a:rPr lang="en-GB" sz="2000" b="1" dirty="0">
+                <a:solidFill>
+                  <a:srgbClr val="0000CC"/>
+                </a:solidFill>
+                <a:latin typeface="Courier New" panose="02070309020205020404" pitchFamily="49" charset="0"/>
+                <a:cs typeface="Courier New" panose="02070309020205020404" pitchFamily="49" charset="0"/>
+              </a:rPr>
+              <a:t>&gt; </a:t>
+            </a:r>
+            <a:r>
+              <a:rPr lang="en-GB" sz="2000" b="1" dirty="0" err="1">
+                <a:solidFill>
+                  <a:srgbClr val="0000CC"/>
+                </a:solidFill>
+                <a:latin typeface="Courier New" panose="02070309020205020404" pitchFamily="49" charset="0"/>
+                <a:cs typeface="Courier New" panose="02070309020205020404" pitchFamily="49" charset="0"/>
+              </a:rPr>
+              <a:t>mydf</a:t>
+            </a:r>
+            <a:r>
+              <a:rPr lang="en-GB" sz="2000" b="1" dirty="0">
+                <a:solidFill>
+                  <a:srgbClr val="0000CC"/>
+                </a:solidFill>
+                <a:latin typeface="Courier New" panose="02070309020205020404" pitchFamily="49" charset="0"/>
+                <a:cs typeface="Courier New" panose="02070309020205020404" pitchFamily="49" charset="0"/>
+              </a:rPr>
+              <a:t>[1,2]</a:t>
+            </a:r>
+            <a:endParaRPr lang="en-GB" sz="2000" b="1" dirty="0">
+              <a:solidFill>
+                <a:schemeClr val="accent6">
+                  <a:lumMod val="75000"/>
+                </a:schemeClr>
+              </a:solidFill>
+              <a:latin typeface="Courier New" panose="02070309020205020404" pitchFamily="49" charset="0"/>
+              <a:cs typeface="Courier New" panose="02070309020205020404" pitchFamily="49" charset="0"/>
+            </a:endParaRPr>
+          </a:p>
+          <a:p>
+            <a:pPr marL="0" indent="0">
+              <a:buNone/>
+            </a:pPr>
+            <a:r>
+              <a:rPr lang="en-GB" sz="2000" b="1" dirty="0">
+                <a:latin typeface="Courier New" panose="02070309020205020404" pitchFamily="49" charset="0"/>
+                <a:cs typeface="Courier New" panose="02070309020205020404" pitchFamily="49" charset="0"/>
+              </a:rPr>
+              <a:t>[1] 455 </a:t>
+            </a:r>
+            <a:r>
+              <a:rPr lang="en-GB" sz="2000" b="1" dirty="0">
+                <a:solidFill>
+                  <a:schemeClr val="accent6">
+                    <a:lumMod val="75000"/>
+                  </a:schemeClr>
+                </a:solidFill>
+                <a:latin typeface="Courier New" panose="02070309020205020404" pitchFamily="49" charset="0"/>
+                <a:cs typeface="Courier New" panose="02070309020205020404" pitchFamily="49" charset="0"/>
+              </a:rPr>
+              <a:t>#the element in the fist row,  second column</a:t>
+            </a:r>
+            <a:endParaRPr lang="en-GB" sz="2000" b="1" dirty="0">
+              <a:latin typeface="Courier New" panose="02070309020205020404" pitchFamily="49" charset="0"/>
+              <a:cs typeface="Courier New" panose="02070309020205020404" pitchFamily="49" charset="0"/>
+            </a:endParaRPr>
+          </a:p>
+        </p:txBody>
+      </p:sp>
+    </p:spTree>
+    <p:extLst>
+      <p:ext uri="{BB962C8B-B14F-4D97-AF65-F5344CB8AC3E}">
+        <p14:creationId xmlns:p14="http://schemas.microsoft.com/office/powerpoint/2010/main" val="47770204"/>
+      </p:ext>
+    </p:extLst>
+  </p:cSld>
+  <p:clrMapOvr>
+    <a:masterClrMapping/>
+  </p:clrMapOvr>
+</p:sld>
+</file>
+
+<file path=ppt/slides/slide28.xml><?xml version="1.0" encoding="utf-8"?>
+<p:sld xmlns:a="http://schemas.openxmlformats.org/drawingml/2006/main" xmlns:r="http://schemas.openxmlformats.org/officeDocument/2006/relationships" xmlns:p="http://schemas.openxmlformats.org/presentationml/2006/main">
+  <p:cSld>
+    <p:spTree>
+      <p:nvGrpSpPr>
+        <p:cNvPr id="1" name=""/>
+        <p:cNvGrpSpPr/>
+        <p:nvPr/>
+      </p:nvGrpSpPr>
+      <p:grpSpPr>
+        <a:xfrm>
+          <a:off x="0" y="0"/>
+          <a:ext cx="0" cy="0"/>
+          <a:chOff x="0" y="0"/>
+          <a:chExt cx="0" cy="0"/>
+        </a:xfrm>
+      </p:grpSpPr>
+      <p:sp>
+        <p:nvSpPr>
+          <p:cNvPr id="2" name="Title 1">
+            <a:extLst>
+              <a:ext uri="{FF2B5EF4-FFF2-40B4-BE49-F238E27FC236}">
+                <a16:creationId xmlns:a16="http://schemas.microsoft.com/office/drawing/2014/main" id="{EB1FBF99-BAAD-47DE-BCBD-4709A05A88E3}"/>
+              </a:ext>
+            </a:extLst>
+          </p:cNvPr>
+          <p:cNvSpPr>
+            <a:spLocks noGrp="1"/>
+          </p:cNvSpPr>
+          <p:nvPr>
+            <p:ph type="title"/>
+          </p:nvPr>
+        </p:nvSpPr>
+        <p:spPr/>
+        <p:txBody>
+          <a:bodyPr/>
+          <a:lstStyle/>
+          <a:p>
+            <a:r>
+              <a:rPr lang="en-GB" dirty="0"/>
+              <a:t>Using logical operators</a:t>
+            </a:r>
+          </a:p>
+        </p:txBody>
+      </p:sp>
+      <p:sp>
+        <p:nvSpPr>
+          <p:cNvPr id="3" name="Content Placeholder 2">
+            <a:extLst>
+              <a:ext uri="{FF2B5EF4-FFF2-40B4-BE49-F238E27FC236}">
+                <a16:creationId xmlns:a16="http://schemas.microsoft.com/office/drawing/2014/main" id="{749AF591-4ECC-41C7-93E1-D925FBED4BC5}"/>
+              </a:ext>
+            </a:extLst>
+          </p:cNvPr>
+          <p:cNvSpPr>
+            <a:spLocks noGrp="1"/>
+          </p:cNvSpPr>
+          <p:nvPr>
+            <p:ph idx="1"/>
+          </p:nvPr>
+        </p:nvSpPr>
+        <p:spPr/>
+        <p:txBody>
+          <a:bodyPr>
+            <a:noAutofit/>
+          </a:bodyPr>
+          <a:lstStyle/>
+          <a:p>
+            <a:pPr marL="0" indent="0">
+              <a:buNone/>
+            </a:pPr>
+            <a:r>
+              <a:rPr lang="en-GB" sz="2000" b="1" dirty="0">
+                <a:solidFill>
+                  <a:srgbClr val="0000CC"/>
+                </a:solidFill>
+                <a:latin typeface="Courier New" panose="02070309020205020404" pitchFamily="49" charset="0"/>
+                <a:cs typeface="Courier New" panose="02070309020205020404" pitchFamily="49" charset="0"/>
+              </a:rPr>
+              <a:t>&gt; </a:t>
+            </a:r>
+            <a:r>
+              <a:rPr lang="en-GB" sz="2000" b="1" dirty="0" err="1">
+                <a:solidFill>
+                  <a:srgbClr val="0000CC"/>
+                </a:solidFill>
+                <a:latin typeface="Courier New" panose="02070309020205020404" pitchFamily="49" charset="0"/>
+                <a:cs typeface="Courier New" panose="02070309020205020404" pitchFamily="49" charset="0"/>
+              </a:rPr>
+              <a:t>mydf</a:t>
+            </a:r>
+            <a:r>
+              <a:rPr lang="en-GB" sz="2000" b="1" dirty="0">
+                <a:solidFill>
+                  <a:srgbClr val="0000CC"/>
+                </a:solidFill>
+                <a:latin typeface="Courier New" panose="02070309020205020404" pitchFamily="49" charset="0"/>
+                <a:cs typeface="Courier New" panose="02070309020205020404" pitchFamily="49" charset="0"/>
+              </a:rPr>
+              <a:t>[</a:t>
+            </a:r>
+            <a:r>
+              <a:rPr lang="en-GB" sz="2000" b="1" dirty="0" err="1">
+                <a:solidFill>
+                  <a:srgbClr val="0000CC"/>
+                </a:solidFill>
+                <a:latin typeface="Courier New" panose="02070309020205020404" pitchFamily="49" charset="0"/>
+                <a:cs typeface="Courier New" panose="02070309020205020404" pitchFamily="49" charset="0"/>
+              </a:rPr>
+              <a:t>mydf$sex</a:t>
+            </a:r>
+            <a:r>
+              <a:rPr lang="en-GB" sz="2000" b="1" dirty="0">
+                <a:solidFill>
+                  <a:srgbClr val="0000CC"/>
+                </a:solidFill>
+                <a:latin typeface="Courier New" panose="02070309020205020404" pitchFamily="49" charset="0"/>
+                <a:cs typeface="Courier New" panose="02070309020205020404" pitchFamily="49" charset="0"/>
+              </a:rPr>
+              <a:t> == "f",]</a:t>
+            </a:r>
+          </a:p>
+          <a:p>
+            <a:pPr marL="0" indent="0">
+              <a:buNone/>
+            </a:pPr>
+            <a:r>
+              <a:rPr lang="en-GB" sz="2000" b="1" dirty="0">
+                <a:latin typeface="Courier New" panose="02070309020205020404" pitchFamily="49" charset="0"/>
+                <a:cs typeface="Courier New" panose="02070309020205020404" pitchFamily="49" charset="0"/>
+              </a:rPr>
+              <a:t>  sex  RT	dialect</a:t>
+            </a:r>
+          </a:p>
+          <a:p>
+            <a:pPr marL="0" indent="0">
+              <a:buNone/>
+            </a:pPr>
+            <a:r>
+              <a:rPr lang="en-GB" sz="2000" b="1" dirty="0">
+                <a:latin typeface="Courier New" panose="02070309020205020404" pitchFamily="49" charset="0"/>
+                <a:cs typeface="Courier New" panose="02070309020205020404" pitchFamily="49" charset="0"/>
+              </a:rPr>
+              <a:t>1   f 455	</a:t>
+            </a:r>
+            <a:r>
+              <a:rPr lang="en-GB" sz="2000" b="1" dirty="0" err="1">
+                <a:latin typeface="Courier New" panose="02070309020205020404" pitchFamily="49" charset="0"/>
+                <a:cs typeface="Courier New" panose="02070309020205020404" pitchFamily="49" charset="0"/>
+              </a:rPr>
+              <a:t>BrE</a:t>
+            </a:r>
+            <a:endParaRPr lang="en-GB" sz="2000" b="1" dirty="0">
+              <a:latin typeface="Courier New" panose="02070309020205020404" pitchFamily="49" charset="0"/>
+              <a:cs typeface="Courier New" panose="02070309020205020404" pitchFamily="49" charset="0"/>
+            </a:endParaRPr>
+          </a:p>
+          <a:p>
+            <a:pPr marL="0" indent="0">
+              <a:buNone/>
+            </a:pPr>
+            <a:r>
+              <a:rPr lang="en-GB" sz="2000" b="1" dirty="0">
+                <a:latin typeface="Courier New" panose="02070309020205020404" pitchFamily="49" charset="0"/>
+                <a:cs typeface="Courier New" panose="02070309020205020404" pitchFamily="49" charset="0"/>
+              </a:rPr>
+              <a:t>4   f 667	</a:t>
+            </a:r>
+            <a:r>
+              <a:rPr lang="en-GB" sz="2000" b="1" dirty="0" err="1">
+                <a:latin typeface="Courier New" panose="02070309020205020404" pitchFamily="49" charset="0"/>
+                <a:cs typeface="Courier New" panose="02070309020205020404" pitchFamily="49" charset="0"/>
+              </a:rPr>
+              <a:t>BrE</a:t>
+            </a:r>
+            <a:endParaRPr lang="en-GB" sz="2000" b="1" dirty="0">
+              <a:latin typeface="Courier New" panose="02070309020205020404" pitchFamily="49" charset="0"/>
+              <a:cs typeface="Courier New" panose="02070309020205020404" pitchFamily="49" charset="0"/>
+            </a:endParaRPr>
+          </a:p>
+          <a:p>
+            <a:pPr marL="0" indent="0">
+              <a:buNone/>
+            </a:pPr>
+            <a:r>
+              <a:rPr lang="en-GB" sz="2000" b="1" dirty="0">
+                <a:solidFill>
+                  <a:srgbClr val="0000CC"/>
+                </a:solidFill>
+                <a:latin typeface="Courier New" panose="02070309020205020404" pitchFamily="49" charset="0"/>
+                <a:cs typeface="Courier New" panose="02070309020205020404" pitchFamily="49" charset="0"/>
+              </a:rPr>
+              <a:t>&gt; </a:t>
+            </a:r>
+            <a:r>
+              <a:rPr lang="en-GB" sz="2000" b="1" dirty="0" err="1">
+                <a:solidFill>
+                  <a:srgbClr val="0000CC"/>
+                </a:solidFill>
+                <a:latin typeface="Courier New" panose="02070309020205020404" pitchFamily="49" charset="0"/>
+                <a:cs typeface="Courier New" panose="02070309020205020404" pitchFamily="49" charset="0"/>
+              </a:rPr>
+              <a:t>mydf</a:t>
+            </a:r>
+            <a:r>
+              <a:rPr lang="en-GB" sz="2000" b="1" dirty="0">
+                <a:solidFill>
+                  <a:srgbClr val="0000CC"/>
+                </a:solidFill>
+                <a:latin typeface="Courier New" panose="02070309020205020404" pitchFamily="49" charset="0"/>
+                <a:cs typeface="Courier New" panose="02070309020205020404" pitchFamily="49" charset="0"/>
+              </a:rPr>
+              <a:t>[</a:t>
+            </a:r>
+            <a:r>
+              <a:rPr lang="en-GB" sz="2000" b="1" dirty="0" err="1">
+                <a:solidFill>
+                  <a:srgbClr val="0000CC"/>
+                </a:solidFill>
+                <a:latin typeface="Courier New" panose="02070309020205020404" pitchFamily="49" charset="0"/>
+                <a:cs typeface="Courier New" panose="02070309020205020404" pitchFamily="49" charset="0"/>
+              </a:rPr>
+              <a:t>mydf$sex</a:t>
+            </a:r>
+            <a:r>
+              <a:rPr lang="en-GB" sz="2000" b="1" dirty="0">
+                <a:solidFill>
+                  <a:srgbClr val="0000CC"/>
+                </a:solidFill>
+                <a:latin typeface="Courier New" panose="02070309020205020404" pitchFamily="49" charset="0"/>
+                <a:cs typeface="Courier New" panose="02070309020205020404" pitchFamily="49" charset="0"/>
+              </a:rPr>
+              <a:t> != "m", ]</a:t>
+            </a:r>
+          </a:p>
+          <a:p>
+            <a:pPr marL="0" indent="0">
+              <a:buNone/>
+            </a:pPr>
+            <a:r>
+              <a:rPr lang="en-GB" sz="2000" b="1" dirty="0">
+                <a:latin typeface="Courier New" panose="02070309020205020404" pitchFamily="49" charset="0"/>
+                <a:cs typeface="Courier New" panose="02070309020205020404" pitchFamily="49" charset="0"/>
+              </a:rPr>
+              <a:t>  sex  RT	dialect</a:t>
+            </a:r>
+          </a:p>
+          <a:p>
+            <a:pPr marL="0" indent="0">
+              <a:buNone/>
+            </a:pPr>
+            <a:r>
+              <a:rPr lang="en-GB" sz="2000" b="1" dirty="0">
+                <a:latin typeface="Courier New" panose="02070309020205020404" pitchFamily="49" charset="0"/>
+                <a:cs typeface="Courier New" panose="02070309020205020404" pitchFamily="49" charset="0"/>
+              </a:rPr>
+              <a:t>1   f 455	</a:t>
+            </a:r>
+            <a:r>
+              <a:rPr lang="en-GB" sz="2000" b="1" dirty="0" err="1">
+                <a:latin typeface="Courier New" panose="02070309020205020404" pitchFamily="49" charset="0"/>
+                <a:cs typeface="Courier New" panose="02070309020205020404" pitchFamily="49" charset="0"/>
+              </a:rPr>
+              <a:t>BrE</a:t>
+            </a:r>
+            <a:endParaRPr lang="en-GB" sz="2000" b="1" dirty="0">
+              <a:latin typeface="Courier New" panose="02070309020205020404" pitchFamily="49" charset="0"/>
+              <a:cs typeface="Courier New" panose="02070309020205020404" pitchFamily="49" charset="0"/>
+            </a:endParaRPr>
+          </a:p>
+          <a:p>
+            <a:pPr marL="0" indent="0">
+              <a:buNone/>
+            </a:pPr>
+            <a:r>
+              <a:rPr lang="en-GB" sz="2000" b="1" dirty="0">
+                <a:latin typeface="Courier New" panose="02070309020205020404" pitchFamily="49" charset="0"/>
+                <a:cs typeface="Courier New" panose="02070309020205020404" pitchFamily="49" charset="0"/>
+              </a:rPr>
+              <a:t>4   f 667	</a:t>
+            </a:r>
+            <a:r>
+              <a:rPr lang="en-GB" sz="2000" b="1" dirty="0" err="1">
+                <a:latin typeface="Courier New" panose="02070309020205020404" pitchFamily="49" charset="0"/>
+                <a:cs typeface="Courier New" panose="02070309020205020404" pitchFamily="49" charset="0"/>
+              </a:rPr>
+              <a:t>BrE</a:t>
+            </a:r>
+            <a:endParaRPr lang="en-GB" sz="2000" b="1" dirty="0">
+              <a:latin typeface="Courier New" panose="02070309020205020404" pitchFamily="49" charset="0"/>
+              <a:cs typeface="Courier New" panose="02070309020205020404" pitchFamily="49" charset="0"/>
+            </a:endParaRPr>
+          </a:p>
+          <a:p>
+            <a:pPr marL="0" indent="0">
+              <a:buNone/>
+            </a:pPr>
+            <a:r>
+              <a:rPr lang="en-GB" sz="2000" b="1" dirty="0">
+                <a:solidFill>
+                  <a:srgbClr val="0000CC"/>
+                </a:solidFill>
+                <a:latin typeface="Courier New" panose="02070309020205020404" pitchFamily="49" charset="0"/>
+                <a:cs typeface="Courier New" panose="02070309020205020404" pitchFamily="49" charset="0"/>
+              </a:rPr>
+              <a:t>&gt; </a:t>
+            </a:r>
+            <a:r>
+              <a:rPr lang="en-GB" sz="2000" b="1" dirty="0" err="1">
+                <a:solidFill>
+                  <a:srgbClr val="0000CC"/>
+                </a:solidFill>
+                <a:latin typeface="Courier New" panose="02070309020205020404" pitchFamily="49" charset="0"/>
+                <a:cs typeface="Courier New" panose="02070309020205020404" pitchFamily="49" charset="0"/>
+              </a:rPr>
+              <a:t>mydf</a:t>
+            </a:r>
+            <a:r>
+              <a:rPr lang="en-GB" sz="2000" b="1" dirty="0">
+                <a:solidFill>
+                  <a:srgbClr val="0000CC"/>
+                </a:solidFill>
+                <a:latin typeface="Courier New" panose="02070309020205020404" pitchFamily="49" charset="0"/>
+                <a:cs typeface="Courier New" panose="02070309020205020404" pitchFamily="49" charset="0"/>
+              </a:rPr>
+              <a:t>[</a:t>
+            </a:r>
+            <a:r>
+              <a:rPr lang="en-GB" sz="2000" b="1" dirty="0" err="1">
+                <a:solidFill>
+                  <a:srgbClr val="0000CC"/>
+                </a:solidFill>
+                <a:latin typeface="Courier New" panose="02070309020205020404" pitchFamily="49" charset="0"/>
+                <a:cs typeface="Courier New" panose="02070309020205020404" pitchFamily="49" charset="0"/>
+              </a:rPr>
+              <a:t>mydf$RT</a:t>
+            </a:r>
+            <a:r>
+              <a:rPr lang="en-GB" sz="2000" b="1" dirty="0">
+                <a:solidFill>
+                  <a:srgbClr val="0000CC"/>
+                </a:solidFill>
+                <a:latin typeface="Courier New" panose="02070309020205020404" pitchFamily="49" charset="0"/>
+                <a:cs typeface="Courier New" panose="02070309020205020404" pitchFamily="49" charset="0"/>
+              </a:rPr>
+              <a:t> &lt; 500,]</a:t>
+            </a:r>
+          </a:p>
+          <a:p>
+            <a:pPr marL="0" indent="0">
+              <a:buNone/>
+            </a:pPr>
+            <a:r>
+              <a:rPr lang="en-GB" sz="2000" b="1" dirty="0">
+                <a:latin typeface="Courier New" panose="02070309020205020404" pitchFamily="49" charset="0"/>
+                <a:cs typeface="Courier New" panose="02070309020205020404" pitchFamily="49" charset="0"/>
+              </a:rPr>
+              <a:t>  sex  RT	dialect</a:t>
+            </a:r>
+          </a:p>
+          <a:p>
+            <a:pPr marL="0" indent="0">
+              <a:buNone/>
+            </a:pPr>
+            <a:r>
+              <a:rPr lang="en-GB" sz="2000" b="1" dirty="0">
+                <a:latin typeface="Courier New" panose="02070309020205020404" pitchFamily="49" charset="0"/>
+                <a:cs typeface="Courier New" panose="02070309020205020404" pitchFamily="49" charset="0"/>
+              </a:rPr>
+              <a:t>1   f 455	</a:t>
+            </a:r>
+            <a:r>
+              <a:rPr lang="en-GB" sz="2000" b="1" dirty="0" err="1">
+                <a:latin typeface="Courier New" panose="02070309020205020404" pitchFamily="49" charset="0"/>
+                <a:cs typeface="Courier New" panose="02070309020205020404" pitchFamily="49" charset="0"/>
+              </a:rPr>
+              <a:t>BrE</a:t>
+            </a:r>
+            <a:endParaRPr lang="en-GB" sz="2000" b="1" dirty="0">
+              <a:latin typeface="Courier New" panose="02070309020205020404" pitchFamily="49" charset="0"/>
+              <a:cs typeface="Courier New" panose="02070309020205020404" pitchFamily="49" charset="0"/>
+            </a:endParaRPr>
+          </a:p>
+          <a:p>
+            <a:pPr marL="0" indent="0">
+              <a:buNone/>
+            </a:pPr>
+            <a:endParaRPr lang="en-GB" sz="2000" b="1" dirty="0">
+              <a:latin typeface="Courier New" panose="02070309020205020404" pitchFamily="49" charset="0"/>
+              <a:cs typeface="Courier New" panose="02070309020205020404" pitchFamily="49" charset="0"/>
+            </a:endParaRPr>
+          </a:p>
+        </p:txBody>
+      </p:sp>
+    </p:spTree>
+    <p:extLst>
+      <p:ext uri="{BB962C8B-B14F-4D97-AF65-F5344CB8AC3E}">
+        <p14:creationId xmlns:p14="http://schemas.microsoft.com/office/powerpoint/2010/main" val="667686948"/>
+      </p:ext>
+    </p:extLst>
+  </p:cSld>
+  <p:clrMapOvr>
+    <a:masterClrMapping/>
+  </p:clrMapOvr>
+</p:sld>
+</file>
+
+<file path=ppt/slides/slide29.xml><?xml version="1.0" encoding="utf-8"?>
+<p:sld xmlns:a="http://schemas.openxmlformats.org/drawingml/2006/main" xmlns:r="http://schemas.openxmlformats.org/officeDocument/2006/relationships" xmlns:p="http://schemas.openxmlformats.org/presentationml/2006/main">
+  <p:cSld>
+    <p:spTree>
+      <p:nvGrpSpPr>
+        <p:cNvPr id="1" name=""/>
+        <p:cNvGrpSpPr/>
+        <p:nvPr/>
+      </p:nvGrpSpPr>
+      <p:grpSpPr>
+        <a:xfrm>
+          <a:off x="0" y="0"/>
+          <a:ext cx="0" cy="0"/>
+          <a:chOff x="0" y="0"/>
+          <a:chExt cx="0" cy="0"/>
+        </a:xfrm>
+      </p:grpSpPr>
+      <p:sp>
+        <p:nvSpPr>
+          <p:cNvPr id="2" name="Title 1">
+            <a:extLst>
+              <a:ext uri="{FF2B5EF4-FFF2-40B4-BE49-F238E27FC236}">
+                <a16:creationId xmlns:a16="http://schemas.microsoft.com/office/drawing/2014/main" id="{30E8C5D8-885E-495B-8516-4BB6EC72ECB3}"/>
+              </a:ext>
+            </a:extLst>
+          </p:cNvPr>
+          <p:cNvSpPr>
+            <a:spLocks noGrp="1"/>
+          </p:cNvSpPr>
+          <p:nvPr>
+            <p:ph type="title"/>
+          </p:nvPr>
+        </p:nvSpPr>
+        <p:spPr/>
+        <p:txBody>
+          <a:bodyPr/>
+          <a:lstStyle/>
+          <a:p>
+            <a:r>
+              <a:rPr lang="en-GB" dirty="0"/>
+              <a:t>Exercise</a:t>
+            </a:r>
+          </a:p>
+        </p:txBody>
+      </p:sp>
+      <p:sp>
+        <p:nvSpPr>
+          <p:cNvPr id="3" name="Content Placeholder 2">
+            <a:extLst>
+              <a:ext uri="{FF2B5EF4-FFF2-40B4-BE49-F238E27FC236}">
+                <a16:creationId xmlns:a16="http://schemas.microsoft.com/office/drawing/2014/main" id="{59FE49DB-6B07-48BA-8AB0-260C37A74646}"/>
+              </a:ext>
+            </a:extLst>
+          </p:cNvPr>
+          <p:cNvSpPr>
+            <a:spLocks noGrp="1"/>
+          </p:cNvSpPr>
+          <p:nvPr>
+            <p:ph idx="1"/>
+          </p:nvPr>
+        </p:nvSpPr>
+        <p:spPr/>
+        <p:txBody>
+          <a:bodyPr/>
+          <a:lstStyle/>
+          <a:p>
+            <a:r>
+              <a:rPr lang="en-GB" dirty="0"/>
+              <a:t>Load the built-in data frame </a:t>
+            </a:r>
+            <a:r>
+              <a:rPr lang="en-GB" dirty="0" err="1"/>
+              <a:t>ChickWeight</a:t>
+            </a:r>
+            <a:endParaRPr lang="en-GB" dirty="0"/>
+          </a:p>
+          <a:p>
+            <a:r>
+              <a:rPr lang="en-GB" dirty="0"/>
+              <a:t>What variables do you find there?</a:t>
+            </a:r>
+          </a:p>
+          <a:p>
+            <a:r>
+              <a:rPr lang="en-GB" dirty="0"/>
+              <a:t>Make a subset of all chicks on diet 4.</a:t>
+            </a:r>
+          </a:p>
+          <a:p>
+            <a:r>
+              <a:rPr lang="en-GB" dirty="0"/>
+              <a:t>How many chicks weigh more than 350g?</a:t>
+            </a:r>
+          </a:p>
+          <a:p>
+            <a:endParaRPr lang="en-GB" dirty="0"/>
+          </a:p>
+        </p:txBody>
+      </p:sp>
+    </p:spTree>
+    <p:extLst>
+      <p:ext uri="{BB962C8B-B14F-4D97-AF65-F5344CB8AC3E}">
+        <p14:creationId xmlns:p14="http://schemas.microsoft.com/office/powerpoint/2010/main" val="1531971725"/>
+      </p:ext>
+    </p:extLst>
+  </p:cSld>
+  <p:clrMapOvr>
+    <a:masterClrMapping/>
+  </p:clrMapOvr>
+</p:sld>
+</file>
+
+<file path=ppt/slides/slide3.xml><?xml version="1.0" encoding="utf-8"?>
+<p:sld xmlns:a="http://schemas.openxmlformats.org/drawingml/2006/main" xmlns:r="http://schemas.openxmlformats.org/officeDocument/2006/relationships" xmlns:p="http://schemas.openxmlformats.org/presentationml/2006/main">
+  <p:cSld>
+    <p:spTree>
+      <p:nvGrpSpPr>
+        <p:cNvPr id="1" name=""/>
+        <p:cNvGrpSpPr/>
+        <p:nvPr/>
+      </p:nvGrpSpPr>
+      <p:grpSpPr>
+        <a:xfrm>
+          <a:off x="0" y="0"/>
+          <a:ext cx="0" cy="0"/>
+          <a:chOff x="0" y="0"/>
+          <a:chExt cx="0" cy="0"/>
+        </a:xfrm>
+      </p:grpSpPr>
+      <p:sp>
+        <p:nvSpPr>
+          <p:cNvPr id="2" name="Title 1"/>
+          <p:cNvSpPr>
+            <a:spLocks noGrp="1"/>
+          </p:cNvSpPr>
+          <p:nvPr>
+            <p:ph type="title"/>
+          </p:nvPr>
+        </p:nvSpPr>
+        <p:spPr/>
+        <p:txBody>
+          <a:bodyPr/>
+          <a:lstStyle/>
+          <a:p>
+            <a:r>
+              <a:rPr lang="en-US" dirty="0"/>
+              <a:t>What is R?</a:t>
+            </a:r>
+            <a:endParaRPr lang="fr-BE" dirty="0"/>
+          </a:p>
+        </p:txBody>
+      </p:sp>
+      <p:sp>
+        <p:nvSpPr>
+          <p:cNvPr id="3" name="Content Placeholder 2"/>
+          <p:cNvSpPr>
+            <a:spLocks noGrp="1"/>
+          </p:cNvSpPr>
+          <p:nvPr>
+            <p:ph idx="1"/>
+          </p:nvPr>
+        </p:nvSpPr>
+        <p:spPr/>
+        <p:txBody>
+          <a:bodyPr>
+            <a:normAutofit/>
+          </a:bodyPr>
+          <a:lstStyle/>
+          <a:p>
+            <a:r>
+              <a:rPr lang="en-US" sz="2400" dirty="0"/>
+              <a:t>statistical computing environment (from </a:t>
+            </a:r>
+            <a:r>
+              <a:rPr lang="en-US" sz="2400" i="1" dirty="0"/>
+              <a:t>t</a:t>
+            </a:r>
+            <a:r>
+              <a:rPr lang="en-US" sz="2400" dirty="0"/>
+              <a:t>-test to generalized linear models, and more…)</a:t>
+            </a:r>
+          </a:p>
+          <a:p>
+            <a:pPr marL="0" indent="0">
+              <a:buNone/>
+            </a:pPr>
+            <a:r>
+              <a:rPr lang="en-US" sz="2400" dirty="0"/>
+              <a:t>	- core distribution “base” </a:t>
+            </a:r>
+          </a:p>
+          <a:p>
+            <a:pPr marL="0" indent="0">
+              <a:buNone/>
+            </a:pPr>
+            <a:r>
+              <a:rPr lang="en-US" sz="2400" dirty="0"/>
+              <a:t>	- add-on packages (&gt; 10K as of June 2017)</a:t>
+            </a:r>
+          </a:p>
+          <a:p>
+            <a:r>
+              <a:rPr lang="en-US" sz="2400" dirty="0"/>
+              <a:t>programming language</a:t>
+            </a:r>
+          </a:p>
+          <a:p>
+            <a:r>
+              <a:rPr lang="en-US" sz="2400" dirty="0"/>
+              <a:t>tools for creation of publication-quality plots</a:t>
+            </a:r>
+          </a:p>
+          <a:p>
+            <a:endParaRPr lang="en-US" dirty="0"/>
+          </a:p>
+        </p:txBody>
+      </p:sp>
+    </p:spTree>
+    <p:extLst>
+      <p:ext uri="{BB962C8B-B14F-4D97-AF65-F5344CB8AC3E}">
+        <p14:creationId xmlns:p14="http://schemas.microsoft.com/office/powerpoint/2010/main" val="1927920234"/>
+      </p:ext>
+    </p:extLst>
+  </p:cSld>
+  <p:clrMapOvr>
+    <a:masterClrMapping/>
+  </p:clrMapOvr>
+</p:sld>
+</file>
+
+<file path=ppt/slides/slide30.xml><?xml version="1.0" encoding="utf-8"?>
+<p:sld xmlns:a="http://schemas.openxmlformats.org/drawingml/2006/main" xmlns:r="http://schemas.openxmlformats.org/officeDocument/2006/relationships" xmlns:p="http://schemas.openxmlformats.org/presentationml/2006/main">
+  <p:cSld>
+    <p:spTree>
+      <p:nvGrpSpPr>
+        <p:cNvPr id="1" name=""/>
+        <p:cNvGrpSpPr/>
+        <p:nvPr/>
+      </p:nvGrpSpPr>
+      <p:grpSpPr>
+        <a:xfrm>
+          <a:off x="0" y="0"/>
+          <a:ext cx="0" cy="0"/>
+          <a:chOff x="0" y="0"/>
+          <a:chExt cx="0" cy="0"/>
+        </a:xfrm>
+      </p:grpSpPr>
+      <p:sp>
+        <p:nvSpPr>
+          <p:cNvPr id="2" name="Title 1">
+            <a:extLst>
+              <a:ext uri="{FF2B5EF4-FFF2-40B4-BE49-F238E27FC236}">
+                <a16:creationId xmlns:a16="http://schemas.microsoft.com/office/drawing/2014/main" id="{4B16B2F3-D2C5-4DA6-A758-BBE14A0B93DA}"/>
+              </a:ext>
+            </a:extLst>
+          </p:cNvPr>
+          <p:cNvSpPr>
+            <a:spLocks noGrp="1"/>
+          </p:cNvSpPr>
+          <p:nvPr>
+            <p:ph type="title"/>
+          </p:nvPr>
+        </p:nvSpPr>
+        <p:spPr/>
+        <p:txBody>
+          <a:bodyPr/>
+          <a:lstStyle/>
+          <a:p>
+            <a:r>
+              <a:rPr lang="en-GB" dirty="0"/>
+              <a:t>Contingency tables</a:t>
+            </a:r>
+          </a:p>
+        </p:txBody>
+      </p:sp>
+      <p:sp>
+        <p:nvSpPr>
+          <p:cNvPr id="3" name="Content Placeholder 2">
+            <a:extLst>
+              <a:ext uri="{FF2B5EF4-FFF2-40B4-BE49-F238E27FC236}">
+                <a16:creationId xmlns:a16="http://schemas.microsoft.com/office/drawing/2014/main" id="{CD34A0CE-1BC1-4019-A0CC-11BDD156EBE5}"/>
+              </a:ext>
+            </a:extLst>
+          </p:cNvPr>
+          <p:cNvSpPr>
+            <a:spLocks noGrp="1"/>
+          </p:cNvSpPr>
+          <p:nvPr>
+            <p:ph idx="1"/>
+          </p:nvPr>
+        </p:nvSpPr>
+        <p:spPr/>
+        <p:txBody>
+          <a:bodyPr>
+            <a:normAutofit fontScale="55000" lnSpcReduction="20000"/>
+          </a:bodyPr>
+          <a:lstStyle/>
+          <a:p>
+            <a:r>
+              <a:rPr lang="en-GB" sz="4000" dirty="0"/>
+              <a:t>Let’s add another factor to the </a:t>
+            </a:r>
+            <a:r>
+              <a:rPr lang="en-GB" sz="4000" dirty="0" err="1"/>
+              <a:t>dataframe</a:t>
+            </a:r>
+            <a:r>
+              <a:rPr lang="en-GB" sz="4000" dirty="0"/>
+              <a:t>, </a:t>
+            </a:r>
+            <a:r>
+              <a:rPr lang="en-GB" sz="4000" i="1" dirty="0"/>
+              <a:t>dialect</a:t>
+            </a:r>
+            <a:r>
+              <a:rPr lang="en-GB" sz="4000" dirty="0"/>
+              <a:t>:</a:t>
+            </a:r>
+          </a:p>
+          <a:p>
+            <a:pPr marL="0" indent="0">
+              <a:buNone/>
+            </a:pPr>
+            <a:r>
+              <a:rPr lang="en-GB" sz="3200" b="1" dirty="0">
+                <a:solidFill>
+                  <a:srgbClr val="0000CC"/>
+                </a:solidFill>
+                <a:latin typeface="Courier New" panose="02070309020205020404" pitchFamily="49" charset="0"/>
+                <a:cs typeface="Courier New" panose="02070309020205020404" pitchFamily="49" charset="0"/>
+              </a:rPr>
+              <a:t>&gt; </a:t>
+            </a:r>
+            <a:r>
+              <a:rPr lang="en-GB" sz="3200" b="1" dirty="0" err="1">
+                <a:solidFill>
+                  <a:srgbClr val="0000CC"/>
+                </a:solidFill>
+                <a:latin typeface="Courier New" panose="02070309020205020404" pitchFamily="49" charset="0"/>
+                <a:cs typeface="Courier New" panose="02070309020205020404" pitchFamily="49" charset="0"/>
+              </a:rPr>
+              <a:t>mydf$dialect</a:t>
+            </a:r>
+            <a:r>
+              <a:rPr lang="en-GB" sz="3200" b="1" dirty="0">
+                <a:solidFill>
+                  <a:srgbClr val="0000CC"/>
+                </a:solidFill>
+                <a:latin typeface="Courier New" panose="02070309020205020404" pitchFamily="49" charset="0"/>
+                <a:cs typeface="Courier New" panose="02070309020205020404" pitchFamily="49" charset="0"/>
+              </a:rPr>
+              <a:t> &lt;- c("</a:t>
+            </a:r>
+            <a:r>
+              <a:rPr lang="en-GB" sz="3200" b="1" dirty="0" err="1">
+                <a:solidFill>
+                  <a:srgbClr val="0000CC"/>
+                </a:solidFill>
+                <a:latin typeface="Courier New" panose="02070309020205020404" pitchFamily="49" charset="0"/>
+                <a:cs typeface="Courier New" panose="02070309020205020404" pitchFamily="49" charset="0"/>
+              </a:rPr>
+              <a:t>BrE</a:t>
+            </a:r>
+            <a:r>
+              <a:rPr lang="en-GB" sz="3200" b="1" dirty="0">
+                <a:solidFill>
+                  <a:srgbClr val="0000CC"/>
+                </a:solidFill>
+                <a:latin typeface="Courier New" panose="02070309020205020404" pitchFamily="49" charset="0"/>
+                <a:cs typeface="Courier New" panose="02070309020205020404" pitchFamily="49" charset="0"/>
+              </a:rPr>
+              <a:t>", "</a:t>
+            </a:r>
+            <a:r>
+              <a:rPr lang="en-GB" sz="3200" b="1" dirty="0" err="1">
+                <a:solidFill>
+                  <a:srgbClr val="0000CC"/>
+                </a:solidFill>
+                <a:latin typeface="Courier New" panose="02070309020205020404" pitchFamily="49" charset="0"/>
+                <a:cs typeface="Courier New" panose="02070309020205020404" pitchFamily="49" charset="0"/>
+              </a:rPr>
+              <a:t>AmE</a:t>
+            </a:r>
+            <a:r>
+              <a:rPr lang="en-GB" sz="3200" b="1" dirty="0">
+                <a:solidFill>
+                  <a:srgbClr val="0000CC"/>
+                </a:solidFill>
+                <a:latin typeface="Courier New" panose="02070309020205020404" pitchFamily="49" charset="0"/>
+                <a:cs typeface="Courier New" panose="02070309020205020404" pitchFamily="49" charset="0"/>
+              </a:rPr>
+              <a:t>", "</a:t>
+            </a:r>
+            <a:r>
+              <a:rPr lang="en-GB" sz="3200" b="1" dirty="0" err="1">
+                <a:solidFill>
+                  <a:srgbClr val="0000CC"/>
+                </a:solidFill>
+                <a:latin typeface="Courier New" panose="02070309020205020404" pitchFamily="49" charset="0"/>
+                <a:cs typeface="Courier New" panose="02070309020205020404" pitchFamily="49" charset="0"/>
+              </a:rPr>
+              <a:t>AmE</a:t>
+            </a:r>
+            <a:r>
+              <a:rPr lang="en-GB" sz="3200" b="1" dirty="0">
+                <a:solidFill>
+                  <a:srgbClr val="0000CC"/>
+                </a:solidFill>
+                <a:latin typeface="Courier New" panose="02070309020205020404" pitchFamily="49" charset="0"/>
+                <a:cs typeface="Courier New" panose="02070309020205020404" pitchFamily="49" charset="0"/>
+              </a:rPr>
+              <a:t>", "</a:t>
+            </a:r>
+            <a:r>
+              <a:rPr lang="en-GB" sz="3200" b="1" dirty="0" err="1">
+                <a:solidFill>
+                  <a:srgbClr val="0000CC"/>
+                </a:solidFill>
+                <a:latin typeface="Courier New" panose="02070309020205020404" pitchFamily="49" charset="0"/>
+                <a:cs typeface="Courier New" panose="02070309020205020404" pitchFamily="49" charset="0"/>
+              </a:rPr>
+              <a:t>BrE</a:t>
+            </a:r>
+            <a:r>
+              <a:rPr lang="en-GB" sz="3200" b="1" dirty="0">
+                <a:solidFill>
+                  <a:srgbClr val="0000CC"/>
+                </a:solidFill>
+                <a:latin typeface="Courier New" panose="02070309020205020404" pitchFamily="49" charset="0"/>
+                <a:cs typeface="Courier New" panose="02070309020205020404" pitchFamily="49" charset="0"/>
+              </a:rPr>
+              <a:t>")</a:t>
+            </a:r>
+          </a:p>
+          <a:p>
+            <a:pPr marL="0" indent="0">
+              <a:buNone/>
+            </a:pPr>
+            <a:r>
+              <a:rPr lang="en-GB" sz="3200" b="1" dirty="0">
+                <a:solidFill>
+                  <a:srgbClr val="0000CC"/>
+                </a:solidFill>
+                <a:latin typeface="Courier New" panose="02070309020205020404" pitchFamily="49" charset="0"/>
+                <a:cs typeface="Courier New" panose="02070309020205020404" pitchFamily="49" charset="0"/>
+              </a:rPr>
+              <a:t>&gt; </a:t>
+            </a:r>
+            <a:r>
+              <a:rPr lang="en-GB" sz="3200" b="1" dirty="0" err="1">
+                <a:solidFill>
+                  <a:srgbClr val="0000CC"/>
+                </a:solidFill>
+                <a:latin typeface="Courier New" panose="02070309020205020404" pitchFamily="49" charset="0"/>
+                <a:cs typeface="Courier New" panose="02070309020205020404" pitchFamily="49" charset="0"/>
+              </a:rPr>
+              <a:t>mydf</a:t>
+            </a:r>
+            <a:endParaRPr lang="en-GB" sz="3200" b="1" dirty="0">
+              <a:solidFill>
+                <a:srgbClr val="0000CC"/>
+              </a:solidFill>
+              <a:latin typeface="Courier New" panose="02070309020205020404" pitchFamily="49" charset="0"/>
+              <a:cs typeface="Courier New" panose="02070309020205020404" pitchFamily="49" charset="0"/>
+            </a:endParaRPr>
+          </a:p>
+          <a:p>
+            <a:pPr marL="0" indent="0">
+              <a:buNone/>
+            </a:pPr>
+            <a:r>
+              <a:rPr lang="en-GB" sz="3200" b="1" dirty="0">
+                <a:latin typeface="Courier New" panose="02070309020205020404" pitchFamily="49" charset="0"/>
+                <a:cs typeface="Courier New" panose="02070309020205020404" pitchFamily="49" charset="0"/>
+              </a:rPr>
+              <a:t>  sex  	RT 	dialect</a:t>
+            </a:r>
+          </a:p>
+          <a:p>
+            <a:pPr marL="0" indent="0">
+              <a:buNone/>
+            </a:pPr>
+            <a:r>
+              <a:rPr lang="en-GB" sz="3200" b="1" dirty="0">
+                <a:latin typeface="Courier New" panose="02070309020205020404" pitchFamily="49" charset="0"/>
+                <a:cs typeface="Courier New" panose="02070309020205020404" pitchFamily="49" charset="0"/>
+              </a:rPr>
+              <a:t>1   f 	455     	</a:t>
+            </a:r>
+            <a:r>
+              <a:rPr lang="en-GB" sz="3200" b="1" dirty="0" err="1">
+                <a:latin typeface="Courier New" panose="02070309020205020404" pitchFamily="49" charset="0"/>
+                <a:cs typeface="Courier New" panose="02070309020205020404" pitchFamily="49" charset="0"/>
+              </a:rPr>
+              <a:t>BrE</a:t>
+            </a:r>
+            <a:endParaRPr lang="en-GB" sz="3200" b="1" dirty="0">
+              <a:latin typeface="Courier New" panose="02070309020205020404" pitchFamily="49" charset="0"/>
+              <a:cs typeface="Courier New" panose="02070309020205020404" pitchFamily="49" charset="0"/>
+            </a:endParaRPr>
+          </a:p>
+          <a:p>
+            <a:pPr marL="0" indent="0">
+              <a:buNone/>
+            </a:pPr>
+            <a:r>
+              <a:rPr lang="en-GB" sz="3200" b="1" dirty="0">
+                <a:latin typeface="Courier New" panose="02070309020205020404" pitchFamily="49" charset="0"/>
+                <a:cs typeface="Courier New" panose="02070309020205020404" pitchFamily="49" charset="0"/>
+              </a:rPr>
+              <a:t>2   m 	773     	</a:t>
+            </a:r>
+            <a:r>
+              <a:rPr lang="en-GB" sz="3200" b="1" dirty="0" err="1">
+                <a:latin typeface="Courier New" panose="02070309020205020404" pitchFamily="49" charset="0"/>
+                <a:cs typeface="Courier New" panose="02070309020205020404" pitchFamily="49" charset="0"/>
+              </a:rPr>
+              <a:t>AmE</a:t>
+            </a:r>
+            <a:endParaRPr lang="en-GB" sz="3200" b="1" dirty="0">
+              <a:latin typeface="Courier New" panose="02070309020205020404" pitchFamily="49" charset="0"/>
+              <a:cs typeface="Courier New" panose="02070309020205020404" pitchFamily="49" charset="0"/>
+            </a:endParaRPr>
+          </a:p>
+          <a:p>
+            <a:pPr marL="0" indent="0">
+              <a:buNone/>
+            </a:pPr>
+            <a:r>
+              <a:rPr lang="en-GB" sz="3200" b="1" dirty="0">
+                <a:latin typeface="Courier New" panose="02070309020205020404" pitchFamily="49" charset="0"/>
+                <a:cs typeface="Courier New" panose="02070309020205020404" pitchFamily="49" charset="0"/>
+              </a:rPr>
+              <a:t>3   m 	512     	</a:t>
+            </a:r>
+            <a:r>
+              <a:rPr lang="en-GB" sz="3200" b="1" dirty="0" err="1">
+                <a:latin typeface="Courier New" panose="02070309020205020404" pitchFamily="49" charset="0"/>
+                <a:cs typeface="Courier New" panose="02070309020205020404" pitchFamily="49" charset="0"/>
+              </a:rPr>
+              <a:t>AmE</a:t>
+            </a:r>
+            <a:endParaRPr lang="en-GB" sz="3200" b="1" dirty="0">
+              <a:latin typeface="Courier New" panose="02070309020205020404" pitchFamily="49" charset="0"/>
+              <a:cs typeface="Courier New" panose="02070309020205020404" pitchFamily="49" charset="0"/>
+            </a:endParaRPr>
+          </a:p>
+          <a:p>
+            <a:pPr marL="0" indent="0">
+              <a:buNone/>
+            </a:pPr>
+            <a:r>
+              <a:rPr lang="en-GB" sz="3200" b="1" dirty="0">
+                <a:latin typeface="Courier New" panose="02070309020205020404" pitchFamily="49" charset="0"/>
+                <a:cs typeface="Courier New" panose="02070309020205020404" pitchFamily="49" charset="0"/>
+              </a:rPr>
+              <a:t>4   f 	667     	</a:t>
+            </a:r>
+            <a:r>
+              <a:rPr lang="en-GB" sz="3200" b="1" dirty="0" err="1">
+                <a:latin typeface="Courier New" panose="02070309020205020404" pitchFamily="49" charset="0"/>
+                <a:cs typeface="Courier New" panose="02070309020205020404" pitchFamily="49" charset="0"/>
+              </a:rPr>
+              <a:t>BrE</a:t>
+            </a:r>
+            <a:endParaRPr lang="en-GB" sz="3200" b="1" dirty="0">
+              <a:latin typeface="Courier New" panose="02070309020205020404" pitchFamily="49" charset="0"/>
+              <a:cs typeface="Courier New" panose="02070309020205020404" pitchFamily="49" charset="0"/>
+            </a:endParaRPr>
+          </a:p>
+          <a:p>
+            <a:pPr marL="0" indent="0">
+              <a:buNone/>
+            </a:pPr>
+            <a:r>
+              <a:rPr lang="en-GB" sz="3200" b="1" dirty="0">
+                <a:solidFill>
+                  <a:srgbClr val="0000CC"/>
+                </a:solidFill>
+                <a:latin typeface="Courier New" panose="02070309020205020404" pitchFamily="49" charset="0"/>
+                <a:cs typeface="Courier New" panose="02070309020205020404" pitchFamily="49" charset="0"/>
+              </a:rPr>
+              <a:t>&gt; table(</a:t>
+            </a:r>
+            <a:r>
+              <a:rPr lang="en-GB" sz="3200" b="1" dirty="0" err="1">
+                <a:solidFill>
+                  <a:srgbClr val="0000CC"/>
+                </a:solidFill>
+                <a:latin typeface="Courier New" panose="02070309020205020404" pitchFamily="49" charset="0"/>
+                <a:cs typeface="Courier New" panose="02070309020205020404" pitchFamily="49" charset="0"/>
+              </a:rPr>
+              <a:t>mydf$sex</a:t>
+            </a:r>
+            <a:r>
+              <a:rPr lang="en-GB" sz="3200" b="1" dirty="0">
+                <a:solidFill>
+                  <a:srgbClr val="0000CC"/>
+                </a:solidFill>
+                <a:latin typeface="Courier New" panose="02070309020205020404" pitchFamily="49" charset="0"/>
+                <a:cs typeface="Courier New" panose="02070309020205020404" pitchFamily="49" charset="0"/>
+              </a:rPr>
+              <a:t>, </a:t>
+            </a:r>
+            <a:r>
+              <a:rPr lang="en-GB" sz="3200" b="1" dirty="0" err="1">
+                <a:solidFill>
+                  <a:srgbClr val="0000CC"/>
+                </a:solidFill>
+                <a:latin typeface="Courier New" panose="02070309020205020404" pitchFamily="49" charset="0"/>
+                <a:cs typeface="Courier New" panose="02070309020205020404" pitchFamily="49" charset="0"/>
+              </a:rPr>
+              <a:t>mydf$dialect</a:t>
+            </a:r>
+            <a:r>
+              <a:rPr lang="en-GB" sz="3200" b="1" dirty="0">
+                <a:solidFill>
+                  <a:srgbClr val="0000CC"/>
+                </a:solidFill>
+                <a:latin typeface="Courier New" panose="02070309020205020404" pitchFamily="49" charset="0"/>
+                <a:cs typeface="Courier New" panose="02070309020205020404" pitchFamily="49" charset="0"/>
+              </a:rPr>
+              <a:t>)</a:t>
+            </a:r>
+          </a:p>
+          <a:p>
+            <a:pPr marL="0" indent="0">
+              <a:buNone/>
+            </a:pPr>
+            <a:r>
+              <a:rPr lang="en-GB" sz="3200" b="1" dirty="0">
+                <a:latin typeface="Courier New" panose="02070309020205020404" pitchFamily="49" charset="0"/>
+                <a:cs typeface="Courier New" panose="02070309020205020404" pitchFamily="49" charset="0"/>
+              </a:rPr>
+              <a:t>   </a:t>
+            </a:r>
+          </a:p>
+          <a:p>
+            <a:pPr marL="0" indent="0">
+              <a:buNone/>
+            </a:pPr>
+            <a:r>
+              <a:rPr lang="en-GB" sz="3200" b="1" dirty="0">
+                <a:latin typeface="Courier New" panose="02070309020205020404" pitchFamily="49" charset="0"/>
+                <a:cs typeface="Courier New" panose="02070309020205020404" pitchFamily="49" charset="0"/>
+              </a:rPr>
+              <a:t>    	</a:t>
+            </a:r>
+            <a:r>
+              <a:rPr lang="en-GB" sz="3200" b="1" dirty="0" err="1">
+                <a:latin typeface="Courier New" panose="02070309020205020404" pitchFamily="49" charset="0"/>
+                <a:cs typeface="Courier New" panose="02070309020205020404" pitchFamily="49" charset="0"/>
+              </a:rPr>
+              <a:t>AmE</a:t>
+            </a:r>
+            <a:r>
+              <a:rPr lang="en-GB" sz="3200" b="1" dirty="0">
+                <a:latin typeface="Courier New" panose="02070309020205020404" pitchFamily="49" charset="0"/>
+                <a:cs typeface="Courier New" panose="02070309020205020404" pitchFamily="49" charset="0"/>
+              </a:rPr>
+              <a:t> </a:t>
+            </a:r>
+            <a:r>
+              <a:rPr lang="en-GB" sz="3200" b="1" dirty="0" err="1">
+                <a:latin typeface="Courier New" panose="02070309020205020404" pitchFamily="49" charset="0"/>
+                <a:cs typeface="Courier New" panose="02070309020205020404" pitchFamily="49" charset="0"/>
+              </a:rPr>
+              <a:t>BrE</a:t>
+            </a:r>
+            <a:endParaRPr lang="en-GB" sz="3200" b="1" dirty="0">
+              <a:latin typeface="Courier New" panose="02070309020205020404" pitchFamily="49" charset="0"/>
+              <a:cs typeface="Courier New" panose="02070309020205020404" pitchFamily="49" charset="0"/>
+            </a:endParaRPr>
+          </a:p>
+          <a:p>
+            <a:pPr marL="0" indent="0">
+              <a:buNone/>
+            </a:pPr>
+            <a:r>
+              <a:rPr lang="en-GB" sz="3200" b="1" dirty="0">
+                <a:latin typeface="Courier New" panose="02070309020205020404" pitchFamily="49" charset="0"/>
+                <a:cs typeface="Courier New" panose="02070309020205020404" pitchFamily="49" charset="0"/>
+              </a:rPr>
+              <a:t>  f   	0   	2</a:t>
+            </a:r>
+          </a:p>
+          <a:p>
+            <a:pPr marL="0" indent="0">
+              <a:buNone/>
+            </a:pPr>
+            <a:r>
+              <a:rPr lang="en-GB" sz="3200" b="1" dirty="0">
+                <a:latin typeface="Courier New" panose="02070309020205020404" pitchFamily="49" charset="0"/>
+                <a:cs typeface="Courier New" panose="02070309020205020404" pitchFamily="49" charset="0"/>
+              </a:rPr>
+              <a:t>  m   	2   	0</a:t>
+            </a:r>
+          </a:p>
+        </p:txBody>
+      </p:sp>
+    </p:spTree>
+    <p:extLst>
+      <p:ext uri="{BB962C8B-B14F-4D97-AF65-F5344CB8AC3E}">
+        <p14:creationId xmlns:p14="http://schemas.microsoft.com/office/powerpoint/2010/main" val="835796446"/>
+      </p:ext>
+    </p:extLst>
+  </p:cSld>
+  <p:clrMapOvr>
+    <a:masterClrMapping/>
+  </p:clrMapOvr>
+</p:sld>
+</file>
+
+<file path=ppt/slides/slide31.xml><?xml version="1.0" encoding="utf-8"?>
+<p:sld xmlns:a="http://schemas.openxmlformats.org/drawingml/2006/main" xmlns:r="http://schemas.openxmlformats.org/officeDocument/2006/relationships" xmlns:p="http://schemas.openxmlformats.org/presentationml/2006/main">
+  <p:cSld>
+    <p:spTree>
+      <p:nvGrpSpPr>
+        <p:cNvPr id="1" name=""/>
+        <p:cNvGrpSpPr/>
+        <p:nvPr/>
+      </p:nvGrpSpPr>
+      <p:grpSpPr>
+        <a:xfrm>
+          <a:off x="0" y="0"/>
+          <a:ext cx="0" cy="0"/>
+          <a:chOff x="0" y="0"/>
+          <a:chExt cx="0" cy="0"/>
+        </a:xfrm>
+      </p:grpSpPr>
+      <p:sp>
+        <p:nvSpPr>
           <p:cNvPr id="2" name="Title 1"/>
           <p:cNvSpPr>
             <a:spLocks noGrp="1"/>
@@ -8227,7 +9630,7 @@
 </p:sld>
 </file>
 
-<file path=ppt/slides/slide28.xml><?xml version="1.0" encoding="utf-8"?>
+<file path=ppt/slides/slide32.xml><?xml version="1.0" encoding="utf-8"?>
 <p:sld xmlns:a="http://schemas.openxmlformats.org/drawingml/2006/main" xmlns:r="http://schemas.openxmlformats.org/officeDocument/2006/relationships" xmlns:p="http://schemas.openxmlformats.org/presentationml/2006/main">
   <p:cSld>
     <p:spTree>
@@ -8672,1140 +10075,6 @@
 </p:sld>
 </file>
 
-<file path=ppt/slides/slide29.xml><?xml version="1.0" encoding="utf-8"?>
-<p:sld xmlns:a="http://schemas.openxmlformats.org/drawingml/2006/main" xmlns:r="http://schemas.openxmlformats.org/officeDocument/2006/relationships" xmlns:p="http://schemas.openxmlformats.org/presentationml/2006/main">
-  <p:cSld>
-    <p:spTree>
-      <p:nvGrpSpPr>
-        <p:cNvPr id="1" name=""/>
-        <p:cNvGrpSpPr/>
-        <p:nvPr/>
-      </p:nvGrpSpPr>
-      <p:grpSpPr>
-        <a:xfrm>
-          <a:off x="0" y="0"/>
-          <a:ext cx="0" cy="0"/>
-          <a:chOff x="0" y="0"/>
-          <a:chExt cx="0" cy="0"/>
-        </a:xfrm>
-      </p:grpSpPr>
-      <p:sp>
-        <p:nvSpPr>
-          <p:cNvPr id="2" name="Title 1">
-            <a:extLst>
-              <a:ext uri="{FF2B5EF4-FFF2-40B4-BE49-F238E27FC236}">
-                <a16:creationId xmlns:a16="http://schemas.microsoft.com/office/drawing/2014/main" id="{580BCC95-7B36-4A9B-BE9B-2DC8CEAC1793}"/>
-              </a:ext>
-            </a:extLst>
-          </p:cNvPr>
-          <p:cNvSpPr>
-            <a:spLocks noGrp="1"/>
-          </p:cNvSpPr>
-          <p:nvPr>
-            <p:ph type="title"/>
-          </p:nvPr>
-        </p:nvSpPr>
-        <p:spPr/>
-        <p:txBody>
-          <a:bodyPr/>
-          <a:lstStyle/>
-          <a:p>
-            <a:r>
-              <a:rPr lang="en-GB" dirty="0"/>
-              <a:t>My journey this summer</a:t>
-            </a:r>
-          </a:p>
-        </p:txBody>
-      </p:sp>
-      <p:sp>
-        <p:nvSpPr>
-          <p:cNvPr id="3" name="Content Placeholder 2">
-            <a:extLst>
-              <a:ext uri="{FF2B5EF4-FFF2-40B4-BE49-F238E27FC236}">
-                <a16:creationId xmlns:a16="http://schemas.microsoft.com/office/drawing/2014/main" id="{83498BD1-164A-4DF9-8066-F498271CA58C}"/>
-              </a:ext>
-            </a:extLst>
-          </p:cNvPr>
-          <p:cNvSpPr>
-            <a:spLocks noGrp="1"/>
-          </p:cNvSpPr>
-          <p:nvPr>
-            <p:ph idx="1"/>
-          </p:nvPr>
-        </p:nvSpPr>
-        <p:spPr/>
-        <p:txBody>
-          <a:bodyPr>
-            <a:normAutofit lnSpcReduction="10000"/>
-          </a:bodyPr>
-          <a:lstStyle/>
-          <a:p>
-            <a:pPr marL="0" indent="0">
-              <a:buNone/>
-            </a:pPr>
-            <a:r>
-              <a:rPr lang="en-GB" sz="2000" b="1" dirty="0">
-                <a:solidFill>
-                  <a:srgbClr val="0000CC"/>
-                </a:solidFill>
-                <a:latin typeface="Courier New" panose="02070309020205020404" pitchFamily="49" charset="0"/>
-                <a:cs typeface="Courier New" panose="02070309020205020404" pitchFamily="49" charset="0"/>
-              </a:rPr>
-              <a:t>&gt; </a:t>
-            </a:r>
-            <a:r>
-              <a:rPr lang="en-GB" sz="2000" b="1" dirty="0" err="1">
-                <a:solidFill>
-                  <a:srgbClr val="0000CC"/>
-                </a:solidFill>
-                <a:latin typeface="Courier New" panose="02070309020205020404" pitchFamily="49" charset="0"/>
-                <a:cs typeface="Courier New" panose="02070309020205020404" pitchFamily="49" charset="0"/>
-              </a:rPr>
-              <a:t>mydist</a:t>
-            </a:r>
-            <a:r>
-              <a:rPr lang="en-GB" sz="2000" b="1" dirty="0">
-                <a:solidFill>
-                  <a:srgbClr val="0000CC"/>
-                </a:solidFill>
-                <a:latin typeface="Courier New" panose="02070309020205020404" pitchFamily="49" charset="0"/>
-                <a:cs typeface="Courier New" panose="02070309020205020404" pitchFamily="49" charset="0"/>
-              </a:rPr>
-              <a:t> &lt;- </a:t>
-            </a:r>
-            <a:r>
-              <a:rPr lang="en-GB" sz="2000" b="1" dirty="0" err="1">
-                <a:solidFill>
-                  <a:srgbClr val="0000CC"/>
-                </a:solidFill>
-                <a:latin typeface="Courier New" panose="02070309020205020404" pitchFamily="49" charset="0"/>
-                <a:cs typeface="Courier New" panose="02070309020205020404" pitchFamily="49" charset="0"/>
-              </a:rPr>
-              <a:t>rbind</a:t>
-            </a:r>
-            <a:r>
-              <a:rPr lang="en-GB" sz="2000" b="1" dirty="0">
-                <a:solidFill>
-                  <a:srgbClr val="0000CC"/>
-                </a:solidFill>
-                <a:latin typeface="Courier New" panose="02070309020205020404" pitchFamily="49" charset="0"/>
-                <a:cs typeface="Courier New" panose="02070309020205020404" pitchFamily="49" charset="0"/>
-              </a:rPr>
-              <a:t>(Frankfurt = c(0, 1186, 1572), Stockholm = c(1186, 0, 395), Tampere = c(1572, 395, 0))</a:t>
-            </a:r>
-          </a:p>
-          <a:p>
-            <a:pPr marL="0" indent="0">
-              <a:buNone/>
-            </a:pPr>
-            <a:r>
-              <a:rPr lang="en-GB" sz="2000" b="1" dirty="0">
-                <a:solidFill>
-                  <a:srgbClr val="0000CC"/>
-                </a:solidFill>
-                <a:latin typeface="Courier New" panose="02070309020205020404" pitchFamily="49" charset="0"/>
-                <a:cs typeface="Courier New" panose="02070309020205020404" pitchFamily="49" charset="0"/>
-              </a:rPr>
-              <a:t>&gt; </a:t>
-            </a:r>
-            <a:r>
-              <a:rPr lang="en-GB" sz="2000" b="1" dirty="0" err="1">
-                <a:solidFill>
-                  <a:srgbClr val="0000CC"/>
-                </a:solidFill>
-                <a:latin typeface="Courier New" panose="02070309020205020404" pitchFamily="49" charset="0"/>
-                <a:cs typeface="Courier New" panose="02070309020205020404" pitchFamily="49" charset="0"/>
-              </a:rPr>
-              <a:t>colnames</a:t>
-            </a:r>
-            <a:r>
-              <a:rPr lang="en-GB" sz="2000" b="1" dirty="0">
-                <a:solidFill>
-                  <a:srgbClr val="0000CC"/>
-                </a:solidFill>
-                <a:latin typeface="Courier New" panose="02070309020205020404" pitchFamily="49" charset="0"/>
-                <a:cs typeface="Courier New" panose="02070309020205020404" pitchFamily="49" charset="0"/>
-              </a:rPr>
-              <a:t>(</a:t>
-            </a:r>
-            <a:r>
-              <a:rPr lang="en-GB" sz="2000" b="1" dirty="0" err="1">
-                <a:solidFill>
-                  <a:srgbClr val="0000CC"/>
-                </a:solidFill>
-                <a:latin typeface="Courier New" panose="02070309020205020404" pitchFamily="49" charset="0"/>
-                <a:cs typeface="Courier New" panose="02070309020205020404" pitchFamily="49" charset="0"/>
-              </a:rPr>
-              <a:t>mydist</a:t>
-            </a:r>
-            <a:r>
-              <a:rPr lang="en-GB" sz="2000" b="1" dirty="0">
-                <a:solidFill>
-                  <a:srgbClr val="0000CC"/>
-                </a:solidFill>
-                <a:latin typeface="Courier New" panose="02070309020205020404" pitchFamily="49" charset="0"/>
-                <a:cs typeface="Courier New" panose="02070309020205020404" pitchFamily="49" charset="0"/>
-              </a:rPr>
-              <a:t>) &lt;- </a:t>
-            </a:r>
-            <a:r>
-              <a:rPr lang="en-GB" sz="2000" b="1" dirty="0" err="1">
-                <a:solidFill>
-                  <a:srgbClr val="0000CC"/>
-                </a:solidFill>
-                <a:latin typeface="Courier New" panose="02070309020205020404" pitchFamily="49" charset="0"/>
-                <a:cs typeface="Courier New" panose="02070309020205020404" pitchFamily="49" charset="0"/>
-              </a:rPr>
-              <a:t>rownames</a:t>
-            </a:r>
-            <a:r>
-              <a:rPr lang="en-GB" sz="2000" b="1" dirty="0">
-                <a:solidFill>
-                  <a:srgbClr val="0000CC"/>
-                </a:solidFill>
-                <a:latin typeface="Courier New" panose="02070309020205020404" pitchFamily="49" charset="0"/>
-                <a:cs typeface="Courier New" panose="02070309020205020404" pitchFamily="49" charset="0"/>
-              </a:rPr>
-              <a:t>(</a:t>
-            </a:r>
-            <a:r>
-              <a:rPr lang="en-GB" sz="2000" b="1" dirty="0" err="1">
-                <a:solidFill>
-                  <a:srgbClr val="0000CC"/>
-                </a:solidFill>
-                <a:latin typeface="Courier New" panose="02070309020205020404" pitchFamily="49" charset="0"/>
-                <a:cs typeface="Courier New" panose="02070309020205020404" pitchFamily="49" charset="0"/>
-              </a:rPr>
-              <a:t>mydist</a:t>
-            </a:r>
-            <a:r>
-              <a:rPr lang="en-GB" sz="2000" b="1" dirty="0">
-                <a:solidFill>
-                  <a:srgbClr val="0000CC"/>
-                </a:solidFill>
-                <a:latin typeface="Courier New" panose="02070309020205020404" pitchFamily="49" charset="0"/>
-                <a:cs typeface="Courier New" panose="02070309020205020404" pitchFamily="49" charset="0"/>
-              </a:rPr>
-              <a:t>)</a:t>
-            </a:r>
-          </a:p>
-          <a:p>
-            <a:pPr marL="0" indent="0">
-              <a:buNone/>
-            </a:pPr>
-            <a:r>
-              <a:rPr lang="en-GB" sz="2000" b="1" dirty="0">
-                <a:solidFill>
-                  <a:srgbClr val="0000CC"/>
-                </a:solidFill>
-                <a:latin typeface="Courier New" panose="02070309020205020404" pitchFamily="49" charset="0"/>
-                <a:cs typeface="Courier New" panose="02070309020205020404" pitchFamily="49" charset="0"/>
-              </a:rPr>
-              <a:t>&gt; </a:t>
-            </a:r>
-            <a:r>
-              <a:rPr lang="en-GB" sz="2000" b="1" dirty="0" err="1">
-                <a:solidFill>
-                  <a:srgbClr val="0000CC"/>
-                </a:solidFill>
-                <a:latin typeface="Courier New" panose="02070309020205020404" pitchFamily="49" charset="0"/>
-                <a:cs typeface="Courier New" panose="02070309020205020404" pitchFamily="49" charset="0"/>
-              </a:rPr>
-              <a:t>mydist</a:t>
-            </a:r>
-            <a:endParaRPr lang="en-GB" sz="2000" b="1" dirty="0">
-              <a:solidFill>
-                <a:srgbClr val="0000CC"/>
-              </a:solidFill>
-              <a:latin typeface="Courier New" panose="02070309020205020404" pitchFamily="49" charset="0"/>
-              <a:cs typeface="Courier New" panose="02070309020205020404" pitchFamily="49" charset="0"/>
-            </a:endParaRPr>
-          </a:p>
-          <a:p>
-            <a:pPr marL="0" indent="0">
-              <a:buNone/>
-            </a:pPr>
-            <a:r>
-              <a:rPr lang="en-GB" sz="2000" b="1" dirty="0">
-                <a:latin typeface="Courier New" panose="02070309020205020404" pitchFamily="49" charset="0"/>
-                <a:cs typeface="Courier New" panose="02070309020205020404" pitchFamily="49" charset="0"/>
-              </a:rPr>
-              <a:t> </a:t>
-            </a:r>
-            <a:r>
-              <a:rPr lang="de-DE" sz="2000" b="1" dirty="0">
-                <a:latin typeface="Courier New" panose="02070309020205020404" pitchFamily="49" charset="0"/>
-                <a:cs typeface="Courier New" panose="02070309020205020404" pitchFamily="49" charset="0"/>
-              </a:rPr>
-              <a:t> 		Frankfurt Stockholm Tampere</a:t>
-            </a:r>
-          </a:p>
-          <a:p>
-            <a:pPr marL="0" indent="0">
-              <a:buNone/>
-            </a:pPr>
-            <a:r>
-              <a:rPr lang="de-DE" sz="2000" b="1" dirty="0">
-                <a:latin typeface="Courier New" panose="02070309020205020404" pitchFamily="49" charset="0"/>
-                <a:cs typeface="Courier New" panose="02070309020205020404" pitchFamily="49" charset="0"/>
-              </a:rPr>
-              <a:t>Frankfurt         0      1186    1572</a:t>
-            </a:r>
-          </a:p>
-          <a:p>
-            <a:pPr marL="0" indent="0">
-              <a:buNone/>
-            </a:pPr>
-            <a:r>
-              <a:rPr lang="de-DE" sz="2000" b="1" dirty="0">
-                <a:latin typeface="Courier New" panose="02070309020205020404" pitchFamily="49" charset="0"/>
-                <a:cs typeface="Courier New" panose="02070309020205020404" pitchFamily="49" charset="0"/>
-              </a:rPr>
-              <a:t>Stockholm      1186         0     395</a:t>
-            </a:r>
-          </a:p>
-          <a:p>
-            <a:pPr marL="0" indent="0">
-              <a:buNone/>
-            </a:pPr>
-            <a:r>
-              <a:rPr lang="de-DE" sz="2000" b="1" dirty="0">
-                <a:latin typeface="Courier New" panose="02070309020205020404" pitchFamily="49" charset="0"/>
-                <a:cs typeface="Courier New" panose="02070309020205020404" pitchFamily="49" charset="0"/>
-              </a:rPr>
-              <a:t>Tampere        1572       395       0</a:t>
-            </a:r>
-          </a:p>
-          <a:p>
-            <a:pPr marL="0" indent="0">
-              <a:buNone/>
-            </a:pPr>
-            <a:r>
-              <a:rPr lang="fr-FR" sz="2000" b="1" dirty="0">
-                <a:solidFill>
-                  <a:srgbClr val="0000CC"/>
-                </a:solidFill>
-                <a:latin typeface="Courier New" panose="02070309020205020404" pitchFamily="49" charset="0"/>
-                <a:cs typeface="Courier New" panose="02070309020205020404" pitchFamily="49" charset="0"/>
-              </a:rPr>
-              <a:t>&gt; </a:t>
-            </a:r>
-            <a:r>
-              <a:rPr lang="fr-FR" sz="2000" b="1" dirty="0" err="1">
-                <a:solidFill>
-                  <a:srgbClr val="0000CC"/>
-                </a:solidFill>
-                <a:latin typeface="Courier New" panose="02070309020205020404" pitchFamily="49" charset="0"/>
-                <a:cs typeface="Courier New" panose="02070309020205020404" pitchFamily="49" charset="0"/>
-              </a:rPr>
-              <a:t>is</a:t>
-            </a:r>
-            <a:r>
-              <a:rPr lang="fr-FR" sz="2000" b="1" dirty="0">
-                <a:solidFill>
-                  <a:srgbClr val="0000CC"/>
-                </a:solidFill>
-                <a:latin typeface="Courier New" panose="02070309020205020404" pitchFamily="49" charset="0"/>
-                <a:cs typeface="Courier New" panose="02070309020205020404" pitchFamily="49" charset="0"/>
-              </a:rPr>
-              <a:t>(</a:t>
-            </a:r>
-            <a:r>
-              <a:rPr lang="fr-FR" sz="2000" b="1" dirty="0" err="1">
-                <a:solidFill>
-                  <a:srgbClr val="0000CC"/>
-                </a:solidFill>
-                <a:latin typeface="Courier New" panose="02070309020205020404" pitchFamily="49" charset="0"/>
-                <a:cs typeface="Courier New" panose="02070309020205020404" pitchFamily="49" charset="0"/>
-              </a:rPr>
-              <a:t>mydist</a:t>
-            </a:r>
-            <a:r>
-              <a:rPr lang="fr-FR" sz="2000" b="1" dirty="0">
-                <a:solidFill>
-                  <a:srgbClr val="0000CC"/>
-                </a:solidFill>
-                <a:latin typeface="Courier New" panose="02070309020205020404" pitchFamily="49" charset="0"/>
-                <a:cs typeface="Courier New" panose="02070309020205020404" pitchFamily="49" charset="0"/>
-              </a:rPr>
-              <a:t>)</a:t>
-            </a:r>
-          </a:p>
-          <a:p>
-            <a:pPr marL="0" indent="0">
-              <a:buNone/>
-            </a:pPr>
-            <a:r>
-              <a:rPr lang="fr-FR" sz="2000" b="1" dirty="0">
-                <a:latin typeface="Courier New" panose="02070309020205020404" pitchFamily="49" charset="0"/>
-                <a:cs typeface="Courier New" panose="02070309020205020404" pitchFamily="49" charset="0"/>
-              </a:rPr>
-              <a:t>[1] "matrix"    "</a:t>
-            </a:r>
-            <a:r>
-              <a:rPr lang="fr-FR" sz="2000" b="1" dirty="0" err="1">
-                <a:latin typeface="Courier New" panose="02070309020205020404" pitchFamily="49" charset="0"/>
-                <a:cs typeface="Courier New" panose="02070309020205020404" pitchFamily="49" charset="0"/>
-              </a:rPr>
-              <a:t>array</a:t>
-            </a:r>
-            <a:r>
-              <a:rPr lang="fr-FR" sz="2000" b="1" dirty="0">
-                <a:latin typeface="Courier New" panose="02070309020205020404" pitchFamily="49" charset="0"/>
-                <a:cs typeface="Courier New" panose="02070309020205020404" pitchFamily="49" charset="0"/>
-              </a:rPr>
-              <a:t>"     "</a:t>
-            </a:r>
-            <a:r>
-              <a:rPr lang="fr-FR" sz="2000" b="1" dirty="0" err="1">
-                <a:latin typeface="Courier New" panose="02070309020205020404" pitchFamily="49" charset="0"/>
-                <a:cs typeface="Courier New" panose="02070309020205020404" pitchFamily="49" charset="0"/>
-              </a:rPr>
-              <a:t>mMatrix</a:t>
-            </a:r>
-            <a:r>
-              <a:rPr lang="fr-FR" sz="2000" b="1" dirty="0">
-                <a:latin typeface="Courier New" panose="02070309020205020404" pitchFamily="49" charset="0"/>
-                <a:cs typeface="Courier New" panose="02070309020205020404" pitchFamily="49" charset="0"/>
-              </a:rPr>
-              <a:t>"   "structure" "</a:t>
-            </a:r>
-            <a:r>
-              <a:rPr lang="fr-FR" sz="2000" b="1" dirty="0" err="1">
-                <a:latin typeface="Courier New" panose="02070309020205020404" pitchFamily="49" charset="0"/>
-                <a:cs typeface="Courier New" panose="02070309020205020404" pitchFamily="49" charset="0"/>
-              </a:rPr>
-              <a:t>vector</a:t>
-            </a:r>
-            <a:r>
-              <a:rPr lang="fr-FR" sz="2000" b="1" dirty="0">
-                <a:latin typeface="Courier New" panose="02070309020205020404" pitchFamily="49" charset="0"/>
-                <a:cs typeface="Courier New" panose="02070309020205020404" pitchFamily="49" charset="0"/>
-              </a:rPr>
-              <a:t>" </a:t>
-            </a:r>
-            <a:endParaRPr lang="en-GB" sz="2000" b="1" dirty="0">
-              <a:latin typeface="Courier New" panose="02070309020205020404" pitchFamily="49" charset="0"/>
-              <a:cs typeface="Courier New" panose="02070309020205020404" pitchFamily="49" charset="0"/>
-            </a:endParaRPr>
-          </a:p>
-        </p:txBody>
-      </p:sp>
-    </p:spTree>
-    <p:extLst>
-      <p:ext uri="{BB962C8B-B14F-4D97-AF65-F5344CB8AC3E}">
-        <p14:creationId xmlns:p14="http://schemas.microsoft.com/office/powerpoint/2010/main" val="515635782"/>
-      </p:ext>
-    </p:extLst>
-  </p:cSld>
-  <p:clrMapOvr>
-    <a:masterClrMapping/>
-  </p:clrMapOvr>
-</p:sld>
-</file>
-
-<file path=ppt/slides/slide3.xml><?xml version="1.0" encoding="utf-8"?>
-<p:sld xmlns:a="http://schemas.openxmlformats.org/drawingml/2006/main" xmlns:r="http://schemas.openxmlformats.org/officeDocument/2006/relationships" xmlns:p="http://schemas.openxmlformats.org/presentationml/2006/main">
-  <p:cSld>
-    <p:spTree>
-      <p:nvGrpSpPr>
-        <p:cNvPr id="1" name=""/>
-        <p:cNvGrpSpPr/>
-        <p:nvPr/>
-      </p:nvGrpSpPr>
-      <p:grpSpPr>
-        <a:xfrm>
-          <a:off x="0" y="0"/>
-          <a:ext cx="0" cy="0"/>
-          <a:chOff x="0" y="0"/>
-          <a:chExt cx="0" cy="0"/>
-        </a:xfrm>
-      </p:grpSpPr>
-      <p:sp>
-        <p:nvSpPr>
-          <p:cNvPr id="2" name="Title 1"/>
-          <p:cNvSpPr>
-            <a:spLocks noGrp="1"/>
-          </p:cNvSpPr>
-          <p:nvPr>
-            <p:ph type="title"/>
-          </p:nvPr>
-        </p:nvSpPr>
-        <p:spPr/>
-        <p:txBody>
-          <a:bodyPr/>
-          <a:lstStyle/>
-          <a:p>
-            <a:r>
-              <a:rPr lang="en-US" dirty="0"/>
-              <a:t>What is R?</a:t>
-            </a:r>
-            <a:endParaRPr lang="fr-BE" dirty="0"/>
-          </a:p>
-        </p:txBody>
-      </p:sp>
-      <p:sp>
-        <p:nvSpPr>
-          <p:cNvPr id="3" name="Content Placeholder 2"/>
-          <p:cNvSpPr>
-            <a:spLocks noGrp="1"/>
-          </p:cNvSpPr>
-          <p:nvPr>
-            <p:ph idx="1"/>
-          </p:nvPr>
-        </p:nvSpPr>
-        <p:spPr/>
-        <p:txBody>
-          <a:bodyPr>
-            <a:normAutofit/>
-          </a:bodyPr>
-          <a:lstStyle/>
-          <a:p>
-            <a:r>
-              <a:rPr lang="en-US" sz="2400" dirty="0"/>
-              <a:t>statistical computing environment (from </a:t>
-            </a:r>
-            <a:r>
-              <a:rPr lang="en-US" sz="2400" i="1" dirty="0"/>
-              <a:t>t</a:t>
-            </a:r>
-            <a:r>
-              <a:rPr lang="en-US" sz="2400" dirty="0"/>
-              <a:t>-test to generalized linear models, and more…)</a:t>
-            </a:r>
-          </a:p>
-          <a:p>
-            <a:pPr marL="0" indent="0">
-              <a:buNone/>
-            </a:pPr>
-            <a:r>
-              <a:rPr lang="en-US" sz="2400" dirty="0"/>
-              <a:t>	- core distribution “base” </a:t>
-            </a:r>
-          </a:p>
-          <a:p>
-            <a:pPr marL="0" indent="0">
-              <a:buNone/>
-            </a:pPr>
-            <a:r>
-              <a:rPr lang="en-US" sz="2400" dirty="0"/>
-              <a:t>	- add-on packages (&gt; 10K as of June 2017)</a:t>
-            </a:r>
-          </a:p>
-          <a:p>
-            <a:r>
-              <a:rPr lang="en-US" sz="2400" dirty="0"/>
-              <a:t>programming language</a:t>
-            </a:r>
-          </a:p>
-          <a:p>
-            <a:r>
-              <a:rPr lang="en-US" sz="2400" dirty="0"/>
-              <a:t>tools for creation of publication-quality plots</a:t>
-            </a:r>
-          </a:p>
-          <a:p>
-            <a:endParaRPr lang="en-US" dirty="0"/>
-          </a:p>
-        </p:txBody>
-      </p:sp>
-    </p:spTree>
-    <p:extLst>
-      <p:ext uri="{BB962C8B-B14F-4D97-AF65-F5344CB8AC3E}">
-        <p14:creationId xmlns:p14="http://schemas.microsoft.com/office/powerpoint/2010/main" val="1927920234"/>
-      </p:ext>
-    </p:extLst>
-  </p:cSld>
-  <p:clrMapOvr>
-    <a:masterClrMapping/>
-  </p:clrMapOvr>
-</p:sld>
-</file>
-
-<file path=ppt/slides/slide30.xml><?xml version="1.0" encoding="utf-8"?>
-<p:sld xmlns:a="http://schemas.openxmlformats.org/drawingml/2006/main" xmlns:r="http://schemas.openxmlformats.org/officeDocument/2006/relationships" xmlns:p="http://schemas.openxmlformats.org/presentationml/2006/main">
-  <p:cSld>
-    <p:spTree>
-      <p:nvGrpSpPr>
-        <p:cNvPr id="1" name=""/>
-        <p:cNvGrpSpPr/>
-        <p:nvPr/>
-      </p:nvGrpSpPr>
-      <p:grpSpPr>
-        <a:xfrm>
-          <a:off x="0" y="0"/>
-          <a:ext cx="0" cy="0"/>
-          <a:chOff x="0" y="0"/>
-          <a:chExt cx="0" cy="0"/>
-        </a:xfrm>
-      </p:grpSpPr>
-      <p:sp>
-        <p:nvSpPr>
-          <p:cNvPr id="2" name="Title 1">
-            <a:extLst>
-              <a:ext uri="{FF2B5EF4-FFF2-40B4-BE49-F238E27FC236}">
-                <a16:creationId xmlns:a16="http://schemas.microsoft.com/office/drawing/2014/main" id="{29453B7D-78AD-405F-8F3A-BE5F8E1DDB21}"/>
-              </a:ext>
-            </a:extLst>
-          </p:cNvPr>
-          <p:cNvSpPr>
-            <a:spLocks noGrp="1"/>
-          </p:cNvSpPr>
-          <p:nvPr>
-            <p:ph type="title"/>
-          </p:nvPr>
-        </p:nvSpPr>
-        <p:spPr/>
-        <p:txBody>
-          <a:bodyPr/>
-          <a:lstStyle/>
-          <a:p>
-            <a:r>
-              <a:rPr lang="en-GB" dirty="0"/>
-              <a:t>From matrix to distance matrix</a:t>
-            </a:r>
-          </a:p>
-        </p:txBody>
-      </p:sp>
-      <p:sp>
-        <p:nvSpPr>
-          <p:cNvPr id="3" name="Content Placeholder 2">
-            <a:extLst>
-              <a:ext uri="{FF2B5EF4-FFF2-40B4-BE49-F238E27FC236}">
-                <a16:creationId xmlns:a16="http://schemas.microsoft.com/office/drawing/2014/main" id="{85243D4A-E0FE-4613-9CFB-9BF3B49F0CA9}"/>
-              </a:ext>
-            </a:extLst>
-          </p:cNvPr>
-          <p:cNvSpPr>
-            <a:spLocks noGrp="1"/>
-          </p:cNvSpPr>
-          <p:nvPr>
-            <p:ph idx="1"/>
-          </p:nvPr>
-        </p:nvSpPr>
-        <p:spPr/>
-        <p:txBody>
-          <a:bodyPr>
-            <a:noAutofit/>
-          </a:bodyPr>
-          <a:lstStyle/>
-          <a:p>
-            <a:pPr marL="0" indent="0">
-              <a:buNone/>
-            </a:pPr>
-            <a:r>
-              <a:rPr lang="en-GB" sz="2000" b="1" dirty="0">
-                <a:solidFill>
-                  <a:srgbClr val="0000FF"/>
-                </a:solidFill>
-                <a:latin typeface="Courier New" panose="02070309020205020404" pitchFamily="49" charset="0"/>
-                <a:cs typeface="Courier New" panose="02070309020205020404" pitchFamily="49" charset="0"/>
-              </a:rPr>
-              <a:t>&gt; </a:t>
-            </a:r>
-            <a:r>
-              <a:rPr lang="en-GB" sz="2000" b="1" dirty="0" err="1">
-                <a:solidFill>
-                  <a:srgbClr val="0000FF"/>
-                </a:solidFill>
-                <a:latin typeface="Courier New" panose="02070309020205020404" pitchFamily="49" charset="0"/>
-                <a:cs typeface="Courier New" panose="02070309020205020404" pitchFamily="49" charset="0"/>
-              </a:rPr>
-              <a:t>mydist</a:t>
-            </a:r>
-            <a:r>
-              <a:rPr lang="en-GB" sz="2000" b="1" dirty="0">
-                <a:solidFill>
-                  <a:srgbClr val="0000FF"/>
-                </a:solidFill>
-                <a:latin typeface="Courier New" panose="02070309020205020404" pitchFamily="49" charset="0"/>
-                <a:cs typeface="Courier New" panose="02070309020205020404" pitchFamily="49" charset="0"/>
-              </a:rPr>
-              <a:t> &lt;- </a:t>
-            </a:r>
-            <a:r>
-              <a:rPr lang="en-GB" sz="2000" b="1" dirty="0" err="1">
-                <a:solidFill>
-                  <a:srgbClr val="0000FF"/>
-                </a:solidFill>
-                <a:latin typeface="Courier New" panose="02070309020205020404" pitchFamily="49" charset="0"/>
-                <a:cs typeface="Courier New" panose="02070309020205020404" pitchFamily="49" charset="0"/>
-              </a:rPr>
-              <a:t>as.dist</a:t>
-            </a:r>
-            <a:r>
-              <a:rPr lang="en-GB" sz="2000" b="1" dirty="0">
-                <a:solidFill>
-                  <a:srgbClr val="0000FF"/>
-                </a:solidFill>
-                <a:latin typeface="Courier New" panose="02070309020205020404" pitchFamily="49" charset="0"/>
-                <a:cs typeface="Courier New" panose="02070309020205020404" pitchFamily="49" charset="0"/>
-              </a:rPr>
-              <a:t>(</a:t>
-            </a:r>
-            <a:r>
-              <a:rPr lang="en-GB" sz="2000" b="1" dirty="0" err="1">
-                <a:solidFill>
-                  <a:srgbClr val="0000FF"/>
-                </a:solidFill>
-                <a:latin typeface="Courier New" panose="02070309020205020404" pitchFamily="49" charset="0"/>
-                <a:cs typeface="Courier New" panose="02070309020205020404" pitchFamily="49" charset="0"/>
-              </a:rPr>
-              <a:t>mydist</a:t>
-            </a:r>
-            <a:r>
-              <a:rPr lang="en-GB" sz="2000" b="1" dirty="0">
-                <a:solidFill>
-                  <a:srgbClr val="0000FF"/>
-                </a:solidFill>
-                <a:latin typeface="Courier New" panose="02070309020205020404" pitchFamily="49" charset="0"/>
-                <a:cs typeface="Courier New" panose="02070309020205020404" pitchFamily="49" charset="0"/>
-              </a:rPr>
-              <a:t>)</a:t>
-            </a:r>
-          </a:p>
-          <a:p>
-            <a:pPr marL="0" indent="0">
-              <a:buNone/>
-            </a:pPr>
-            <a:r>
-              <a:rPr lang="en-GB" sz="2000" b="1" dirty="0">
-                <a:solidFill>
-                  <a:srgbClr val="0000FF"/>
-                </a:solidFill>
-                <a:latin typeface="Courier New" panose="02070309020205020404" pitchFamily="49" charset="0"/>
-                <a:cs typeface="Courier New" panose="02070309020205020404" pitchFamily="49" charset="0"/>
-              </a:rPr>
-              <a:t>&gt; </a:t>
-            </a:r>
-            <a:r>
-              <a:rPr lang="en-GB" sz="2000" b="1" dirty="0" err="1">
-                <a:solidFill>
-                  <a:srgbClr val="0000FF"/>
-                </a:solidFill>
-                <a:latin typeface="Courier New" panose="02070309020205020404" pitchFamily="49" charset="0"/>
-                <a:cs typeface="Courier New" panose="02070309020205020404" pitchFamily="49" charset="0"/>
-              </a:rPr>
-              <a:t>mydist</a:t>
-            </a:r>
-            <a:endParaRPr lang="en-GB" sz="2000" b="1" dirty="0">
-              <a:solidFill>
-                <a:srgbClr val="0000FF"/>
-              </a:solidFill>
-              <a:latin typeface="Courier New" panose="02070309020205020404" pitchFamily="49" charset="0"/>
-              <a:cs typeface="Courier New" panose="02070309020205020404" pitchFamily="49" charset="0"/>
-            </a:endParaRPr>
-          </a:p>
-          <a:p>
-            <a:pPr marL="0" indent="0">
-              <a:buNone/>
-            </a:pPr>
-            <a:r>
-              <a:rPr lang="en-GB" sz="2000" b="1" dirty="0">
-                <a:latin typeface="Courier New" panose="02070309020205020404" pitchFamily="49" charset="0"/>
-                <a:cs typeface="Courier New" panose="02070309020205020404" pitchFamily="49" charset="0"/>
-              </a:rPr>
-              <a:t>		 </a:t>
-            </a:r>
-            <a:r>
-              <a:rPr lang="de-DE" sz="2000" b="1" dirty="0">
-                <a:latin typeface="Courier New" panose="02070309020205020404" pitchFamily="49" charset="0"/>
-                <a:cs typeface="Courier New" panose="02070309020205020404" pitchFamily="49" charset="0"/>
-              </a:rPr>
-              <a:t> Frankfurt Stockholm</a:t>
-            </a:r>
-          </a:p>
-          <a:p>
-            <a:pPr marL="0" indent="0">
-              <a:buNone/>
-            </a:pPr>
-            <a:r>
-              <a:rPr lang="de-DE" sz="2000" b="1" dirty="0">
-                <a:latin typeface="Courier New" panose="02070309020205020404" pitchFamily="49" charset="0"/>
-                <a:cs typeface="Courier New" panose="02070309020205020404" pitchFamily="49" charset="0"/>
-              </a:rPr>
-              <a:t>Stockholm      1186          </a:t>
-            </a:r>
-          </a:p>
-          <a:p>
-            <a:pPr marL="0" indent="0">
-              <a:buNone/>
-            </a:pPr>
-            <a:r>
-              <a:rPr lang="de-DE" sz="2000" b="1" dirty="0">
-                <a:latin typeface="Courier New" panose="02070309020205020404" pitchFamily="49" charset="0"/>
-                <a:cs typeface="Courier New" panose="02070309020205020404" pitchFamily="49" charset="0"/>
-              </a:rPr>
-              <a:t>Tampere        1572       395</a:t>
-            </a:r>
-          </a:p>
-          <a:p>
-            <a:pPr marL="0" indent="0">
-              <a:buNone/>
-            </a:pPr>
-            <a:r>
-              <a:rPr lang="en-GB" sz="2000" b="1" dirty="0">
-                <a:solidFill>
-                  <a:srgbClr val="0000CC"/>
-                </a:solidFill>
-                <a:latin typeface="Courier New" panose="02070309020205020404" pitchFamily="49" charset="0"/>
-                <a:cs typeface="Courier New" panose="02070309020205020404" pitchFamily="49" charset="0"/>
-              </a:rPr>
-              <a:t>&gt; is(</a:t>
-            </a:r>
-            <a:r>
-              <a:rPr lang="en-GB" sz="2000" b="1" dirty="0" err="1">
-                <a:solidFill>
-                  <a:srgbClr val="0000CC"/>
-                </a:solidFill>
-                <a:latin typeface="Courier New" panose="02070309020205020404" pitchFamily="49" charset="0"/>
-                <a:cs typeface="Courier New" panose="02070309020205020404" pitchFamily="49" charset="0"/>
-              </a:rPr>
-              <a:t>mydist</a:t>
-            </a:r>
-            <a:r>
-              <a:rPr lang="en-GB" sz="2000" b="1" dirty="0">
-                <a:solidFill>
-                  <a:srgbClr val="0000CC"/>
-                </a:solidFill>
-                <a:latin typeface="Courier New" panose="02070309020205020404" pitchFamily="49" charset="0"/>
-                <a:cs typeface="Courier New" panose="02070309020205020404" pitchFamily="49" charset="0"/>
-              </a:rPr>
-              <a:t>)</a:t>
-            </a:r>
-          </a:p>
-          <a:p>
-            <a:pPr marL="0" indent="0">
-              <a:buNone/>
-            </a:pPr>
-            <a:r>
-              <a:rPr lang="en-GB" sz="2000" b="1" dirty="0">
-                <a:latin typeface="Courier New" panose="02070309020205020404" pitchFamily="49" charset="0"/>
-                <a:cs typeface="Courier New" panose="02070309020205020404" pitchFamily="49" charset="0"/>
-              </a:rPr>
-              <a:t>[1] "</a:t>
-            </a:r>
-            <a:r>
-              <a:rPr lang="en-GB" sz="2000" b="1" dirty="0" err="1">
-                <a:latin typeface="Courier New" panose="02070309020205020404" pitchFamily="49" charset="0"/>
-                <a:cs typeface="Courier New" panose="02070309020205020404" pitchFamily="49" charset="0"/>
-              </a:rPr>
-              <a:t>dist</a:t>
-            </a:r>
-            <a:r>
-              <a:rPr lang="en-GB" sz="2000" b="1" dirty="0">
-                <a:latin typeface="Courier New" panose="02070309020205020404" pitchFamily="49" charset="0"/>
-                <a:cs typeface="Courier New" panose="02070309020205020404" pitchFamily="49" charset="0"/>
-              </a:rPr>
-              <a:t>"</a:t>
-            </a:r>
-          </a:p>
-        </p:txBody>
-      </p:sp>
-    </p:spTree>
-    <p:extLst>
-      <p:ext uri="{BB962C8B-B14F-4D97-AF65-F5344CB8AC3E}">
-        <p14:creationId xmlns:p14="http://schemas.microsoft.com/office/powerpoint/2010/main" val="2831047475"/>
-      </p:ext>
-    </p:extLst>
-  </p:cSld>
-  <p:clrMapOvr>
-    <a:masterClrMapping/>
-  </p:clrMapOvr>
-</p:sld>
-</file>
-
-<file path=ppt/slides/slide31.xml><?xml version="1.0" encoding="utf-8"?>
-<p:sld xmlns:a="http://schemas.openxmlformats.org/drawingml/2006/main" xmlns:r="http://schemas.openxmlformats.org/officeDocument/2006/relationships" xmlns:p="http://schemas.openxmlformats.org/presentationml/2006/main">
-  <p:cSld>
-    <p:spTree>
-      <p:nvGrpSpPr>
-        <p:cNvPr id="1" name=""/>
-        <p:cNvGrpSpPr/>
-        <p:nvPr/>
-      </p:nvGrpSpPr>
-      <p:grpSpPr>
-        <a:xfrm>
-          <a:off x="0" y="0"/>
-          <a:ext cx="0" cy="0"/>
-          <a:chOff x="0" y="0"/>
-          <a:chExt cx="0" cy="0"/>
-        </a:xfrm>
-      </p:grpSpPr>
-      <p:sp>
-        <p:nvSpPr>
-          <p:cNvPr id="2" name="Title 1">
-            <a:extLst>
-              <a:ext uri="{FF2B5EF4-FFF2-40B4-BE49-F238E27FC236}">
-                <a16:creationId xmlns:a16="http://schemas.microsoft.com/office/drawing/2014/main" id="{149789B9-C4C5-443E-B0AA-1AE8FA1A5604}"/>
-              </a:ext>
-            </a:extLst>
-          </p:cNvPr>
-          <p:cNvSpPr>
-            <a:spLocks noGrp="1"/>
-          </p:cNvSpPr>
-          <p:nvPr>
-            <p:ph type="title"/>
-          </p:nvPr>
-        </p:nvSpPr>
-        <p:spPr/>
-        <p:txBody>
-          <a:bodyPr/>
-          <a:lstStyle/>
-          <a:p>
-            <a:r>
-              <a:rPr lang="en-GB" dirty="0"/>
-              <a:t>… and back</a:t>
-            </a:r>
-          </a:p>
-        </p:txBody>
-      </p:sp>
-      <p:sp>
-        <p:nvSpPr>
-          <p:cNvPr id="3" name="Content Placeholder 2">
-            <a:extLst>
-              <a:ext uri="{FF2B5EF4-FFF2-40B4-BE49-F238E27FC236}">
-                <a16:creationId xmlns:a16="http://schemas.microsoft.com/office/drawing/2014/main" id="{4518377A-8E4C-4F9E-A9A6-1A0BDCFA1575}"/>
-              </a:ext>
-            </a:extLst>
-          </p:cNvPr>
-          <p:cNvSpPr>
-            <a:spLocks noGrp="1"/>
-          </p:cNvSpPr>
-          <p:nvPr>
-            <p:ph idx="1"/>
-          </p:nvPr>
-        </p:nvSpPr>
-        <p:spPr/>
-        <p:txBody>
-          <a:bodyPr/>
-          <a:lstStyle/>
-          <a:p>
-            <a:pPr marL="0" indent="0">
-              <a:buNone/>
-            </a:pPr>
-            <a:r>
-              <a:rPr lang="en-GB" sz="2000" b="1" dirty="0">
-                <a:solidFill>
-                  <a:srgbClr val="0000FF"/>
-                </a:solidFill>
-                <a:latin typeface="Courier New" panose="02070309020205020404" pitchFamily="49" charset="0"/>
-                <a:cs typeface="Courier New" panose="02070309020205020404" pitchFamily="49" charset="0"/>
-              </a:rPr>
-              <a:t>&gt; m &lt;- </a:t>
-            </a:r>
-            <a:r>
-              <a:rPr lang="en-GB" sz="2000" b="1" dirty="0" err="1">
-                <a:solidFill>
-                  <a:srgbClr val="0000FF"/>
-                </a:solidFill>
-                <a:latin typeface="Courier New" panose="02070309020205020404" pitchFamily="49" charset="0"/>
-                <a:cs typeface="Courier New" panose="02070309020205020404" pitchFamily="49" charset="0"/>
-              </a:rPr>
-              <a:t>as.matrix</a:t>
-            </a:r>
-            <a:r>
-              <a:rPr lang="en-GB" sz="2000" b="1" dirty="0">
-                <a:solidFill>
-                  <a:srgbClr val="0000FF"/>
-                </a:solidFill>
-                <a:latin typeface="Courier New" panose="02070309020205020404" pitchFamily="49" charset="0"/>
-                <a:cs typeface="Courier New" panose="02070309020205020404" pitchFamily="49" charset="0"/>
-              </a:rPr>
-              <a:t>(</a:t>
-            </a:r>
-            <a:r>
-              <a:rPr lang="en-GB" sz="2000" b="1" dirty="0" err="1">
-                <a:solidFill>
-                  <a:srgbClr val="0000FF"/>
-                </a:solidFill>
-                <a:latin typeface="Courier New" panose="02070309020205020404" pitchFamily="49" charset="0"/>
-                <a:cs typeface="Courier New" panose="02070309020205020404" pitchFamily="49" charset="0"/>
-              </a:rPr>
-              <a:t>mydist</a:t>
-            </a:r>
-            <a:r>
-              <a:rPr lang="en-GB" sz="2000" b="1" dirty="0">
-                <a:solidFill>
-                  <a:srgbClr val="0000FF"/>
-                </a:solidFill>
-                <a:latin typeface="Courier New" panose="02070309020205020404" pitchFamily="49" charset="0"/>
-                <a:cs typeface="Courier New" panose="02070309020205020404" pitchFamily="49" charset="0"/>
-              </a:rPr>
-              <a:t>)</a:t>
-            </a:r>
-          </a:p>
-          <a:p>
-            <a:pPr marL="0" indent="0">
-              <a:buNone/>
-            </a:pPr>
-            <a:r>
-              <a:rPr lang="en-GB" sz="2000" b="1" dirty="0">
-                <a:solidFill>
-                  <a:srgbClr val="0000FF"/>
-                </a:solidFill>
-                <a:latin typeface="Courier New" panose="02070309020205020404" pitchFamily="49" charset="0"/>
-                <a:cs typeface="Courier New" panose="02070309020205020404" pitchFamily="49" charset="0"/>
-              </a:rPr>
-              <a:t>&gt; m</a:t>
-            </a:r>
-          </a:p>
-          <a:p>
-            <a:pPr marL="0" indent="0">
-              <a:buNone/>
-            </a:pPr>
-            <a:r>
-              <a:rPr lang="de-DE" sz="2000" b="1" dirty="0">
-                <a:latin typeface="Courier New" panose="02070309020205020404" pitchFamily="49" charset="0"/>
-                <a:cs typeface="Courier New" panose="02070309020205020404" pitchFamily="49" charset="0"/>
-              </a:rPr>
-              <a:t> 		Frankfurt Stockholm Tampere</a:t>
-            </a:r>
-          </a:p>
-          <a:p>
-            <a:pPr marL="0" indent="0">
-              <a:buNone/>
-            </a:pPr>
-            <a:r>
-              <a:rPr lang="de-DE" sz="2000" b="1" dirty="0">
-                <a:latin typeface="Courier New" panose="02070309020205020404" pitchFamily="49" charset="0"/>
-                <a:cs typeface="Courier New" panose="02070309020205020404" pitchFamily="49" charset="0"/>
-              </a:rPr>
-              <a:t>Frankfurt         0      1186    1572</a:t>
-            </a:r>
-          </a:p>
-          <a:p>
-            <a:pPr marL="0" indent="0">
-              <a:buNone/>
-            </a:pPr>
-            <a:r>
-              <a:rPr lang="de-DE" sz="2000" b="1" dirty="0">
-                <a:latin typeface="Courier New" panose="02070309020205020404" pitchFamily="49" charset="0"/>
-                <a:cs typeface="Courier New" panose="02070309020205020404" pitchFamily="49" charset="0"/>
-              </a:rPr>
-              <a:t>Stockholm      1186         0     395</a:t>
-            </a:r>
-          </a:p>
-          <a:p>
-            <a:pPr marL="0" indent="0">
-              <a:buNone/>
-            </a:pPr>
-            <a:r>
-              <a:rPr lang="de-DE" sz="2000" b="1" dirty="0">
-                <a:latin typeface="Courier New" panose="02070309020205020404" pitchFamily="49" charset="0"/>
-                <a:cs typeface="Courier New" panose="02070309020205020404" pitchFamily="49" charset="0"/>
-              </a:rPr>
-              <a:t>Tampere        1572       395       0</a:t>
-            </a:r>
-            <a:endParaRPr lang="en-GB" sz="2000" b="1" dirty="0">
-              <a:latin typeface="Courier New" panose="02070309020205020404" pitchFamily="49" charset="0"/>
-              <a:cs typeface="Courier New" panose="02070309020205020404" pitchFamily="49" charset="0"/>
-            </a:endParaRPr>
-          </a:p>
-          <a:p>
-            <a:endParaRPr lang="en-GB" dirty="0"/>
-          </a:p>
-        </p:txBody>
-      </p:sp>
-    </p:spTree>
-    <p:extLst>
-      <p:ext uri="{BB962C8B-B14F-4D97-AF65-F5344CB8AC3E}">
-        <p14:creationId xmlns:p14="http://schemas.microsoft.com/office/powerpoint/2010/main" val="652483614"/>
-      </p:ext>
-    </p:extLst>
-  </p:cSld>
-  <p:clrMapOvr>
-    <a:masterClrMapping/>
-  </p:clrMapOvr>
-</p:sld>
-</file>
-
-<file path=ppt/slides/slide32.xml><?xml version="1.0" encoding="utf-8"?>
-<p:sld xmlns:a="http://schemas.openxmlformats.org/drawingml/2006/main" xmlns:r="http://schemas.openxmlformats.org/officeDocument/2006/relationships" xmlns:p="http://schemas.openxmlformats.org/presentationml/2006/main">
-  <p:cSld>
-    <p:spTree>
-      <p:nvGrpSpPr>
-        <p:cNvPr id="1" name=""/>
-        <p:cNvGrpSpPr/>
-        <p:nvPr/>
-      </p:nvGrpSpPr>
-      <p:grpSpPr>
-        <a:xfrm>
-          <a:off x="0" y="0"/>
-          <a:ext cx="0" cy="0"/>
-          <a:chOff x="0" y="0"/>
-          <a:chExt cx="0" cy="0"/>
-        </a:xfrm>
-      </p:grpSpPr>
-      <p:sp>
-        <p:nvSpPr>
-          <p:cNvPr id="2" name="Title 1">
-            <a:extLst>
-              <a:ext uri="{FF2B5EF4-FFF2-40B4-BE49-F238E27FC236}">
-                <a16:creationId xmlns:a16="http://schemas.microsoft.com/office/drawing/2014/main" id="{3B47F2A9-7E80-4477-A37C-FE6A942F4AE0}"/>
-              </a:ext>
-            </a:extLst>
-          </p:cNvPr>
-          <p:cNvSpPr>
-            <a:spLocks noGrp="1"/>
-          </p:cNvSpPr>
-          <p:nvPr>
-            <p:ph type="title"/>
-          </p:nvPr>
-        </p:nvSpPr>
-        <p:spPr/>
-        <p:txBody>
-          <a:bodyPr/>
-          <a:lstStyle/>
-          <a:p>
-            <a:r>
-              <a:rPr lang="en-GB" dirty="0"/>
-              <a:t>Exercise	</a:t>
-            </a:r>
-          </a:p>
-        </p:txBody>
-      </p:sp>
-      <p:sp>
-        <p:nvSpPr>
-          <p:cNvPr id="3" name="Content Placeholder 2">
-            <a:extLst>
-              <a:ext uri="{FF2B5EF4-FFF2-40B4-BE49-F238E27FC236}">
-                <a16:creationId xmlns:a16="http://schemas.microsoft.com/office/drawing/2014/main" id="{B406A378-A608-44CE-9E08-13620711500F}"/>
-              </a:ext>
-            </a:extLst>
-          </p:cNvPr>
-          <p:cNvSpPr>
-            <a:spLocks noGrp="1"/>
-          </p:cNvSpPr>
-          <p:nvPr>
-            <p:ph idx="1"/>
-          </p:nvPr>
-        </p:nvSpPr>
-        <p:spPr/>
-        <p:txBody>
-          <a:bodyPr/>
-          <a:lstStyle/>
-          <a:p>
-            <a:r>
-              <a:rPr lang="en-GB" dirty="0"/>
-              <a:t>Make your own distance matrix, depending on where you have travelled to this summer.</a:t>
-            </a:r>
-          </a:p>
-        </p:txBody>
-      </p:sp>
-    </p:spTree>
-    <p:extLst>
-      <p:ext uri="{BB962C8B-B14F-4D97-AF65-F5344CB8AC3E}">
-        <p14:creationId xmlns:p14="http://schemas.microsoft.com/office/powerpoint/2010/main" val="3677505604"/>
-      </p:ext>
-    </p:extLst>
-  </p:cSld>
-  <p:clrMapOvr>
-    <a:masterClrMapping/>
-  </p:clrMapOvr>
-</p:sld>
-</file>
-
 <file path=ppt/slides/slide33.xml><?xml version="1.0" encoding="utf-8"?>
 <p:sld xmlns:a="http://schemas.openxmlformats.org/drawingml/2006/main" xmlns:r="http://schemas.openxmlformats.org/officeDocument/2006/relationships" xmlns:p="http://schemas.openxmlformats.org/presentationml/2006/main">
   <p:cSld>
@@ -9828,7 +10097,7 @@
           <p:cNvPr id="2" name="Title 1">
             <a:extLst>
               <a:ext uri="{FF2B5EF4-FFF2-40B4-BE49-F238E27FC236}">
-                <a16:creationId xmlns:a16="http://schemas.microsoft.com/office/drawing/2014/main" id="{A5F059F6-4142-4B10-84D0-E32FEBE2F6E4}"/>
+                <a16:creationId xmlns:a16="http://schemas.microsoft.com/office/drawing/2014/main" id="{580BCC95-7B36-4A9B-BE9B-2DC8CEAC1793}"/>
               </a:ext>
             </a:extLst>
           </p:cNvPr>
@@ -9846,7 +10115,7 @@
           <a:p>
             <a:r>
               <a:rPr lang="en-GB" dirty="0"/>
-              <a:t>Quest</a:t>
+              <a:t>My journey this summer</a:t>
             </a:r>
           </a:p>
         </p:txBody>
@@ -9856,7 +10125,7 @@
           <p:cNvPr id="3" name="Content Placeholder 2">
             <a:extLst>
               <a:ext uri="{FF2B5EF4-FFF2-40B4-BE49-F238E27FC236}">
-                <a16:creationId xmlns:a16="http://schemas.microsoft.com/office/drawing/2014/main" id="{599EC34C-90A6-4E80-80C1-4660B14B28A3}"/>
+                <a16:creationId xmlns:a16="http://schemas.microsoft.com/office/drawing/2014/main" id="{83498BD1-164A-4DF9-8066-F498271CA58C}"/>
               </a:ext>
             </a:extLst>
           </p:cNvPr>
@@ -9870,7 +10139,7 @@
         <p:spPr/>
         <p:txBody>
           <a:bodyPr>
-            <a:normAutofit fontScale="85000" lnSpcReduction="20000"/>
+            <a:normAutofit lnSpcReduction="10000"/>
           </a:bodyPr>
           <a:lstStyle/>
           <a:p>
@@ -9878,173 +10147,357 @@
               <a:buNone/>
             </a:pPr>
             <a:r>
-              <a:rPr lang="en-GB" dirty="0"/>
-              <a:t>1.  Compute the square root of 1681.</a:t>
-            </a:r>
-          </a:p>
-          <a:p>
-            <a:pPr marL="0" indent="0">
-              <a:buNone/>
-            </a:pPr>
-            <a:r>
-              <a:rPr lang="en-GB" dirty="0"/>
-              <a:t>2.  Type in R: </a:t>
-            </a:r>
-            <a:r>
-              <a:rPr lang="en-GB" dirty="0" err="1">
-                <a:solidFill>
-                  <a:srgbClr val="0000CC"/>
-                </a:solidFill>
-              </a:rPr>
-              <a:t>set.seed</a:t>
-            </a:r>
-            <a:r>
-              <a:rPr lang="en-GB" dirty="0">
-                <a:solidFill>
-                  <a:srgbClr val="0000CC"/>
-                </a:solidFill>
-              </a:rPr>
-              <a:t>(x)</a:t>
-            </a:r>
-            <a:r>
-              <a:rPr lang="en-GB" dirty="0"/>
-              <a:t>, where x is the result of step 1.	</a:t>
-            </a:r>
-          </a:p>
-          <a:p>
-            <a:pPr marL="0" indent="0">
-              <a:buNone/>
-            </a:pPr>
-            <a:r>
-              <a:rPr lang="en-GB" dirty="0"/>
-              <a:t>3. Create a random sample of 100 numbers from 1 to 100.</a:t>
-            </a:r>
-          </a:p>
-          <a:p>
-            <a:pPr marL="0" indent="0">
-              <a:buNone/>
-            </a:pPr>
-            <a:r>
-              <a:rPr lang="en-GB" dirty="0"/>
-              <a:t>4.  Find the 20</a:t>
-            </a:r>
-            <a:r>
-              <a:rPr lang="en-GB" baseline="30000" dirty="0"/>
-              <a:t>th</a:t>
-            </a:r>
-            <a:r>
-              <a:rPr lang="en-GB" dirty="0"/>
-              <a:t> element. This will be your y.</a:t>
-            </a:r>
-          </a:p>
-          <a:p>
-            <a:pPr marL="0" indent="0">
-              <a:buNone/>
-            </a:pPr>
-            <a:r>
-              <a:rPr lang="en-GB" dirty="0"/>
-              <a:t>5. Take the </a:t>
-            </a:r>
-            <a:r>
-              <a:rPr lang="en-GB" dirty="0" err="1"/>
-              <a:t>yth</a:t>
-            </a:r>
-            <a:r>
-              <a:rPr lang="en-GB" dirty="0"/>
-              <a:t> letter in the English alphabet. Write down the letter.</a:t>
-            </a:r>
-          </a:p>
-          <a:p>
-            <a:pPr marL="0" indent="0">
-              <a:buNone/>
-            </a:pPr>
-            <a:r>
-              <a:rPr lang="en-GB" dirty="0"/>
-              <a:t>6. Open the help page of the function </a:t>
-            </a:r>
-            <a:r>
-              <a:rPr lang="en-GB" dirty="0" err="1">
-                <a:solidFill>
-                  <a:srgbClr val="0000CC"/>
-                </a:solidFill>
-              </a:rPr>
-              <a:t>read.table</a:t>
-            </a:r>
-            <a:r>
-              <a:rPr lang="en-GB" dirty="0">
-                <a:solidFill>
-                  <a:srgbClr val="0000CC"/>
-                </a:solidFill>
+              <a:rPr lang="en-GB" sz="2000" b="1" dirty="0">
+                <a:solidFill>
+                  <a:srgbClr val="0000CC"/>
+                </a:solidFill>
+                <a:latin typeface="Courier New" panose="02070309020205020404" pitchFamily="49" charset="0"/>
+                <a:cs typeface="Courier New" panose="02070309020205020404" pitchFamily="49" charset="0"/>
+              </a:rPr>
+              <a:t>&gt; </a:t>
+            </a:r>
+            <a:r>
+              <a:rPr lang="en-GB" sz="2000" b="1" dirty="0" err="1">
+                <a:solidFill>
+                  <a:srgbClr val="0000CC"/>
+                </a:solidFill>
+                <a:latin typeface="Courier New" panose="02070309020205020404" pitchFamily="49" charset="0"/>
+                <a:cs typeface="Courier New" panose="02070309020205020404" pitchFamily="49" charset="0"/>
+              </a:rPr>
+              <a:t>mydist</a:t>
+            </a:r>
+            <a:r>
+              <a:rPr lang="en-GB" sz="2000" b="1" dirty="0">
+                <a:solidFill>
+                  <a:srgbClr val="0000CC"/>
+                </a:solidFill>
+                <a:latin typeface="Courier New" panose="02070309020205020404" pitchFamily="49" charset="0"/>
+                <a:cs typeface="Courier New" panose="02070309020205020404" pitchFamily="49" charset="0"/>
+              </a:rPr>
+              <a:t> &lt;- </a:t>
+            </a:r>
+            <a:r>
+              <a:rPr lang="en-GB" sz="2000" b="1" dirty="0" err="1">
+                <a:solidFill>
+                  <a:srgbClr val="0000CC"/>
+                </a:solidFill>
+                <a:latin typeface="Courier New" panose="02070309020205020404" pitchFamily="49" charset="0"/>
+                <a:cs typeface="Courier New" panose="02070309020205020404" pitchFamily="49" charset="0"/>
+              </a:rPr>
+              <a:t>rbind</a:t>
+            </a:r>
+            <a:r>
+              <a:rPr lang="en-GB" sz="2000" b="1" dirty="0">
+                <a:solidFill>
+                  <a:srgbClr val="0000CC"/>
+                </a:solidFill>
+                <a:latin typeface="Courier New" panose="02070309020205020404" pitchFamily="49" charset="0"/>
+                <a:cs typeface="Courier New" panose="02070309020205020404" pitchFamily="49" charset="0"/>
+              </a:rPr>
+              <a:t>(Frankfurt = c(0, 1186, 1572), Stockholm = c(1186, 0, 395), Tampere = c(1572, 395, 0))</a:t>
+            </a:r>
+          </a:p>
+          <a:p>
+            <a:pPr marL="0" indent="0">
+              <a:buNone/>
+            </a:pPr>
+            <a:r>
+              <a:rPr lang="en-GB" sz="2000" b="1" dirty="0">
+                <a:solidFill>
+                  <a:srgbClr val="0000CC"/>
+                </a:solidFill>
+                <a:latin typeface="Courier New" panose="02070309020205020404" pitchFamily="49" charset="0"/>
+                <a:cs typeface="Courier New" panose="02070309020205020404" pitchFamily="49" charset="0"/>
+              </a:rPr>
+              <a:t>&gt; </a:t>
+            </a:r>
+            <a:r>
+              <a:rPr lang="en-GB" sz="2000" b="1" dirty="0" err="1">
+                <a:solidFill>
+                  <a:srgbClr val="0000CC"/>
+                </a:solidFill>
+                <a:latin typeface="Courier New" panose="02070309020205020404" pitchFamily="49" charset="0"/>
+                <a:cs typeface="Courier New" panose="02070309020205020404" pitchFamily="49" charset="0"/>
+              </a:rPr>
+              <a:t>colnames</a:t>
+            </a:r>
+            <a:r>
+              <a:rPr lang="en-GB" sz="2000" b="1" dirty="0">
+                <a:solidFill>
+                  <a:srgbClr val="0000CC"/>
+                </a:solidFill>
+                <a:latin typeface="Courier New" panose="02070309020205020404" pitchFamily="49" charset="0"/>
+                <a:cs typeface="Courier New" panose="02070309020205020404" pitchFamily="49" charset="0"/>
+              </a:rPr>
+              <a:t>(</a:t>
+            </a:r>
+            <a:r>
+              <a:rPr lang="en-GB" sz="2000" b="1" dirty="0" err="1">
+                <a:solidFill>
+                  <a:srgbClr val="0000CC"/>
+                </a:solidFill>
+                <a:latin typeface="Courier New" panose="02070309020205020404" pitchFamily="49" charset="0"/>
+                <a:cs typeface="Courier New" panose="02070309020205020404" pitchFamily="49" charset="0"/>
+              </a:rPr>
+              <a:t>mydist</a:t>
+            </a:r>
+            <a:r>
+              <a:rPr lang="en-GB" sz="2000" b="1" dirty="0">
+                <a:solidFill>
+                  <a:srgbClr val="0000CC"/>
+                </a:solidFill>
+                <a:latin typeface="Courier New" panose="02070309020205020404" pitchFamily="49" charset="0"/>
+                <a:cs typeface="Courier New" panose="02070309020205020404" pitchFamily="49" charset="0"/>
+              </a:rPr>
+              <a:t>) &lt;- </a:t>
+            </a:r>
+            <a:r>
+              <a:rPr lang="en-GB" sz="2000" b="1" dirty="0" err="1">
+                <a:solidFill>
+                  <a:srgbClr val="0000CC"/>
+                </a:solidFill>
+                <a:latin typeface="Courier New" panose="02070309020205020404" pitchFamily="49" charset="0"/>
+                <a:cs typeface="Courier New" panose="02070309020205020404" pitchFamily="49" charset="0"/>
+              </a:rPr>
+              <a:t>rownames</a:t>
+            </a:r>
+            <a:r>
+              <a:rPr lang="en-GB" sz="2000" b="1" dirty="0">
+                <a:solidFill>
+                  <a:srgbClr val="0000CC"/>
+                </a:solidFill>
+                <a:latin typeface="Courier New" panose="02070309020205020404" pitchFamily="49" charset="0"/>
+                <a:cs typeface="Courier New" panose="02070309020205020404" pitchFamily="49" charset="0"/>
+              </a:rPr>
+              <a:t>(</a:t>
+            </a:r>
+            <a:r>
+              <a:rPr lang="en-GB" sz="2000" b="1" dirty="0" err="1">
+                <a:solidFill>
+                  <a:srgbClr val="0000CC"/>
+                </a:solidFill>
+                <a:latin typeface="Courier New" panose="02070309020205020404" pitchFamily="49" charset="0"/>
+                <a:cs typeface="Courier New" panose="02070309020205020404" pitchFamily="49" charset="0"/>
+              </a:rPr>
+              <a:t>mydist</a:t>
+            </a:r>
+            <a:r>
+              <a:rPr lang="en-GB" sz="2000" b="1" dirty="0">
+                <a:solidFill>
+                  <a:srgbClr val="0000CC"/>
+                </a:solidFill>
+                <a:latin typeface="Courier New" panose="02070309020205020404" pitchFamily="49" charset="0"/>
+                <a:cs typeface="Courier New" panose="02070309020205020404" pitchFamily="49" charset="0"/>
+              </a:rPr>
+              <a:t>)</a:t>
+            </a:r>
+          </a:p>
+          <a:p>
+            <a:pPr marL="0" indent="0">
+              <a:buNone/>
+            </a:pPr>
+            <a:r>
+              <a:rPr lang="en-GB" sz="2000" b="1" dirty="0">
+                <a:solidFill>
+                  <a:srgbClr val="0000CC"/>
+                </a:solidFill>
+                <a:latin typeface="Courier New" panose="02070309020205020404" pitchFamily="49" charset="0"/>
+                <a:cs typeface="Courier New" panose="02070309020205020404" pitchFamily="49" charset="0"/>
+              </a:rPr>
+              <a:t>&gt; </a:t>
+            </a:r>
+            <a:r>
+              <a:rPr lang="en-GB" sz="2000" b="1" dirty="0" err="1">
+                <a:solidFill>
+                  <a:srgbClr val="0000CC"/>
+                </a:solidFill>
+                <a:latin typeface="Courier New" panose="02070309020205020404" pitchFamily="49" charset="0"/>
+                <a:cs typeface="Courier New" panose="02070309020205020404" pitchFamily="49" charset="0"/>
+              </a:rPr>
+              <a:t>mydist</a:t>
+            </a:r>
+            <a:endParaRPr lang="en-GB" sz="2000" b="1" dirty="0">
+              <a:solidFill>
+                <a:srgbClr val="0000CC"/>
+              </a:solidFill>
+              <a:latin typeface="Courier New" panose="02070309020205020404" pitchFamily="49" charset="0"/>
+              <a:cs typeface="Courier New" panose="02070309020205020404" pitchFamily="49" charset="0"/>
+            </a:endParaRPr>
+          </a:p>
+          <a:p>
+            <a:pPr marL="0" indent="0">
+              <a:buNone/>
+            </a:pPr>
+            <a:r>
+              <a:rPr lang="en-GB" sz="2000" b="1" dirty="0">
+                <a:latin typeface="Courier New" panose="02070309020205020404" pitchFamily="49" charset="0"/>
+                <a:cs typeface="Courier New" panose="02070309020205020404" pitchFamily="49" charset="0"/>
               </a:rPr>
               <a:t> </a:t>
             </a:r>
             <a:r>
-              <a:rPr lang="en-GB" dirty="0"/>
-              <a:t>and find the subsection “See also”. Find the first R function mentioned in that subsection. Remove the first letter and write down the result.</a:t>
-            </a:r>
-          </a:p>
-          <a:p>
-            <a:pPr marL="0" indent="0">
-              <a:buNone/>
-            </a:pPr>
-            <a:r>
-              <a:rPr lang="en-GB" dirty="0"/>
-              <a:t>7. Find R citation information using </a:t>
-            </a:r>
-            <a:r>
-              <a:rPr lang="en-GB" dirty="0">
-                <a:solidFill>
-                  <a:srgbClr val="0000CC"/>
-                </a:solidFill>
-              </a:rPr>
-              <a:t>citation()</a:t>
-            </a:r>
-            <a:r>
-              <a:rPr lang="en-GB" dirty="0"/>
-              <a:t>. Take the 3</a:t>
-            </a:r>
-            <a:r>
-              <a:rPr lang="en-GB" baseline="30000" dirty="0"/>
-              <a:t>rd</a:t>
-            </a:r>
-            <a:r>
-              <a:rPr lang="en-GB" dirty="0"/>
-              <a:t> word and write down the letter.</a:t>
-            </a:r>
-          </a:p>
-          <a:p>
-            <a:pPr marL="0" indent="0">
-              <a:buNone/>
-            </a:pPr>
-            <a:r>
-              <a:rPr lang="en-GB" dirty="0"/>
-              <a:t>8. Put all words together!</a:t>
-            </a:r>
-          </a:p>
-          <a:p>
-            <a:pPr marL="0" indent="0">
-              <a:buNone/>
-            </a:pPr>
-            <a:endParaRPr lang="en-GB" dirty="0"/>
-          </a:p>
-          <a:p>
-            <a:pPr marL="0" indent="0">
-              <a:buNone/>
-            </a:pPr>
-            <a:endParaRPr lang="en-GB" dirty="0"/>
-          </a:p>
-          <a:p>
-            <a:pPr marL="0" indent="0">
-              <a:buNone/>
-            </a:pPr>
-            <a:endParaRPr lang="en-GB" dirty="0"/>
+              <a:rPr lang="de-DE" sz="2000" b="1" dirty="0">
+                <a:latin typeface="Courier New" panose="02070309020205020404" pitchFamily="49" charset="0"/>
+                <a:cs typeface="Courier New" panose="02070309020205020404" pitchFamily="49" charset="0"/>
+              </a:rPr>
+              <a:t> 		Frankfurt Stockholm Tampere</a:t>
+            </a:r>
+          </a:p>
+          <a:p>
+            <a:pPr marL="0" indent="0">
+              <a:buNone/>
+            </a:pPr>
+            <a:r>
+              <a:rPr lang="de-DE" sz="2000" b="1" dirty="0">
+                <a:latin typeface="Courier New" panose="02070309020205020404" pitchFamily="49" charset="0"/>
+                <a:cs typeface="Courier New" panose="02070309020205020404" pitchFamily="49" charset="0"/>
+              </a:rPr>
+              <a:t>Frankfurt         0      1186    1572</a:t>
+            </a:r>
+          </a:p>
+          <a:p>
+            <a:pPr marL="0" indent="0">
+              <a:buNone/>
+            </a:pPr>
+            <a:r>
+              <a:rPr lang="de-DE" sz="2000" b="1" dirty="0">
+                <a:latin typeface="Courier New" panose="02070309020205020404" pitchFamily="49" charset="0"/>
+                <a:cs typeface="Courier New" panose="02070309020205020404" pitchFamily="49" charset="0"/>
+              </a:rPr>
+              <a:t>Stockholm      1186         0     395</a:t>
+            </a:r>
+          </a:p>
+          <a:p>
+            <a:pPr marL="0" indent="0">
+              <a:buNone/>
+            </a:pPr>
+            <a:r>
+              <a:rPr lang="de-DE" sz="2000" b="1" dirty="0">
+                <a:latin typeface="Courier New" panose="02070309020205020404" pitchFamily="49" charset="0"/>
+                <a:cs typeface="Courier New" panose="02070309020205020404" pitchFamily="49" charset="0"/>
+              </a:rPr>
+              <a:t>Tampere        1572       395       0</a:t>
+            </a:r>
+          </a:p>
+          <a:p>
+            <a:pPr marL="0" indent="0">
+              <a:buNone/>
+            </a:pPr>
+            <a:r>
+              <a:rPr lang="fr-FR" sz="2000" b="1" dirty="0">
+                <a:solidFill>
+                  <a:srgbClr val="0000CC"/>
+                </a:solidFill>
+                <a:latin typeface="Courier New" panose="02070309020205020404" pitchFamily="49" charset="0"/>
+                <a:cs typeface="Courier New" panose="02070309020205020404" pitchFamily="49" charset="0"/>
+              </a:rPr>
+              <a:t>&gt; </a:t>
+            </a:r>
+            <a:r>
+              <a:rPr lang="fr-FR" sz="2000" b="1" dirty="0" err="1">
+                <a:solidFill>
+                  <a:srgbClr val="0000CC"/>
+                </a:solidFill>
+                <a:latin typeface="Courier New" panose="02070309020205020404" pitchFamily="49" charset="0"/>
+                <a:cs typeface="Courier New" panose="02070309020205020404" pitchFamily="49" charset="0"/>
+              </a:rPr>
+              <a:t>is</a:t>
+            </a:r>
+            <a:r>
+              <a:rPr lang="fr-FR" sz="2000" b="1" dirty="0">
+                <a:solidFill>
+                  <a:srgbClr val="0000CC"/>
+                </a:solidFill>
+                <a:latin typeface="Courier New" panose="02070309020205020404" pitchFamily="49" charset="0"/>
+                <a:cs typeface="Courier New" panose="02070309020205020404" pitchFamily="49" charset="0"/>
+              </a:rPr>
+              <a:t>(</a:t>
+            </a:r>
+            <a:r>
+              <a:rPr lang="fr-FR" sz="2000" b="1" dirty="0" err="1">
+                <a:solidFill>
+                  <a:srgbClr val="0000CC"/>
+                </a:solidFill>
+                <a:latin typeface="Courier New" panose="02070309020205020404" pitchFamily="49" charset="0"/>
+                <a:cs typeface="Courier New" panose="02070309020205020404" pitchFamily="49" charset="0"/>
+              </a:rPr>
+              <a:t>mydist</a:t>
+            </a:r>
+            <a:r>
+              <a:rPr lang="fr-FR" sz="2000" b="1" dirty="0">
+                <a:solidFill>
+                  <a:srgbClr val="0000CC"/>
+                </a:solidFill>
+                <a:latin typeface="Courier New" panose="02070309020205020404" pitchFamily="49" charset="0"/>
+                <a:cs typeface="Courier New" panose="02070309020205020404" pitchFamily="49" charset="0"/>
+              </a:rPr>
+              <a:t>)</a:t>
+            </a:r>
+          </a:p>
+          <a:p>
+            <a:pPr marL="0" indent="0">
+              <a:buNone/>
+            </a:pPr>
+            <a:r>
+              <a:rPr lang="fr-FR" sz="2000" b="1" dirty="0">
+                <a:latin typeface="Courier New" panose="02070309020205020404" pitchFamily="49" charset="0"/>
+                <a:cs typeface="Courier New" panose="02070309020205020404" pitchFamily="49" charset="0"/>
+              </a:rPr>
+              <a:t>[1] "matrix"    "</a:t>
+            </a:r>
+            <a:r>
+              <a:rPr lang="fr-FR" sz="2000" b="1" dirty="0" err="1">
+                <a:latin typeface="Courier New" panose="02070309020205020404" pitchFamily="49" charset="0"/>
+                <a:cs typeface="Courier New" panose="02070309020205020404" pitchFamily="49" charset="0"/>
+              </a:rPr>
+              <a:t>array</a:t>
+            </a:r>
+            <a:r>
+              <a:rPr lang="fr-FR" sz="2000" b="1" dirty="0">
+                <a:latin typeface="Courier New" panose="02070309020205020404" pitchFamily="49" charset="0"/>
+                <a:cs typeface="Courier New" panose="02070309020205020404" pitchFamily="49" charset="0"/>
+              </a:rPr>
+              <a:t>"     "</a:t>
+            </a:r>
+            <a:r>
+              <a:rPr lang="fr-FR" sz="2000" b="1" dirty="0" err="1">
+                <a:latin typeface="Courier New" panose="02070309020205020404" pitchFamily="49" charset="0"/>
+                <a:cs typeface="Courier New" panose="02070309020205020404" pitchFamily="49" charset="0"/>
+              </a:rPr>
+              <a:t>mMatrix</a:t>
+            </a:r>
+            <a:r>
+              <a:rPr lang="fr-FR" sz="2000" b="1" dirty="0">
+                <a:latin typeface="Courier New" panose="02070309020205020404" pitchFamily="49" charset="0"/>
+                <a:cs typeface="Courier New" panose="02070309020205020404" pitchFamily="49" charset="0"/>
+              </a:rPr>
+              <a:t>"   "structure" "</a:t>
+            </a:r>
+            <a:r>
+              <a:rPr lang="fr-FR" sz="2000" b="1" dirty="0" err="1">
+                <a:latin typeface="Courier New" panose="02070309020205020404" pitchFamily="49" charset="0"/>
+                <a:cs typeface="Courier New" panose="02070309020205020404" pitchFamily="49" charset="0"/>
+              </a:rPr>
+              <a:t>vector</a:t>
+            </a:r>
+            <a:r>
+              <a:rPr lang="fr-FR" sz="2000" b="1" dirty="0">
+                <a:latin typeface="Courier New" panose="02070309020205020404" pitchFamily="49" charset="0"/>
+                <a:cs typeface="Courier New" panose="02070309020205020404" pitchFamily="49" charset="0"/>
+              </a:rPr>
+              <a:t>" </a:t>
+            </a:r>
+            <a:endParaRPr lang="en-GB" sz="2000" b="1" dirty="0">
+              <a:latin typeface="Courier New" panose="02070309020205020404" pitchFamily="49" charset="0"/>
+              <a:cs typeface="Courier New" panose="02070309020205020404" pitchFamily="49" charset="0"/>
+            </a:endParaRPr>
           </a:p>
         </p:txBody>
       </p:sp>
     </p:spTree>
     <p:extLst>
       <p:ext uri="{BB962C8B-B14F-4D97-AF65-F5344CB8AC3E}">
-        <p14:creationId xmlns:p14="http://schemas.microsoft.com/office/powerpoint/2010/main" val="3145325310"/>
+        <p14:creationId xmlns:p14="http://schemas.microsoft.com/office/powerpoint/2010/main" val="515635782"/>
       </p:ext>
     </p:extLst>
   </p:cSld>
@@ -10076,6 +10529,838 @@
           <p:cNvPr id="2" name="Title 1">
             <a:extLst>
               <a:ext uri="{FF2B5EF4-FFF2-40B4-BE49-F238E27FC236}">
+                <a16:creationId xmlns:a16="http://schemas.microsoft.com/office/drawing/2014/main" id="{29453B7D-78AD-405F-8F3A-BE5F8E1DDB21}"/>
+              </a:ext>
+            </a:extLst>
+          </p:cNvPr>
+          <p:cNvSpPr>
+            <a:spLocks noGrp="1"/>
+          </p:cNvSpPr>
+          <p:nvPr>
+            <p:ph type="title"/>
+          </p:nvPr>
+        </p:nvSpPr>
+        <p:spPr/>
+        <p:txBody>
+          <a:bodyPr/>
+          <a:lstStyle/>
+          <a:p>
+            <a:r>
+              <a:rPr lang="en-GB" dirty="0"/>
+              <a:t>From matrix to distance matrix</a:t>
+            </a:r>
+          </a:p>
+        </p:txBody>
+      </p:sp>
+      <p:sp>
+        <p:nvSpPr>
+          <p:cNvPr id="3" name="Content Placeholder 2">
+            <a:extLst>
+              <a:ext uri="{FF2B5EF4-FFF2-40B4-BE49-F238E27FC236}">
+                <a16:creationId xmlns:a16="http://schemas.microsoft.com/office/drawing/2014/main" id="{85243D4A-E0FE-4613-9CFB-9BF3B49F0CA9}"/>
+              </a:ext>
+            </a:extLst>
+          </p:cNvPr>
+          <p:cNvSpPr>
+            <a:spLocks noGrp="1"/>
+          </p:cNvSpPr>
+          <p:nvPr>
+            <p:ph idx="1"/>
+          </p:nvPr>
+        </p:nvSpPr>
+        <p:spPr/>
+        <p:txBody>
+          <a:bodyPr>
+            <a:noAutofit/>
+          </a:bodyPr>
+          <a:lstStyle/>
+          <a:p>
+            <a:pPr marL="0" indent="0">
+              <a:buNone/>
+            </a:pPr>
+            <a:r>
+              <a:rPr lang="en-GB" sz="2000" b="1" dirty="0">
+                <a:solidFill>
+                  <a:srgbClr val="0000FF"/>
+                </a:solidFill>
+                <a:latin typeface="Courier New" panose="02070309020205020404" pitchFamily="49" charset="0"/>
+                <a:cs typeface="Courier New" panose="02070309020205020404" pitchFamily="49" charset="0"/>
+              </a:rPr>
+              <a:t>&gt; </a:t>
+            </a:r>
+            <a:r>
+              <a:rPr lang="en-GB" sz="2000" b="1" dirty="0" err="1">
+                <a:solidFill>
+                  <a:srgbClr val="0000FF"/>
+                </a:solidFill>
+                <a:latin typeface="Courier New" panose="02070309020205020404" pitchFamily="49" charset="0"/>
+                <a:cs typeface="Courier New" panose="02070309020205020404" pitchFamily="49" charset="0"/>
+              </a:rPr>
+              <a:t>mydist</a:t>
+            </a:r>
+            <a:r>
+              <a:rPr lang="en-GB" sz="2000" b="1" dirty="0">
+                <a:solidFill>
+                  <a:srgbClr val="0000FF"/>
+                </a:solidFill>
+                <a:latin typeface="Courier New" panose="02070309020205020404" pitchFamily="49" charset="0"/>
+                <a:cs typeface="Courier New" panose="02070309020205020404" pitchFamily="49" charset="0"/>
+              </a:rPr>
+              <a:t> &lt;- </a:t>
+            </a:r>
+            <a:r>
+              <a:rPr lang="en-GB" sz="2000" b="1" dirty="0" err="1">
+                <a:solidFill>
+                  <a:srgbClr val="0000FF"/>
+                </a:solidFill>
+                <a:latin typeface="Courier New" panose="02070309020205020404" pitchFamily="49" charset="0"/>
+                <a:cs typeface="Courier New" panose="02070309020205020404" pitchFamily="49" charset="0"/>
+              </a:rPr>
+              <a:t>as.dist</a:t>
+            </a:r>
+            <a:r>
+              <a:rPr lang="en-GB" sz="2000" b="1" dirty="0">
+                <a:solidFill>
+                  <a:srgbClr val="0000FF"/>
+                </a:solidFill>
+                <a:latin typeface="Courier New" panose="02070309020205020404" pitchFamily="49" charset="0"/>
+                <a:cs typeface="Courier New" panose="02070309020205020404" pitchFamily="49" charset="0"/>
+              </a:rPr>
+              <a:t>(</a:t>
+            </a:r>
+            <a:r>
+              <a:rPr lang="en-GB" sz="2000" b="1" dirty="0" err="1">
+                <a:solidFill>
+                  <a:srgbClr val="0000FF"/>
+                </a:solidFill>
+                <a:latin typeface="Courier New" panose="02070309020205020404" pitchFamily="49" charset="0"/>
+                <a:cs typeface="Courier New" panose="02070309020205020404" pitchFamily="49" charset="0"/>
+              </a:rPr>
+              <a:t>mydist</a:t>
+            </a:r>
+            <a:r>
+              <a:rPr lang="en-GB" sz="2000" b="1" dirty="0">
+                <a:solidFill>
+                  <a:srgbClr val="0000FF"/>
+                </a:solidFill>
+                <a:latin typeface="Courier New" panose="02070309020205020404" pitchFamily="49" charset="0"/>
+                <a:cs typeface="Courier New" panose="02070309020205020404" pitchFamily="49" charset="0"/>
+              </a:rPr>
+              <a:t>)</a:t>
+            </a:r>
+          </a:p>
+          <a:p>
+            <a:pPr marL="0" indent="0">
+              <a:buNone/>
+            </a:pPr>
+            <a:r>
+              <a:rPr lang="en-GB" sz="2000" b="1" dirty="0">
+                <a:solidFill>
+                  <a:srgbClr val="0000FF"/>
+                </a:solidFill>
+                <a:latin typeface="Courier New" panose="02070309020205020404" pitchFamily="49" charset="0"/>
+                <a:cs typeface="Courier New" panose="02070309020205020404" pitchFamily="49" charset="0"/>
+              </a:rPr>
+              <a:t>&gt; </a:t>
+            </a:r>
+            <a:r>
+              <a:rPr lang="en-GB" sz="2000" b="1" dirty="0" err="1">
+                <a:solidFill>
+                  <a:srgbClr val="0000FF"/>
+                </a:solidFill>
+                <a:latin typeface="Courier New" panose="02070309020205020404" pitchFamily="49" charset="0"/>
+                <a:cs typeface="Courier New" panose="02070309020205020404" pitchFamily="49" charset="0"/>
+              </a:rPr>
+              <a:t>mydist</a:t>
+            </a:r>
+            <a:endParaRPr lang="en-GB" sz="2000" b="1" dirty="0">
+              <a:solidFill>
+                <a:srgbClr val="0000FF"/>
+              </a:solidFill>
+              <a:latin typeface="Courier New" panose="02070309020205020404" pitchFamily="49" charset="0"/>
+              <a:cs typeface="Courier New" panose="02070309020205020404" pitchFamily="49" charset="0"/>
+            </a:endParaRPr>
+          </a:p>
+          <a:p>
+            <a:pPr marL="0" indent="0">
+              <a:buNone/>
+            </a:pPr>
+            <a:r>
+              <a:rPr lang="en-GB" sz="2000" b="1" dirty="0">
+                <a:latin typeface="Courier New" panose="02070309020205020404" pitchFamily="49" charset="0"/>
+                <a:cs typeface="Courier New" panose="02070309020205020404" pitchFamily="49" charset="0"/>
+              </a:rPr>
+              <a:t>		 </a:t>
+            </a:r>
+            <a:r>
+              <a:rPr lang="de-DE" sz="2000" b="1" dirty="0">
+                <a:latin typeface="Courier New" panose="02070309020205020404" pitchFamily="49" charset="0"/>
+                <a:cs typeface="Courier New" panose="02070309020205020404" pitchFamily="49" charset="0"/>
+              </a:rPr>
+              <a:t> Frankfurt Stockholm</a:t>
+            </a:r>
+          </a:p>
+          <a:p>
+            <a:pPr marL="0" indent="0">
+              <a:buNone/>
+            </a:pPr>
+            <a:r>
+              <a:rPr lang="de-DE" sz="2000" b="1" dirty="0">
+                <a:latin typeface="Courier New" panose="02070309020205020404" pitchFamily="49" charset="0"/>
+                <a:cs typeface="Courier New" panose="02070309020205020404" pitchFamily="49" charset="0"/>
+              </a:rPr>
+              <a:t>Stockholm      1186          </a:t>
+            </a:r>
+          </a:p>
+          <a:p>
+            <a:pPr marL="0" indent="0">
+              <a:buNone/>
+            </a:pPr>
+            <a:r>
+              <a:rPr lang="de-DE" sz="2000" b="1" dirty="0">
+                <a:latin typeface="Courier New" panose="02070309020205020404" pitchFamily="49" charset="0"/>
+                <a:cs typeface="Courier New" panose="02070309020205020404" pitchFamily="49" charset="0"/>
+              </a:rPr>
+              <a:t>Tampere        1572       395</a:t>
+            </a:r>
+          </a:p>
+          <a:p>
+            <a:pPr marL="0" indent="0">
+              <a:buNone/>
+            </a:pPr>
+            <a:r>
+              <a:rPr lang="en-GB" sz="2000" b="1" dirty="0">
+                <a:solidFill>
+                  <a:srgbClr val="0000CC"/>
+                </a:solidFill>
+                <a:latin typeface="Courier New" panose="02070309020205020404" pitchFamily="49" charset="0"/>
+                <a:cs typeface="Courier New" panose="02070309020205020404" pitchFamily="49" charset="0"/>
+              </a:rPr>
+              <a:t>&gt; is(</a:t>
+            </a:r>
+            <a:r>
+              <a:rPr lang="en-GB" sz="2000" b="1" dirty="0" err="1">
+                <a:solidFill>
+                  <a:srgbClr val="0000CC"/>
+                </a:solidFill>
+                <a:latin typeface="Courier New" panose="02070309020205020404" pitchFamily="49" charset="0"/>
+                <a:cs typeface="Courier New" panose="02070309020205020404" pitchFamily="49" charset="0"/>
+              </a:rPr>
+              <a:t>mydist</a:t>
+            </a:r>
+            <a:r>
+              <a:rPr lang="en-GB" sz="2000" b="1" dirty="0">
+                <a:solidFill>
+                  <a:srgbClr val="0000CC"/>
+                </a:solidFill>
+                <a:latin typeface="Courier New" panose="02070309020205020404" pitchFamily="49" charset="0"/>
+                <a:cs typeface="Courier New" panose="02070309020205020404" pitchFamily="49" charset="0"/>
+              </a:rPr>
+              <a:t>)</a:t>
+            </a:r>
+          </a:p>
+          <a:p>
+            <a:pPr marL="0" indent="0">
+              <a:buNone/>
+            </a:pPr>
+            <a:r>
+              <a:rPr lang="en-GB" sz="2000" b="1" dirty="0">
+                <a:latin typeface="Courier New" panose="02070309020205020404" pitchFamily="49" charset="0"/>
+                <a:cs typeface="Courier New" panose="02070309020205020404" pitchFamily="49" charset="0"/>
+              </a:rPr>
+              <a:t>[1] "</a:t>
+            </a:r>
+            <a:r>
+              <a:rPr lang="en-GB" sz="2000" b="1" dirty="0" err="1">
+                <a:latin typeface="Courier New" panose="02070309020205020404" pitchFamily="49" charset="0"/>
+                <a:cs typeface="Courier New" panose="02070309020205020404" pitchFamily="49" charset="0"/>
+              </a:rPr>
+              <a:t>dist</a:t>
+            </a:r>
+            <a:r>
+              <a:rPr lang="en-GB" sz="2000" b="1" dirty="0">
+                <a:latin typeface="Courier New" panose="02070309020205020404" pitchFamily="49" charset="0"/>
+                <a:cs typeface="Courier New" panose="02070309020205020404" pitchFamily="49" charset="0"/>
+              </a:rPr>
+              <a:t>"</a:t>
+            </a:r>
+          </a:p>
+        </p:txBody>
+      </p:sp>
+    </p:spTree>
+    <p:extLst>
+      <p:ext uri="{BB962C8B-B14F-4D97-AF65-F5344CB8AC3E}">
+        <p14:creationId xmlns:p14="http://schemas.microsoft.com/office/powerpoint/2010/main" val="2831047475"/>
+      </p:ext>
+    </p:extLst>
+  </p:cSld>
+  <p:clrMapOvr>
+    <a:masterClrMapping/>
+  </p:clrMapOvr>
+</p:sld>
+</file>
+
+<file path=ppt/slides/slide35.xml><?xml version="1.0" encoding="utf-8"?>
+<p:sld xmlns:a="http://schemas.openxmlformats.org/drawingml/2006/main" xmlns:r="http://schemas.openxmlformats.org/officeDocument/2006/relationships" xmlns:p="http://schemas.openxmlformats.org/presentationml/2006/main">
+  <p:cSld>
+    <p:spTree>
+      <p:nvGrpSpPr>
+        <p:cNvPr id="1" name=""/>
+        <p:cNvGrpSpPr/>
+        <p:nvPr/>
+      </p:nvGrpSpPr>
+      <p:grpSpPr>
+        <a:xfrm>
+          <a:off x="0" y="0"/>
+          <a:ext cx="0" cy="0"/>
+          <a:chOff x="0" y="0"/>
+          <a:chExt cx="0" cy="0"/>
+        </a:xfrm>
+      </p:grpSpPr>
+      <p:sp>
+        <p:nvSpPr>
+          <p:cNvPr id="2" name="Title 1">
+            <a:extLst>
+              <a:ext uri="{FF2B5EF4-FFF2-40B4-BE49-F238E27FC236}">
+                <a16:creationId xmlns:a16="http://schemas.microsoft.com/office/drawing/2014/main" id="{149789B9-C4C5-443E-B0AA-1AE8FA1A5604}"/>
+              </a:ext>
+            </a:extLst>
+          </p:cNvPr>
+          <p:cNvSpPr>
+            <a:spLocks noGrp="1"/>
+          </p:cNvSpPr>
+          <p:nvPr>
+            <p:ph type="title"/>
+          </p:nvPr>
+        </p:nvSpPr>
+        <p:spPr/>
+        <p:txBody>
+          <a:bodyPr/>
+          <a:lstStyle/>
+          <a:p>
+            <a:r>
+              <a:rPr lang="en-GB" dirty="0"/>
+              <a:t>… and back</a:t>
+            </a:r>
+          </a:p>
+        </p:txBody>
+      </p:sp>
+      <p:sp>
+        <p:nvSpPr>
+          <p:cNvPr id="3" name="Content Placeholder 2">
+            <a:extLst>
+              <a:ext uri="{FF2B5EF4-FFF2-40B4-BE49-F238E27FC236}">
+                <a16:creationId xmlns:a16="http://schemas.microsoft.com/office/drawing/2014/main" id="{4518377A-8E4C-4F9E-A9A6-1A0BDCFA1575}"/>
+              </a:ext>
+            </a:extLst>
+          </p:cNvPr>
+          <p:cNvSpPr>
+            <a:spLocks noGrp="1"/>
+          </p:cNvSpPr>
+          <p:nvPr>
+            <p:ph idx="1"/>
+          </p:nvPr>
+        </p:nvSpPr>
+        <p:spPr/>
+        <p:txBody>
+          <a:bodyPr/>
+          <a:lstStyle/>
+          <a:p>
+            <a:pPr marL="0" indent="0">
+              <a:buNone/>
+            </a:pPr>
+            <a:r>
+              <a:rPr lang="en-GB" sz="2000" b="1" dirty="0">
+                <a:solidFill>
+                  <a:srgbClr val="0000FF"/>
+                </a:solidFill>
+                <a:latin typeface="Courier New" panose="02070309020205020404" pitchFamily="49" charset="0"/>
+                <a:cs typeface="Courier New" panose="02070309020205020404" pitchFamily="49" charset="0"/>
+              </a:rPr>
+              <a:t>&gt; m &lt;- </a:t>
+            </a:r>
+            <a:r>
+              <a:rPr lang="en-GB" sz="2000" b="1" dirty="0" err="1">
+                <a:solidFill>
+                  <a:srgbClr val="0000FF"/>
+                </a:solidFill>
+                <a:latin typeface="Courier New" panose="02070309020205020404" pitchFamily="49" charset="0"/>
+                <a:cs typeface="Courier New" panose="02070309020205020404" pitchFamily="49" charset="0"/>
+              </a:rPr>
+              <a:t>as.matrix</a:t>
+            </a:r>
+            <a:r>
+              <a:rPr lang="en-GB" sz="2000" b="1" dirty="0">
+                <a:solidFill>
+                  <a:srgbClr val="0000FF"/>
+                </a:solidFill>
+                <a:latin typeface="Courier New" panose="02070309020205020404" pitchFamily="49" charset="0"/>
+                <a:cs typeface="Courier New" panose="02070309020205020404" pitchFamily="49" charset="0"/>
+              </a:rPr>
+              <a:t>(</a:t>
+            </a:r>
+            <a:r>
+              <a:rPr lang="en-GB" sz="2000" b="1" dirty="0" err="1">
+                <a:solidFill>
+                  <a:srgbClr val="0000FF"/>
+                </a:solidFill>
+                <a:latin typeface="Courier New" panose="02070309020205020404" pitchFamily="49" charset="0"/>
+                <a:cs typeface="Courier New" panose="02070309020205020404" pitchFamily="49" charset="0"/>
+              </a:rPr>
+              <a:t>mydist</a:t>
+            </a:r>
+            <a:r>
+              <a:rPr lang="en-GB" sz="2000" b="1" dirty="0">
+                <a:solidFill>
+                  <a:srgbClr val="0000FF"/>
+                </a:solidFill>
+                <a:latin typeface="Courier New" panose="02070309020205020404" pitchFamily="49" charset="0"/>
+                <a:cs typeface="Courier New" panose="02070309020205020404" pitchFamily="49" charset="0"/>
+              </a:rPr>
+              <a:t>)</a:t>
+            </a:r>
+          </a:p>
+          <a:p>
+            <a:pPr marL="0" indent="0">
+              <a:buNone/>
+            </a:pPr>
+            <a:r>
+              <a:rPr lang="en-GB" sz="2000" b="1" dirty="0">
+                <a:solidFill>
+                  <a:srgbClr val="0000FF"/>
+                </a:solidFill>
+                <a:latin typeface="Courier New" panose="02070309020205020404" pitchFamily="49" charset="0"/>
+                <a:cs typeface="Courier New" panose="02070309020205020404" pitchFamily="49" charset="0"/>
+              </a:rPr>
+              <a:t>&gt; m</a:t>
+            </a:r>
+          </a:p>
+          <a:p>
+            <a:pPr marL="0" indent="0">
+              <a:buNone/>
+            </a:pPr>
+            <a:r>
+              <a:rPr lang="de-DE" sz="2000" b="1" dirty="0">
+                <a:latin typeface="Courier New" panose="02070309020205020404" pitchFamily="49" charset="0"/>
+                <a:cs typeface="Courier New" panose="02070309020205020404" pitchFamily="49" charset="0"/>
+              </a:rPr>
+              <a:t> 		Frankfurt Stockholm Tampere</a:t>
+            </a:r>
+          </a:p>
+          <a:p>
+            <a:pPr marL="0" indent="0">
+              <a:buNone/>
+            </a:pPr>
+            <a:r>
+              <a:rPr lang="de-DE" sz="2000" b="1" dirty="0">
+                <a:latin typeface="Courier New" panose="02070309020205020404" pitchFamily="49" charset="0"/>
+                <a:cs typeface="Courier New" panose="02070309020205020404" pitchFamily="49" charset="0"/>
+              </a:rPr>
+              <a:t>Frankfurt         0      1186    1572</a:t>
+            </a:r>
+          </a:p>
+          <a:p>
+            <a:pPr marL="0" indent="0">
+              <a:buNone/>
+            </a:pPr>
+            <a:r>
+              <a:rPr lang="de-DE" sz="2000" b="1" dirty="0">
+                <a:latin typeface="Courier New" panose="02070309020205020404" pitchFamily="49" charset="0"/>
+                <a:cs typeface="Courier New" panose="02070309020205020404" pitchFamily="49" charset="0"/>
+              </a:rPr>
+              <a:t>Stockholm      1186         0     395</a:t>
+            </a:r>
+          </a:p>
+          <a:p>
+            <a:pPr marL="0" indent="0">
+              <a:buNone/>
+            </a:pPr>
+            <a:r>
+              <a:rPr lang="de-DE" sz="2000" b="1" dirty="0">
+                <a:latin typeface="Courier New" panose="02070309020205020404" pitchFamily="49" charset="0"/>
+                <a:cs typeface="Courier New" panose="02070309020205020404" pitchFamily="49" charset="0"/>
+              </a:rPr>
+              <a:t>Tampere        1572       395       0</a:t>
+            </a:r>
+            <a:endParaRPr lang="en-GB" sz="2000" b="1" dirty="0">
+              <a:latin typeface="Courier New" panose="02070309020205020404" pitchFamily="49" charset="0"/>
+              <a:cs typeface="Courier New" panose="02070309020205020404" pitchFamily="49" charset="0"/>
+            </a:endParaRPr>
+          </a:p>
+          <a:p>
+            <a:endParaRPr lang="en-GB" dirty="0"/>
+          </a:p>
+        </p:txBody>
+      </p:sp>
+    </p:spTree>
+    <p:extLst>
+      <p:ext uri="{BB962C8B-B14F-4D97-AF65-F5344CB8AC3E}">
+        <p14:creationId xmlns:p14="http://schemas.microsoft.com/office/powerpoint/2010/main" val="652483614"/>
+      </p:ext>
+    </p:extLst>
+  </p:cSld>
+  <p:clrMapOvr>
+    <a:masterClrMapping/>
+  </p:clrMapOvr>
+</p:sld>
+</file>
+
+<file path=ppt/slides/slide36.xml><?xml version="1.0" encoding="utf-8"?>
+<p:sld xmlns:a="http://schemas.openxmlformats.org/drawingml/2006/main" xmlns:r="http://schemas.openxmlformats.org/officeDocument/2006/relationships" xmlns:p="http://schemas.openxmlformats.org/presentationml/2006/main">
+  <p:cSld>
+    <p:spTree>
+      <p:nvGrpSpPr>
+        <p:cNvPr id="1" name=""/>
+        <p:cNvGrpSpPr/>
+        <p:nvPr/>
+      </p:nvGrpSpPr>
+      <p:grpSpPr>
+        <a:xfrm>
+          <a:off x="0" y="0"/>
+          <a:ext cx="0" cy="0"/>
+          <a:chOff x="0" y="0"/>
+          <a:chExt cx="0" cy="0"/>
+        </a:xfrm>
+      </p:grpSpPr>
+      <p:sp>
+        <p:nvSpPr>
+          <p:cNvPr id="2" name="Title 1">
+            <a:extLst>
+              <a:ext uri="{FF2B5EF4-FFF2-40B4-BE49-F238E27FC236}">
+                <a16:creationId xmlns:a16="http://schemas.microsoft.com/office/drawing/2014/main" id="{3B47F2A9-7E80-4477-A37C-FE6A942F4AE0}"/>
+              </a:ext>
+            </a:extLst>
+          </p:cNvPr>
+          <p:cNvSpPr>
+            <a:spLocks noGrp="1"/>
+          </p:cNvSpPr>
+          <p:nvPr>
+            <p:ph type="title"/>
+          </p:nvPr>
+        </p:nvSpPr>
+        <p:spPr/>
+        <p:txBody>
+          <a:bodyPr/>
+          <a:lstStyle/>
+          <a:p>
+            <a:r>
+              <a:rPr lang="en-GB" dirty="0"/>
+              <a:t>Exercise	</a:t>
+            </a:r>
+          </a:p>
+        </p:txBody>
+      </p:sp>
+      <p:sp>
+        <p:nvSpPr>
+          <p:cNvPr id="3" name="Content Placeholder 2">
+            <a:extLst>
+              <a:ext uri="{FF2B5EF4-FFF2-40B4-BE49-F238E27FC236}">
+                <a16:creationId xmlns:a16="http://schemas.microsoft.com/office/drawing/2014/main" id="{B406A378-A608-44CE-9E08-13620711500F}"/>
+              </a:ext>
+            </a:extLst>
+          </p:cNvPr>
+          <p:cNvSpPr>
+            <a:spLocks noGrp="1"/>
+          </p:cNvSpPr>
+          <p:nvPr>
+            <p:ph idx="1"/>
+          </p:nvPr>
+        </p:nvSpPr>
+        <p:spPr/>
+        <p:txBody>
+          <a:bodyPr/>
+          <a:lstStyle/>
+          <a:p>
+            <a:r>
+              <a:rPr lang="en-GB" dirty="0"/>
+              <a:t>Make your own distance matrix, depending on where you have travelled to this summer.</a:t>
+            </a:r>
+          </a:p>
+        </p:txBody>
+      </p:sp>
+    </p:spTree>
+    <p:extLst>
+      <p:ext uri="{BB962C8B-B14F-4D97-AF65-F5344CB8AC3E}">
+        <p14:creationId xmlns:p14="http://schemas.microsoft.com/office/powerpoint/2010/main" val="3677505604"/>
+      </p:ext>
+    </p:extLst>
+  </p:cSld>
+  <p:clrMapOvr>
+    <a:masterClrMapping/>
+  </p:clrMapOvr>
+</p:sld>
+</file>
+
+<file path=ppt/slides/slide37.xml><?xml version="1.0" encoding="utf-8"?>
+<p:sld xmlns:a="http://schemas.openxmlformats.org/drawingml/2006/main" xmlns:r="http://schemas.openxmlformats.org/officeDocument/2006/relationships" xmlns:p="http://schemas.openxmlformats.org/presentationml/2006/main">
+  <p:cSld>
+    <p:spTree>
+      <p:nvGrpSpPr>
+        <p:cNvPr id="1" name=""/>
+        <p:cNvGrpSpPr/>
+        <p:nvPr/>
+      </p:nvGrpSpPr>
+      <p:grpSpPr>
+        <a:xfrm>
+          <a:off x="0" y="0"/>
+          <a:ext cx="0" cy="0"/>
+          <a:chOff x="0" y="0"/>
+          <a:chExt cx="0" cy="0"/>
+        </a:xfrm>
+      </p:grpSpPr>
+      <p:sp>
+        <p:nvSpPr>
+          <p:cNvPr id="2" name="Title 1">
+            <a:extLst>
+              <a:ext uri="{FF2B5EF4-FFF2-40B4-BE49-F238E27FC236}">
+                <a16:creationId xmlns:a16="http://schemas.microsoft.com/office/drawing/2014/main" id="{A5F059F6-4142-4B10-84D0-E32FEBE2F6E4}"/>
+              </a:ext>
+            </a:extLst>
+          </p:cNvPr>
+          <p:cNvSpPr>
+            <a:spLocks noGrp="1"/>
+          </p:cNvSpPr>
+          <p:nvPr>
+            <p:ph type="title"/>
+          </p:nvPr>
+        </p:nvSpPr>
+        <p:spPr/>
+        <p:txBody>
+          <a:bodyPr/>
+          <a:lstStyle/>
+          <a:p>
+            <a:r>
+              <a:rPr lang="en-GB" dirty="0"/>
+              <a:t>Quest</a:t>
+            </a:r>
+          </a:p>
+        </p:txBody>
+      </p:sp>
+      <p:sp>
+        <p:nvSpPr>
+          <p:cNvPr id="3" name="Content Placeholder 2">
+            <a:extLst>
+              <a:ext uri="{FF2B5EF4-FFF2-40B4-BE49-F238E27FC236}">
+                <a16:creationId xmlns:a16="http://schemas.microsoft.com/office/drawing/2014/main" id="{599EC34C-90A6-4E80-80C1-4660B14B28A3}"/>
+              </a:ext>
+            </a:extLst>
+          </p:cNvPr>
+          <p:cNvSpPr>
+            <a:spLocks noGrp="1"/>
+          </p:cNvSpPr>
+          <p:nvPr>
+            <p:ph idx="1"/>
+          </p:nvPr>
+        </p:nvSpPr>
+        <p:spPr/>
+        <p:txBody>
+          <a:bodyPr>
+            <a:normAutofit fontScale="85000" lnSpcReduction="20000"/>
+          </a:bodyPr>
+          <a:lstStyle/>
+          <a:p>
+            <a:pPr marL="0" indent="0">
+              <a:buNone/>
+            </a:pPr>
+            <a:r>
+              <a:rPr lang="en-GB" dirty="0"/>
+              <a:t>1.  Compute the square root of 1681.</a:t>
+            </a:r>
+          </a:p>
+          <a:p>
+            <a:pPr marL="0" indent="0">
+              <a:buNone/>
+            </a:pPr>
+            <a:r>
+              <a:rPr lang="en-GB" dirty="0"/>
+              <a:t>2.  Type in R: </a:t>
+            </a:r>
+            <a:r>
+              <a:rPr lang="en-GB" dirty="0" err="1">
+                <a:solidFill>
+                  <a:srgbClr val="0000CC"/>
+                </a:solidFill>
+              </a:rPr>
+              <a:t>set.seed</a:t>
+            </a:r>
+            <a:r>
+              <a:rPr lang="en-GB" dirty="0">
+                <a:solidFill>
+                  <a:srgbClr val="0000CC"/>
+                </a:solidFill>
+              </a:rPr>
+              <a:t>(x)</a:t>
+            </a:r>
+            <a:r>
+              <a:rPr lang="en-GB" dirty="0"/>
+              <a:t>, where x is the result of step 1.	</a:t>
+            </a:r>
+          </a:p>
+          <a:p>
+            <a:pPr marL="0" indent="0">
+              <a:buNone/>
+            </a:pPr>
+            <a:r>
+              <a:rPr lang="en-GB" dirty="0"/>
+              <a:t>3. Create a random sample of 100 numbers from 1 to 100.</a:t>
+            </a:r>
+          </a:p>
+          <a:p>
+            <a:pPr marL="0" indent="0">
+              <a:buNone/>
+            </a:pPr>
+            <a:r>
+              <a:rPr lang="en-GB" dirty="0"/>
+              <a:t>4.  Find the 20</a:t>
+            </a:r>
+            <a:r>
+              <a:rPr lang="en-GB" baseline="30000" dirty="0"/>
+              <a:t>th</a:t>
+            </a:r>
+            <a:r>
+              <a:rPr lang="en-GB" dirty="0"/>
+              <a:t> element. This will be your y.</a:t>
+            </a:r>
+          </a:p>
+          <a:p>
+            <a:pPr marL="0" indent="0">
+              <a:buNone/>
+            </a:pPr>
+            <a:r>
+              <a:rPr lang="en-GB" dirty="0"/>
+              <a:t>5. Take the </a:t>
+            </a:r>
+            <a:r>
+              <a:rPr lang="en-GB" dirty="0" err="1"/>
+              <a:t>yth</a:t>
+            </a:r>
+            <a:r>
+              <a:rPr lang="en-GB" dirty="0"/>
+              <a:t> letter in the English alphabet. Write down the letter.</a:t>
+            </a:r>
+          </a:p>
+          <a:p>
+            <a:pPr marL="0" indent="0">
+              <a:buNone/>
+            </a:pPr>
+            <a:r>
+              <a:rPr lang="en-GB" dirty="0"/>
+              <a:t>6. Open the help page of the function </a:t>
+            </a:r>
+            <a:r>
+              <a:rPr lang="en-GB" dirty="0" err="1">
+                <a:solidFill>
+                  <a:srgbClr val="0000CC"/>
+                </a:solidFill>
+              </a:rPr>
+              <a:t>read.table</a:t>
+            </a:r>
+            <a:r>
+              <a:rPr lang="en-GB" dirty="0">
+                <a:solidFill>
+                  <a:srgbClr val="0000CC"/>
+                </a:solidFill>
+              </a:rPr>
+              <a:t> </a:t>
+            </a:r>
+            <a:r>
+              <a:rPr lang="en-GB" dirty="0"/>
+              <a:t>and find the subsection “See also”. Find the first R function mentioned in that subsection. Remove the first letter and write down the result.</a:t>
+            </a:r>
+          </a:p>
+          <a:p>
+            <a:pPr marL="0" indent="0">
+              <a:buNone/>
+            </a:pPr>
+            <a:r>
+              <a:rPr lang="en-GB" dirty="0"/>
+              <a:t>7. Find R citation information using </a:t>
+            </a:r>
+            <a:r>
+              <a:rPr lang="en-GB" dirty="0">
+                <a:solidFill>
+                  <a:srgbClr val="0000CC"/>
+                </a:solidFill>
+              </a:rPr>
+              <a:t>citation()</a:t>
+            </a:r>
+            <a:r>
+              <a:rPr lang="en-GB" dirty="0"/>
+              <a:t>. Take the 3</a:t>
+            </a:r>
+            <a:r>
+              <a:rPr lang="en-GB" baseline="30000" dirty="0"/>
+              <a:t>rd</a:t>
+            </a:r>
+            <a:r>
+              <a:rPr lang="en-GB" dirty="0"/>
+              <a:t> word and write down the letter.</a:t>
+            </a:r>
+          </a:p>
+          <a:p>
+            <a:pPr marL="0" indent="0">
+              <a:buNone/>
+            </a:pPr>
+            <a:r>
+              <a:rPr lang="en-GB" dirty="0"/>
+              <a:t>8. Put all words together!</a:t>
+            </a:r>
+          </a:p>
+          <a:p>
+            <a:pPr marL="0" indent="0">
+              <a:buNone/>
+            </a:pPr>
+            <a:endParaRPr lang="en-GB" dirty="0"/>
+          </a:p>
+          <a:p>
+            <a:pPr marL="0" indent="0">
+              <a:buNone/>
+            </a:pPr>
+            <a:endParaRPr lang="en-GB" dirty="0"/>
+          </a:p>
+          <a:p>
+            <a:pPr marL="0" indent="0">
+              <a:buNone/>
+            </a:pPr>
+            <a:endParaRPr lang="en-GB" dirty="0"/>
+          </a:p>
+        </p:txBody>
+      </p:sp>
+    </p:spTree>
+    <p:extLst>
+      <p:ext uri="{BB962C8B-B14F-4D97-AF65-F5344CB8AC3E}">
+        <p14:creationId xmlns:p14="http://schemas.microsoft.com/office/powerpoint/2010/main" val="3145325310"/>
+      </p:ext>
+    </p:extLst>
+  </p:cSld>
+  <p:clrMapOvr>
+    <a:masterClrMapping/>
+  </p:clrMapOvr>
+</p:sld>
+</file>
+
+<file path=ppt/slides/slide38.xml><?xml version="1.0" encoding="utf-8"?>
+<p:sld xmlns:a="http://schemas.openxmlformats.org/drawingml/2006/main" xmlns:r="http://schemas.openxmlformats.org/officeDocument/2006/relationships" xmlns:p="http://schemas.openxmlformats.org/presentationml/2006/main">
+  <p:cSld>
+    <p:spTree>
+      <p:nvGrpSpPr>
+        <p:cNvPr id="1" name=""/>
+        <p:cNvGrpSpPr/>
+        <p:nvPr/>
+      </p:nvGrpSpPr>
+      <p:grpSpPr>
+        <a:xfrm>
+          <a:off x="0" y="0"/>
+          <a:ext cx="0" cy="0"/>
+          <a:chOff x="0" y="0"/>
+          <a:chExt cx="0" cy="0"/>
+        </a:xfrm>
+      </p:grpSpPr>
+      <p:sp>
+        <p:nvSpPr>
+          <p:cNvPr id="2" name="Title 1">
+            <a:extLst>
+              <a:ext uri="{FF2B5EF4-FFF2-40B4-BE49-F238E27FC236}">
                 <a16:creationId xmlns:a16="http://schemas.microsoft.com/office/drawing/2014/main" id="{A793D32A-0AF6-49A2-A537-2639B577B133}"/>
               </a:ext>
             </a:extLst>
@@ -10180,7 +11465,7 @@
 </p:sld>
 </file>
 
-<file path=ppt/slides/slide35.xml><?xml version="1.0" encoding="utf-8"?>
+<file path=ppt/slides/slide39.xml><?xml version="1.0" encoding="utf-8"?>
 <p:sld xmlns:a="http://schemas.openxmlformats.org/drawingml/2006/main" xmlns:r="http://schemas.openxmlformats.org/officeDocument/2006/relationships" xmlns:p="http://schemas.openxmlformats.org/presentationml/2006/main">
   <p:cSld>
     <p:spTree>
@@ -10274,7 +11559,7 @@
 </p:sld>
 </file>
 
-<file path=ppt/slides/slide36.xml><?xml version="1.0" encoding="utf-8"?>
+<file path=ppt/slides/slide4.xml><?xml version="1.0" encoding="utf-8"?>
 <p:sld xmlns:a="http://schemas.openxmlformats.org/drawingml/2006/main" xmlns:r="http://schemas.openxmlformats.org/officeDocument/2006/relationships" xmlns:p="http://schemas.openxmlformats.org/presentationml/2006/main">
   <p:cSld>
     <p:spTree>
@@ -10308,6 +11593,110 @@
           <a:p>
             <a:r>
               <a:rPr lang="en-US" dirty="0"/>
+              <a:t>Where to get R?</a:t>
+            </a:r>
+            <a:endParaRPr lang="fr-BE" dirty="0"/>
+          </a:p>
+        </p:txBody>
+      </p:sp>
+      <p:sp>
+        <p:nvSpPr>
+          <p:cNvPr id="3" name="Content Placeholder 2"/>
+          <p:cNvSpPr>
+            <a:spLocks noGrp="1"/>
+          </p:cNvSpPr>
+          <p:nvPr>
+            <p:ph idx="1"/>
+          </p:nvPr>
+        </p:nvSpPr>
+        <p:spPr/>
+        <p:txBody>
+          <a:bodyPr/>
+          <a:lstStyle/>
+          <a:p>
+            <a:r>
+              <a:rPr lang="en-US" sz="2800" dirty="0"/>
+              <a:t>Distribution and packages: CRAN (Comprehensive R Archive Network) </a:t>
+            </a:r>
+            <a:r>
+              <a:rPr lang="en-US" sz="2800" dirty="0">
+                <a:hlinkClick r:id="rId2"/>
+              </a:rPr>
+              <a:t>http://cran.r-project.org/</a:t>
+            </a:r>
+            <a:endParaRPr lang="en-US" sz="2800" dirty="0"/>
+          </a:p>
+          <a:p>
+            <a:r>
+              <a:rPr lang="fr-BE" sz="2800" dirty="0"/>
+              <a:t>Information: </a:t>
+            </a:r>
+            <a:r>
+              <a:rPr lang="fr-BE" sz="2800" dirty="0">
+                <a:hlinkClick r:id="rId3"/>
+              </a:rPr>
+              <a:t>http://www.r-project.org/</a:t>
+            </a:r>
+            <a:endParaRPr lang="fr-BE" sz="2800" dirty="0"/>
+          </a:p>
+          <a:p>
+            <a:pPr marL="0" indent="0">
+              <a:buNone/>
+            </a:pPr>
+            <a:endParaRPr lang="en-US" dirty="0"/>
+          </a:p>
+          <a:p>
+            <a:endParaRPr lang="fr-BE" dirty="0"/>
+          </a:p>
+        </p:txBody>
+      </p:sp>
+    </p:spTree>
+    <p:extLst>
+      <p:ext uri="{BB962C8B-B14F-4D97-AF65-F5344CB8AC3E}">
+        <p14:creationId xmlns:p14="http://schemas.microsoft.com/office/powerpoint/2010/main" val="3325711465"/>
+      </p:ext>
+    </p:extLst>
+  </p:cSld>
+  <p:clrMapOvr>
+    <a:masterClrMapping/>
+  </p:clrMapOvr>
+</p:sld>
+</file>
+
+<file path=ppt/slides/slide40.xml><?xml version="1.0" encoding="utf-8"?>
+<p:sld xmlns:a="http://schemas.openxmlformats.org/drawingml/2006/main" xmlns:r="http://schemas.openxmlformats.org/officeDocument/2006/relationships" xmlns:p="http://schemas.openxmlformats.org/presentationml/2006/main">
+  <p:cSld>
+    <p:spTree>
+      <p:nvGrpSpPr>
+        <p:cNvPr id="1" name=""/>
+        <p:cNvGrpSpPr/>
+        <p:nvPr/>
+      </p:nvGrpSpPr>
+      <p:grpSpPr>
+        <a:xfrm>
+          <a:off x="0" y="0"/>
+          <a:ext cx="0" cy="0"/>
+          <a:chOff x="0" y="0"/>
+          <a:chExt cx="0" cy="0"/>
+        </a:xfrm>
+      </p:grpSpPr>
+      <p:sp>
+        <p:nvSpPr>
+          <p:cNvPr id="2" name="Title 1"/>
+          <p:cNvSpPr>
+            <a:spLocks noGrp="1"/>
+          </p:cNvSpPr>
+          <p:nvPr>
+            <p:ph type="title"/>
+          </p:nvPr>
+        </p:nvSpPr>
+        <p:spPr/>
+        <p:txBody>
+          <a:bodyPr/>
+          <a:lstStyle/>
+          <a:p>
+            <a:r>
+              <a:rPr lang="en-US" dirty="0"/>
               <a:t>Importing your data into R</a:t>
             </a:r>
             <a:endParaRPr lang="fr-BE" dirty="0"/>
@@ -10488,7 +11877,7 @@
 </p:sld>
 </file>
 
-<file path=ppt/slides/slide37.xml><?xml version="1.0" encoding="utf-8"?>
+<file path=ppt/slides/slide41.xml><?xml version="1.0" encoding="utf-8"?>
 <p:sld xmlns:a="http://schemas.openxmlformats.org/drawingml/2006/main" xmlns:r="http://schemas.openxmlformats.org/officeDocument/2006/relationships" xmlns:p="http://schemas.openxmlformats.org/presentationml/2006/main">
   <p:cSld>
     <p:spTree>
@@ -10615,7 +12004,7 @@
 </p:sld>
 </file>
 
-<file path=ppt/slides/slide38.xml><?xml version="1.0" encoding="utf-8"?>
+<file path=ppt/slides/slide42.xml><?xml version="1.0" encoding="utf-8"?>
 <p:sld xmlns:a="http://schemas.openxmlformats.org/drawingml/2006/main" xmlns:r="http://schemas.openxmlformats.org/officeDocument/2006/relationships" xmlns:p="http://schemas.openxmlformats.org/presentationml/2006/main">
   <p:cSld>
     <p:spTree>
@@ -11557,110 +12946,6 @@
 </p:sld>
 </file>
 
-<file path=ppt/slides/slide4.xml><?xml version="1.0" encoding="utf-8"?>
-<p:sld xmlns:a="http://schemas.openxmlformats.org/drawingml/2006/main" xmlns:r="http://schemas.openxmlformats.org/officeDocument/2006/relationships" xmlns:p="http://schemas.openxmlformats.org/presentationml/2006/main">
-  <p:cSld>
-    <p:spTree>
-      <p:nvGrpSpPr>
-        <p:cNvPr id="1" name=""/>
-        <p:cNvGrpSpPr/>
-        <p:nvPr/>
-      </p:nvGrpSpPr>
-      <p:grpSpPr>
-        <a:xfrm>
-          <a:off x="0" y="0"/>
-          <a:ext cx="0" cy="0"/>
-          <a:chOff x="0" y="0"/>
-          <a:chExt cx="0" cy="0"/>
-        </a:xfrm>
-      </p:grpSpPr>
-      <p:sp>
-        <p:nvSpPr>
-          <p:cNvPr id="2" name="Title 1"/>
-          <p:cNvSpPr>
-            <a:spLocks noGrp="1"/>
-          </p:cNvSpPr>
-          <p:nvPr>
-            <p:ph type="title"/>
-          </p:nvPr>
-        </p:nvSpPr>
-        <p:spPr/>
-        <p:txBody>
-          <a:bodyPr/>
-          <a:lstStyle/>
-          <a:p>
-            <a:r>
-              <a:rPr lang="en-US" dirty="0"/>
-              <a:t>Where to get R?</a:t>
-            </a:r>
-            <a:endParaRPr lang="fr-BE" dirty="0"/>
-          </a:p>
-        </p:txBody>
-      </p:sp>
-      <p:sp>
-        <p:nvSpPr>
-          <p:cNvPr id="3" name="Content Placeholder 2"/>
-          <p:cNvSpPr>
-            <a:spLocks noGrp="1"/>
-          </p:cNvSpPr>
-          <p:nvPr>
-            <p:ph idx="1"/>
-          </p:nvPr>
-        </p:nvSpPr>
-        <p:spPr/>
-        <p:txBody>
-          <a:bodyPr/>
-          <a:lstStyle/>
-          <a:p>
-            <a:r>
-              <a:rPr lang="en-US" sz="2800" dirty="0"/>
-              <a:t>Distribution and packages: CRAN (Comprehensive R Archive Network) </a:t>
-            </a:r>
-            <a:r>
-              <a:rPr lang="en-US" sz="2800" dirty="0">
-                <a:hlinkClick r:id="rId2"/>
-              </a:rPr>
-              <a:t>http://cran.r-project.org/</a:t>
-            </a:r>
-            <a:endParaRPr lang="en-US" sz="2800" dirty="0"/>
-          </a:p>
-          <a:p>
-            <a:r>
-              <a:rPr lang="fr-BE" sz="2800" dirty="0"/>
-              <a:t>Information: </a:t>
-            </a:r>
-            <a:r>
-              <a:rPr lang="fr-BE" sz="2800" dirty="0">
-                <a:hlinkClick r:id="rId3"/>
-              </a:rPr>
-              <a:t>http://www.r-project.org/</a:t>
-            </a:r>
-            <a:endParaRPr lang="fr-BE" sz="2800" dirty="0"/>
-          </a:p>
-          <a:p>
-            <a:pPr marL="0" indent="0">
-              <a:buNone/>
-            </a:pPr>
-            <a:endParaRPr lang="en-US" dirty="0"/>
-          </a:p>
-          <a:p>
-            <a:endParaRPr lang="fr-BE" dirty="0"/>
-          </a:p>
-        </p:txBody>
-      </p:sp>
-    </p:spTree>
-    <p:extLst>
-      <p:ext uri="{BB962C8B-B14F-4D97-AF65-F5344CB8AC3E}">
-        <p14:creationId xmlns:p14="http://schemas.microsoft.com/office/powerpoint/2010/main" val="3325711465"/>
-      </p:ext>
-    </p:extLst>
-  </p:cSld>
-  <p:clrMapOvr>
-    <a:masterClrMapping/>
-  </p:clrMapOvr>
-</p:sld>
-</file>
-
 <file path=ppt/slides/slide5.xml><?xml version="1.0" encoding="utf-8"?>
 <p:sld xmlns:a="http://schemas.openxmlformats.org/drawingml/2006/main" xmlns:r="http://schemas.openxmlformats.org/officeDocument/2006/relationships" xmlns:p="http://schemas.openxmlformats.org/presentationml/2006/main">
   <p:cSld>
